--- a/docs/pitch/mepark_ticket_pitch_v3_goldwatch.pptx
+++ b/docs/pitch/mepark_ticket_pitch_v3_goldwatch.pptx
@@ -128,7 +128,7 @@
           <a:lstStyle/>
           <a:p>
             <a:pPr>
-              <a:defRPr sz="1100" b="0" i="0" u="none" strike="noStrike">
+              <a:defRPr sz="1000" b="0" i="0" u="none" strike="noStrike">
                 <a:solidFill>
                   <a:srgbClr val="1A1D2B"/>
                 </a:solidFill>
@@ -136,13 +136,13 @@
               </a:defRPr>
             </a:pPr>
             <a:r>
-              <a:rPr sz="1100" b="0" i="0" u="none" strike="noStrike">
+              <a:rPr sz="1000" b="0" i="0" u="none" strike="noStrike">
                 <a:solidFill>
                   <a:srgbClr val="1A1D2B"/>
                 </a:solidFill>
                 <a:latin typeface="Arial"/>
               </a:rPr>
-              <a:t>연간 매출  &amp;  영업이익  (단위: 백만원)</a:t>
+              <a:t>매출  vs  영업이익 (백만원)  ·  알림톡 2회 절감 반영</a:t>
             </a:r>
           </a:p>
         </c:rich>
@@ -185,7 +185,7 @@
               <a:lstStyle/>
               <a:p>
                 <a:pPr>
-                  <a:defRPr b="0" i="0" strike="noStrike" sz="1000" u="none">
+                  <a:defRPr b="0" i="0" strike="noStrike" sz="900" u="none">
                     <a:solidFill>
                       <a:srgbClr val="1A1D2B"/>
                     </a:solidFill>
@@ -228,13 +228,13 @@
                 <c:formatCode>General</c:formatCode>
                 <c:ptCount val="3"/>
                 <c:pt idx="0">
-                  <c:v>141</c:v>
+                  <c:v>140</c:v>
                 </c:pt>
                 <c:pt idx="1">
-                  <c:v>438</c:v>
+                  <c:v>440</c:v>
                 </c:pt>
                 <c:pt idx="2">
-                  <c:v>1012</c:v>
+                  <c:v>1010</c:v>
                 </c:pt>
               </c:numCache>
             </c:numRef>
@@ -268,7 +268,7 @@
               <a:lstStyle/>
               <a:p>
                 <a:pPr>
-                  <a:defRPr b="0" i="0" strike="noStrike" sz="1000" u="none">
+                  <a:defRPr b="0" i="0" strike="noStrike" sz="900" u="none">
                     <a:solidFill>
                       <a:srgbClr val="1A1D2B"/>
                     </a:solidFill>
@@ -311,13 +311,13 @@
                 <c:formatCode>General</c:formatCode>
                 <c:ptCount val="3"/>
                 <c:pt idx="0">
-                  <c:v>25</c:v>
+                  <c:v>34</c:v>
                 </c:pt>
                 <c:pt idx="1">
-                  <c:v>111</c:v>
+                  <c:v>133</c:v>
                 </c:pt>
                 <c:pt idx="2">
-                  <c:v>351</c:v>
+                  <c:v>395</c:v>
                 </c:pt>
               </c:numCache>
             </c:numRef>
@@ -330,7 +330,7 @@
             <a:lstStyle/>
             <a:p>
               <a:pPr>
-                <a:defRPr b="0" i="0" strike="noStrike" sz="1000" u="none">
+                <a:defRPr b="0" i="0" strike="noStrike" sz="900" u="none">
                   <a:solidFill>
                     <a:srgbClr val="1A1D2B"/>
                   </a:solidFill>
@@ -462,359 +462,12 @@
         <a:lstStyle/>
         <a:p>
           <a:pPr>
-            <a:defRPr sz="1000">      </a:defRPr>
+            <a:defRPr sz="900">      </a:defRPr>
           </a:pPr>
           <a:endParaRPr lang="en-US"/>
         </a:p>
       </c:txPr>
     </c:legend>
-    <c:plotVisOnly val="1"/>
-    <c:dispBlanksAs val="span"/>
-  </c:chart>
-  <c:spPr>
-    <a:solidFill>
-      <a:srgbClr val="FFFFFF"/>
-    </a:solidFill>
-    <a:ln>
-      <a:noFill/>
-    </a:ln>
-    <a:effectLst/>
-  </c:spPr>
-  <c:externalData r:id="rId1">
-    <c:autoUpdate val="0"/>
-  </c:externalData>
-</c:chartSpace>
-</file>
-
-<file path=ppt/charts/chart2.xml><?xml version="1.0" encoding="utf-8"?>
-<c:chartSpace xmlns:c="http://schemas.openxmlformats.org/drawingml/2006/chart" xmlns:a="http://schemas.openxmlformats.org/drawingml/2006/main" xmlns:r="http://schemas.openxmlformats.org/officeDocument/2006/relationships">
-  <c:date1904 val="0"/>
-  <c:roundedCorners val="1"/>
-  <c:chart>
-    <c:title>
-      <c:tx>
-        <c:rich>
-          <a:bodyPr/>
-          <a:lstStyle/>
-          <a:p>
-            <a:pPr>
-              <a:defRPr sz="1100" b="0" i="0" u="none" strike="noStrike">
-                <a:solidFill>
-                  <a:srgbClr val="1A1D2B"/>
-                </a:solidFill>
-                <a:latin typeface="Arial"/>
-              </a:defRPr>
-            </a:pPr>
-            <a:r>
-              <a:rPr sz="1100" b="0" i="0" u="none" strike="noStrike">
-                <a:solidFill>
-                  <a:srgbClr val="1A1D2B"/>
-                </a:solidFill>
-                <a:latin typeface="Arial"/>
-              </a:rPr>
-              <a:t>MRR 성장 추이  (분기별, 만원)  →  3년차 2,200만원/월</a:t>
-            </a:r>
-          </a:p>
-        </c:rich>
-      </c:tx>
-      <c:layout/>
-      <c:overlay val="0"/>
-    </c:title>
-    <c:autoTitleDeleted val="0"/>
-    <c:plotArea>
-      <c:layout/>
-      <c:lineChart>
-        <c:varyColors val="0"/>
-        <c:ser>
-          <c:idx val="0"/>
-          <c:order val="0"/>
-          <c:tx>
-            <c:strRef>
-              <c:f>Sheet1!$B$1</c:f>
-              <c:strCache>
-                <c:ptCount val="1"/>
-                <c:pt idx="0">
-                  <c:v>월 MRR (만원)</c:v>
-                </c:pt>
-              </c:strCache>
-            </c:strRef>
-          </c:tx>
-          <c:spPr>
-            <a:solidFill>
-              <a:srgbClr val="F5B731"/>
-            </a:solidFill>
-            <a:ln w="38100" cap="flat">
-              <a:solidFill>
-                <a:srgbClr val="F5B731"/>
-              </a:solidFill>
-              <a:prstDash val="solid"/>
-              <a:round/>
-            </a:ln>
-            <a:effectLst/>
-          </c:spPr>
-          <c:invertIfNegative val="0"/>
-          <c:dLbls>
-            <c:numFmt formatCode="#,##0" sourceLinked="0"/>
-            <c:txPr>
-              <a:bodyPr/>
-              <a:lstStyle/>
-              <a:p>
-                <a:pPr>
-                  <a:defRPr b="0" i="0" strike="noStrike" sz="1200" u="none">
-                    <a:solidFill>
-                      <a:srgbClr val="000000"/>
-                    </a:solidFill>
-                    <a:latin typeface="Arial"/>
-                  </a:defRPr>
-                </a:pPr>
-              </a:p>
-            </c:txPr>
-            <c:showLegendKey val="0"/>
-            <c:showVal val="0"/>
-            <c:showCatName val="0"/>
-            <c:showSerName val="0"/>
-            <c:showPercent val="0"/>
-            <c:showBubbleSize val="0"/>
-            <c:showLeaderLines val="0"/>
-          </c:dLbls>
-          <c:marker>
-            <c:symbol val="circle"/>
-            <c:size val="6"/>
-            <c:spPr>
-              <a:solidFill>
-                <a:srgbClr val="F5B731"/>
-              </a:solidFill>
-              <a:ln w="9525" cap="flat">
-                <a:solidFill>
-                  <a:srgbClr val="F5B731"/>
-                </a:solidFill>
-                <a:prstDash val="solid"/>
-                <a:round/>
-              </a:ln>
-              <a:effectLst/>
-            </c:spPr>
-          </c:marker>
-          <c:cat>
-            <c:multiLvlStrRef>
-              <c:f>Sheet1!$A$2:$A$13</c:f>
-              <c:multiLvlStrCache>
-                <c:ptCount val="12"/>
-                <c:lvl>
-                  <c:pt idx="0">
-                    <c:v>Q1</c:v>
-                  </c:pt>
-                  <c:pt idx="1">
-                    <c:v>Q2</c:v>
-                  </c:pt>
-                  <c:pt idx="2">
-                    <c:v>Q3</c:v>
-                  </c:pt>
-                  <c:pt idx="3">
-                    <c:v>Q4</c:v>
-                  </c:pt>
-                  <c:pt idx="4">
-                    <c:v>Q5</c:v>
-                  </c:pt>
-                  <c:pt idx="5">
-                    <c:v>Q6</c:v>
-                  </c:pt>
-                  <c:pt idx="6">
-                    <c:v>Q7</c:v>
-                  </c:pt>
-                  <c:pt idx="7">
-                    <c:v>Q8</c:v>
-                  </c:pt>
-                  <c:pt idx="8">
-                    <c:v>Q9</c:v>
-                  </c:pt>
-                  <c:pt idx="9">
-                    <c:v>Q10</c:v>
-                  </c:pt>
-                  <c:pt idx="10">
-                    <c:v>Q11</c:v>
-                  </c:pt>
-                  <c:pt idx="11">
-                    <c:v>Q12</c:v>
-                  </c:pt>
-                </c:lvl>
-              </c:multiLvlStrCache>
-            </c:multiLvlStrRef>
-          </c:cat>
-          <c:val>
-            <c:numRef>
-              <c:f>Sheet1!$B$2:$B$13</c:f>
-              <c:numCache>
-                <c:formatCode>General</c:formatCode>
-                <c:ptCount val="12"/>
-                <c:pt idx="0">
-                  <c:v>74</c:v>
-                </c:pt>
-                <c:pt idx="1">
-                  <c:v>185</c:v>
-                </c:pt>
-                <c:pt idx="2">
-                  <c:v>278</c:v>
-                </c:pt>
-                <c:pt idx="3">
-                  <c:v>370</c:v>
-                </c:pt>
-                <c:pt idx="4">
-                  <c:v>444</c:v>
-                </c:pt>
-                <c:pt idx="5">
-                  <c:v>592</c:v>
-                </c:pt>
-                <c:pt idx="6">
-                  <c:v>740</c:v>
-                </c:pt>
-                <c:pt idx="7">
-                  <c:v>1000</c:v>
-                </c:pt>
-                <c:pt idx="8">
-                  <c:v>1320</c:v>
-                </c:pt>
-                <c:pt idx="9">
-                  <c:v>1672</c:v>
-                </c:pt>
-                <c:pt idx="10">
-                  <c:v>1980</c:v>
-                </c:pt>
-                <c:pt idx="11">
-                  <c:v>2200</c:v>
-                </c:pt>
-              </c:numCache>
-            </c:numRef>
-          </c:val>
-          <c:smooth val="1"/>
-        </c:ser>
-        <c:dLbls>
-          <c:numFmt formatCode="#,##0" sourceLinked="0"/>
-          <c:txPr>
-            <a:bodyPr/>
-            <a:lstStyle/>
-            <a:p>
-              <a:pPr>
-                <a:defRPr b="0" i="0" strike="noStrike" sz="1200" u="none">
-                  <a:solidFill>
-                    <a:srgbClr val="000000"/>
-                  </a:solidFill>
-                  <a:latin typeface="Arial"/>
-                </a:defRPr>
-              </a:pPr>
-            </a:p>
-          </c:txPr>
-          <c:showLegendKey val="0"/>
-          <c:showVal val="0"/>
-          <c:showCatName val="0"/>
-          <c:showSerName val="0"/>
-          <c:showPercent val="0"/>
-          <c:showBubbleSize val="0"/>
-          <c:showLeaderLines val="0"/>
-        </c:dLbls>
-        <c:marker val="1"/>
-        <c:axId val="2094734554"/>
-        <c:axId val="2094734552"/>
-        <c:axId val="2094734556"/>
-      </c:lineChart>
-      <c:catAx>
-        <c:axId val="2094734554"/>
-        <c:scaling>
-          <c:orientation val="minMax"/>
-        </c:scaling>
-        <c:delete val="0"/>
-        <c:axPos val="b"/>
-        <c:numFmt formatCode="General" sourceLinked="1"/>
-        <c:majorTickMark val="out"/>
-        <c:minorTickMark val="none"/>
-        <c:tickLblPos val="low"/>
-        <c:spPr>
-          <a:ln w="12700" cap="flat">
-            <a:solidFill>
-              <a:srgbClr val="888888"/>
-            </a:solidFill>
-            <a:prstDash val="solid"/>
-            <a:round/>
-          </a:ln>
-        </c:spPr>
-        <c:txPr>
-          <a:bodyPr/>
-          <a:lstStyle/>
-          <a:p>
-            <a:pPr>
-              <a:defRPr sz="1200" b="0" i="0" u="none" strike="noStrike">
-                <a:solidFill>
-                  <a:srgbClr val="000000"/>
-                </a:solidFill>
-                <a:latin typeface="Arial"/>
-              </a:defRPr>
-            </a:pPr>
-            <a:endParaRPr lang="en-US"/>
-          </a:p>
-        </c:txPr>
-        <c:crossAx val="2094734552"/>
-        <c:crosses val="autoZero"/>
-        <c:auto val="1"/>
-        <c:lblAlgn val="ctr"/>
-        <c:noMultiLvlLbl val="1"/>
-      </c:catAx>
-      <c:valAx>
-        <c:axId val="2094734552"/>
-        <c:scaling>
-          <c:orientation val="minMax"/>
-        </c:scaling>
-        <c:delete val="0"/>
-        <c:axPos val="l"/>
-        <c:majorGridlines>
-          <c:spPr>
-            <a:ln w="6350" cap="flat">
-              <a:solidFill>
-                <a:srgbClr val="E2E8F0"/>
-              </a:solidFill>
-              <a:prstDash val="solid"/>
-              <a:round/>
-            </a:ln>
-          </c:spPr>
-        </c:majorGridlines>
-        <c:numFmt formatCode="General" sourceLinked="0"/>
-        <c:majorTickMark val="out"/>
-        <c:minorTickMark val="none"/>
-        <c:tickLblPos val="nextTo"/>
-        <c:spPr>
-          <a:ln w="12700" cap="flat">
-            <a:solidFill>
-              <a:srgbClr val="888888"/>
-            </a:solidFill>
-            <a:prstDash val="solid"/>
-            <a:round/>
-          </a:ln>
-        </c:spPr>
-        <c:txPr>
-          <a:bodyPr/>
-          <a:lstStyle/>
-          <a:p>
-            <a:pPr>
-              <a:defRPr sz="1200" b="0" i="0" u="none" strike="noStrike">
-                <a:solidFill>
-                  <a:srgbClr val="000000"/>
-                </a:solidFill>
-                <a:latin typeface="Arial"/>
-              </a:defRPr>
-            </a:pPr>
-            <a:endParaRPr lang="en-US"/>
-          </a:p>
-        </c:txPr>
-        <c:crossAx val="2094734554"/>
-        <c:crosses val="autoZero"/>
-        <c:crossBetween val="between"/>
-      </c:valAx>
-      <c:spPr>
-        <a:noFill/>
-        <a:ln>
-          <a:noFill/>
-        </a:ln>
-        <a:effectLst/>
-      </c:spPr>
-    </c:plotArea>
     <c:plotVisOnly val="1"/>
     <c:dispBlanksAs val="span"/>
   </c:chart>
@@ -16072,7 +15725,7 @@
         <p:spPr>
           <a:xfrm>
             <a:off x="384048" y="0"/>
-            <a:ext cx="6400800" cy="1005840"/>
+            <a:ext cx="7315200" cy="1005840"/>
           </a:xfrm>
           <a:prstGeom prst="rect">
             <a:avLst/>
@@ -16096,7 +15749,7 @@
                 <a:ea typeface="Outfit" pitchFamily="34" charset="-122"/>
                 <a:cs typeface="Outfit" pitchFamily="34" charset="-120"/>
               </a:rPr>
-              <a:t>3개년 재무 계획</a:t>
+              <a:t>3개년 재무 시뮬레이션</a:t>
             </a:r>
             <a:endParaRPr lang="en-US" sz="2800" dirty="0"/>
           </a:p>
@@ -16105,6 +15758,45 @@
       <p:sp>
         <p:nvSpPr>
           <p:cNvPr id="7" name="Text 5"/>
+          <p:cNvSpPr/>
+          <p:nvPr/>
+        </p:nvSpPr>
+        <p:spPr>
+          <a:xfrm>
+            <a:off x="7498080" y="0"/>
+            <a:ext cx="4498848" cy="1005840"/>
+          </a:xfrm>
+          <a:prstGeom prst="rect">
+            <a:avLst/>
+          </a:prstGeom>
+          <a:noFill/>
+          <a:ln/>
+        </p:spPr>
+        <p:txBody>
+          <a:bodyPr wrap="square" rtlCol="0" anchor="ctr"/>
+          <a:lstStyle/>
+          <a:p>
+            <a:pPr algn="r" indent="0" marL="0">
+              <a:buNone/>
+            </a:pPr>
+            <a:r>
+              <a:rPr lang="en-US" sz="1000" dirty="0">
+                <a:solidFill>
+                  <a:srgbClr val="F5B731"/>
+                </a:solidFill>
+                <a:latin typeface="Outfit" pitchFamily="34" charset="0"/>
+                <a:ea typeface="Outfit" pitchFamily="34" charset="-122"/>
+                <a:cs typeface="Outfit" pitchFamily="34" charset="-120"/>
+              </a:rPr>
+              <a:t>알림톡 2회 기준  ·  인건비·마케팅 제외</a:t>
+            </a:r>
+            <a:endParaRPr lang="en-US" sz="1000" dirty="0"/>
+          </a:p>
+        </p:txBody>
+      </p:sp>
+      <p:sp>
+        <p:nvSpPr>
+          <p:cNvPr id="8" name="Text 6"/>
           <p:cNvSpPr/>
           <p:nvPr/>
         </p:nvSpPr>
@@ -16143,7 +15835,7 @@
       </p:sp>
       <p:sp>
         <p:nvSpPr>
-          <p:cNvPr id="8" name="Shape 6"/>
+          <p:cNvPr id="9" name="Shape 7"/>
           <p:cNvSpPr/>
           <p:nvPr/>
         </p:nvSpPr>
@@ -16168,14 +15860,14 @@
       </p:sp>
       <p:sp>
         <p:nvSpPr>
-          <p:cNvPr id="9" name="Text 7"/>
-          <p:cNvSpPr/>
-          <p:nvPr/>
-        </p:nvSpPr>
-        <p:spPr>
-          <a:xfrm>
-            <a:off x="594360" y="1243584"/>
-            <a:ext cx="3657600" cy="292608"/>
+          <p:cNvPr id="10" name="Text 8"/>
+          <p:cNvSpPr/>
+          <p:nvPr/>
+        </p:nvSpPr>
+        <p:spPr>
+          <a:xfrm>
+            <a:off x="594360" y="1225296"/>
+            <a:ext cx="3749040" cy="274320"/>
           </a:xfrm>
           <a:prstGeom prst="rect">
             <a:avLst/>
@@ -16207,14 +15899,14 @@
       </p:sp>
       <p:sp>
         <p:nvSpPr>
-          <p:cNvPr id="10" name="Text 8"/>
-          <p:cNvSpPr/>
-          <p:nvPr/>
-        </p:nvSpPr>
-        <p:spPr>
-          <a:xfrm>
-            <a:off x="594360" y="1517904"/>
-            <a:ext cx="3657600" cy="658368"/>
+          <p:cNvPr id="11" name="Text 9"/>
+          <p:cNvSpPr/>
+          <p:nvPr/>
+        </p:nvSpPr>
+        <p:spPr>
+          <a:xfrm>
+            <a:off x="594360" y="1481328"/>
+            <a:ext cx="3749040" cy="640080"/>
           </a:xfrm>
           <a:prstGeom prst="rect">
             <a:avLst/>
@@ -16246,14 +15938,14 @@
       </p:sp>
       <p:sp>
         <p:nvSpPr>
-          <p:cNvPr id="11" name="Text 9"/>
-          <p:cNvSpPr/>
-          <p:nvPr/>
-        </p:nvSpPr>
-        <p:spPr>
-          <a:xfrm>
-            <a:off x="594360" y="2176272"/>
-            <a:ext cx="1234440" cy="201168"/>
+          <p:cNvPr id="12" name="Text 10"/>
+          <p:cNvSpPr/>
+          <p:nvPr/>
+        </p:nvSpPr>
+        <p:spPr>
+          <a:xfrm>
+            <a:off x="594360" y="2139696"/>
+            <a:ext cx="1280160" cy="201168"/>
           </a:xfrm>
           <a:prstGeom prst="rect">
             <a:avLst/>
@@ -16285,30 +15977,30 @@
       </p:sp>
       <p:sp>
         <p:nvSpPr>
-          <p:cNvPr id="12" name="Text 10"/>
-          <p:cNvSpPr/>
-          <p:nvPr/>
-        </p:nvSpPr>
-        <p:spPr>
-          <a:xfrm>
-            <a:off x="594360" y="2359152"/>
-            <a:ext cx="1234440" cy="274320"/>
-          </a:xfrm>
-          <a:prstGeom prst="rect">
-            <a:avLst/>
-          </a:prstGeom>
-          <a:noFill/>
-          <a:ln/>
-        </p:spPr>
-        <p:txBody>
-          <a:bodyPr wrap="square" rtlCol="0" anchor="ctr"/>
-          <a:lstStyle/>
-          <a:p>
-            <a:pPr indent="0" marL="0">
-              <a:buNone/>
-            </a:pPr>
-            <a:r>
-              <a:rPr lang="en-US" sz="1400" b="1" dirty="0">
+          <p:cNvPr id="13" name="Text 11"/>
+          <p:cNvSpPr/>
+          <p:nvPr/>
+        </p:nvSpPr>
+        <p:spPr>
+          <a:xfrm>
+            <a:off x="594360" y="2322576"/>
+            <a:ext cx="1280160" cy="274320"/>
+          </a:xfrm>
+          <a:prstGeom prst="rect">
+            <a:avLst/>
+          </a:prstGeom>
+          <a:noFill/>
+          <a:ln/>
+        </p:spPr>
+        <p:txBody>
+          <a:bodyPr wrap="square" rtlCol="0" anchor="ctr"/>
+          <a:lstStyle/>
+          <a:p>
+            <a:pPr indent="0" marL="0">
+              <a:buNone/>
+            </a:pPr>
+            <a:r>
+              <a:rPr lang="en-US" sz="1300" b="1" dirty="0">
                 <a:solidFill>
                   <a:srgbClr val="FFFFFF"/>
                 </a:solidFill>
@@ -16318,20 +16010,20 @@
               </a:rPr>
               <a:t>1.4억</a:t>
             </a:r>
-            <a:endParaRPr lang="en-US" sz="1400" dirty="0"/>
-          </a:p>
-        </p:txBody>
-      </p:sp>
-      <p:sp>
-        <p:nvSpPr>
-          <p:cNvPr id="13" name="Text 11"/>
-          <p:cNvSpPr/>
-          <p:nvPr/>
-        </p:nvSpPr>
-        <p:spPr>
-          <a:xfrm>
-            <a:off x="1892808" y="2176272"/>
-            <a:ext cx="1234440" cy="201168"/>
+            <a:endParaRPr lang="en-US" sz="1300" dirty="0"/>
+          </a:p>
+        </p:txBody>
+      </p:sp>
+      <p:sp>
+        <p:nvSpPr>
+          <p:cNvPr id="14" name="Text 12"/>
+          <p:cNvSpPr/>
+          <p:nvPr/>
+        </p:nvSpPr>
+        <p:spPr>
+          <a:xfrm>
+            <a:off x="1892808" y="2139696"/>
+            <a:ext cx="1280160" cy="201168"/>
           </a:xfrm>
           <a:prstGeom prst="rect">
             <a:avLst/>
@@ -16363,30 +16055,30 @@
       </p:sp>
       <p:sp>
         <p:nvSpPr>
-          <p:cNvPr id="14" name="Text 12"/>
-          <p:cNvSpPr/>
-          <p:nvPr/>
-        </p:nvSpPr>
-        <p:spPr>
-          <a:xfrm>
-            <a:off x="1892808" y="2359152"/>
-            <a:ext cx="1234440" cy="274320"/>
-          </a:xfrm>
-          <a:prstGeom prst="rect">
-            <a:avLst/>
-          </a:prstGeom>
-          <a:noFill/>
-          <a:ln/>
-        </p:spPr>
-        <p:txBody>
-          <a:bodyPr wrap="square" rtlCol="0" anchor="ctr"/>
-          <a:lstStyle/>
-          <a:p>
-            <a:pPr indent="0" marL="0">
-              <a:buNone/>
-            </a:pPr>
-            <a:r>
-              <a:rPr lang="en-US" sz="1400" b="1" dirty="0">
+          <p:cNvPr id="15" name="Text 13"/>
+          <p:cNvSpPr/>
+          <p:nvPr/>
+        </p:nvSpPr>
+        <p:spPr>
+          <a:xfrm>
+            <a:off x="1892808" y="2322576"/>
+            <a:ext cx="1280160" cy="274320"/>
+          </a:xfrm>
+          <a:prstGeom prst="rect">
+            <a:avLst/>
+          </a:prstGeom>
+          <a:noFill/>
+          <a:ln/>
+        </p:spPr>
+        <p:txBody>
+          <a:bodyPr wrap="square" rtlCol="0" anchor="ctr"/>
+          <a:lstStyle/>
+          <a:p>
+            <a:pPr indent="0" marL="0">
+              <a:buNone/>
+            </a:pPr>
+            <a:r>
+              <a:rPr lang="en-US" sz="1300" b="1" dirty="0">
                 <a:solidFill>
                   <a:srgbClr val="FFFFFF"/>
                 </a:solidFill>
@@ -16394,22 +16086,22 @@
                 <a:ea typeface="Outfit" pitchFamily="34" charset="-122"/>
                 <a:cs typeface="Outfit" pitchFamily="34" charset="-120"/>
               </a:rPr>
-              <a:t>2,453만</a:t>
-            </a:r>
-            <a:endParaRPr lang="en-US" sz="1400" dirty="0"/>
-          </a:p>
-        </p:txBody>
-      </p:sp>
-      <p:sp>
-        <p:nvSpPr>
-          <p:cNvPr id="15" name="Text 13"/>
-          <p:cNvSpPr/>
-          <p:nvPr/>
-        </p:nvSpPr>
-        <p:spPr>
-          <a:xfrm>
-            <a:off x="3191256" y="2176272"/>
-            <a:ext cx="1234440" cy="201168"/>
+              <a:t>3,353만</a:t>
+            </a:r>
+            <a:endParaRPr lang="en-US" sz="1300" dirty="0"/>
+          </a:p>
+        </p:txBody>
+      </p:sp>
+      <p:sp>
+        <p:nvSpPr>
+          <p:cNvPr id="16" name="Text 14"/>
+          <p:cNvSpPr/>
+          <p:nvPr/>
+        </p:nvSpPr>
+        <p:spPr>
+          <a:xfrm>
+            <a:off x="3191256" y="2139696"/>
+            <a:ext cx="1280160" cy="201168"/>
           </a:xfrm>
           <a:prstGeom prst="rect">
             <a:avLst/>
@@ -16441,30 +16133,30 @@
       </p:sp>
       <p:sp>
         <p:nvSpPr>
-          <p:cNvPr id="16" name="Text 14"/>
-          <p:cNvSpPr/>
-          <p:nvPr/>
-        </p:nvSpPr>
-        <p:spPr>
-          <a:xfrm>
-            <a:off x="3191256" y="2359152"/>
-            <a:ext cx="1234440" cy="274320"/>
-          </a:xfrm>
-          <a:prstGeom prst="rect">
-            <a:avLst/>
-          </a:prstGeom>
-          <a:noFill/>
-          <a:ln/>
-        </p:spPr>
-        <p:txBody>
-          <a:bodyPr wrap="square" rtlCol="0" anchor="ctr"/>
-          <a:lstStyle/>
-          <a:p>
-            <a:pPr indent="0" marL="0">
-              <a:buNone/>
-            </a:pPr>
-            <a:r>
-              <a:rPr lang="en-US" sz="1400" b="1" dirty="0">
+          <p:cNvPr id="17" name="Text 15"/>
+          <p:cNvSpPr/>
+          <p:nvPr/>
+        </p:nvSpPr>
+        <p:spPr>
+          <a:xfrm>
+            <a:off x="3191256" y="2322576"/>
+            <a:ext cx="1280160" cy="274320"/>
+          </a:xfrm>
+          <a:prstGeom prst="rect">
+            <a:avLst/>
+          </a:prstGeom>
+          <a:noFill/>
+          <a:ln/>
+        </p:spPr>
+        <p:txBody>
+          <a:bodyPr wrap="square" rtlCol="0" anchor="ctr"/>
+          <a:lstStyle/>
+          <a:p>
+            <a:pPr indent="0" marL="0">
+              <a:buNone/>
+            </a:pPr>
+            <a:r>
+              <a:rPr lang="en-US" sz="1300" b="1" dirty="0">
                 <a:solidFill>
                   <a:srgbClr val="FFFFFF"/>
                 </a:solidFill>
@@ -16472,21 +16164,60 @@
                 <a:ea typeface="Outfit" pitchFamily="34" charset="-122"/>
                 <a:cs typeface="Outfit" pitchFamily="34" charset="-120"/>
               </a:rPr>
-              <a:t>17.4%</a:t>
-            </a:r>
-            <a:endParaRPr lang="en-US" sz="1400" dirty="0"/>
-          </a:p>
-        </p:txBody>
-      </p:sp>
-      <p:sp>
-        <p:nvSpPr>
-          <p:cNvPr id="17" name="Shape 15"/>
-          <p:cNvSpPr/>
-          <p:nvPr/>
-        </p:nvSpPr>
-        <p:spPr>
-          <a:xfrm>
-            <a:off x="384048" y="2743200"/>
+              <a:t>24.0%</a:t>
+            </a:r>
+            <a:endParaRPr lang="en-US" sz="1300" dirty="0"/>
+          </a:p>
+        </p:txBody>
+      </p:sp>
+      <p:sp>
+        <p:nvSpPr>
+          <p:cNvPr id="18" name="Text 16"/>
+          <p:cNvSpPr/>
+          <p:nvPr/>
+        </p:nvSpPr>
+        <p:spPr>
+          <a:xfrm>
+            <a:off x="594360" y="2587752"/>
+            <a:ext cx="3657600" cy="182880"/>
+          </a:xfrm>
+          <a:prstGeom prst="rect">
+            <a:avLst/>
+          </a:prstGeom>
+          <a:noFill/>
+          <a:ln/>
+        </p:spPr>
+        <p:txBody>
+          <a:bodyPr wrap="square" rtlCol="0" anchor="ctr"/>
+          <a:lstStyle/>
+          <a:p>
+            <a:pPr indent="0" marL="0">
+              <a:buNone/>
+            </a:pPr>
+            <a:r>
+              <a:rPr lang="en-US" sz="900" dirty="0">
+                <a:solidFill>
+                  <a:srgbClr val="0F9ED5"/>
+                </a:solidFill>
+                <a:latin typeface="Outfit" pitchFamily="34" charset="0"/>
+                <a:ea typeface="Outfit" pitchFamily="34" charset="-122"/>
+                <a:cs typeface="Outfit" pitchFamily="34" charset="-120"/>
+              </a:rPr>
+              <a:t>인프라 196만/월</a:t>
+            </a:r>
+            <a:endParaRPr lang="en-US" sz="900" dirty="0"/>
+          </a:p>
+        </p:txBody>
+      </p:sp>
+      <p:sp>
+        <p:nvSpPr>
+          <p:cNvPr id="19" name="Shape 17"/>
+          <p:cNvSpPr/>
+          <p:nvPr/>
+        </p:nvSpPr>
+        <p:spPr>
+          <a:xfrm>
+            <a:off x="384048" y="2779776"/>
             <a:ext cx="3931920" cy="10973"/>
           </a:xfrm>
           <a:prstGeom prst="rect">
@@ -16505,7 +16236,7 @@
       </p:sp>
       <p:sp>
         <p:nvSpPr>
-          <p:cNvPr id="18" name="Shape 16"/>
+          <p:cNvPr id="20" name="Shape 18"/>
           <p:cNvSpPr/>
           <p:nvPr/>
         </p:nvSpPr>
@@ -16530,14 +16261,14 @@
       </p:sp>
       <p:sp>
         <p:nvSpPr>
-          <p:cNvPr id="19" name="Text 17"/>
-          <p:cNvSpPr/>
-          <p:nvPr/>
-        </p:nvSpPr>
-        <p:spPr>
-          <a:xfrm>
-            <a:off x="594360" y="2980944"/>
-            <a:ext cx="3657600" cy="292608"/>
+          <p:cNvPr id="21" name="Text 19"/>
+          <p:cNvSpPr/>
+          <p:nvPr/>
+        </p:nvSpPr>
+        <p:spPr>
+          <a:xfrm>
+            <a:off x="594360" y="2962656"/>
+            <a:ext cx="3749040" cy="274320"/>
           </a:xfrm>
           <a:prstGeom prst="rect">
             <a:avLst/>
@@ -16569,14 +16300,14 @@
       </p:sp>
       <p:sp>
         <p:nvSpPr>
-          <p:cNvPr id="20" name="Text 18"/>
-          <p:cNvSpPr/>
-          <p:nvPr/>
-        </p:nvSpPr>
-        <p:spPr>
-          <a:xfrm>
-            <a:off x="594360" y="3255264"/>
-            <a:ext cx="3657600" cy="658368"/>
+          <p:cNvPr id="22" name="Text 20"/>
+          <p:cNvSpPr/>
+          <p:nvPr/>
+        </p:nvSpPr>
+        <p:spPr>
+          <a:xfrm>
+            <a:off x="594360" y="3218688"/>
+            <a:ext cx="3749040" cy="640080"/>
           </a:xfrm>
           <a:prstGeom prst="rect">
             <a:avLst/>
@@ -16608,14 +16339,14 @@
       </p:sp>
       <p:sp>
         <p:nvSpPr>
-          <p:cNvPr id="21" name="Text 19"/>
-          <p:cNvSpPr/>
-          <p:nvPr/>
-        </p:nvSpPr>
-        <p:spPr>
-          <a:xfrm>
-            <a:off x="594360" y="3913632"/>
-            <a:ext cx="1234440" cy="201168"/>
+          <p:cNvPr id="23" name="Text 21"/>
+          <p:cNvSpPr/>
+          <p:nvPr/>
+        </p:nvSpPr>
+        <p:spPr>
+          <a:xfrm>
+            <a:off x="594360" y="3877056"/>
+            <a:ext cx="1280160" cy="201168"/>
           </a:xfrm>
           <a:prstGeom prst="rect">
             <a:avLst/>
@@ -16647,30 +16378,30 @@
       </p:sp>
       <p:sp>
         <p:nvSpPr>
-          <p:cNvPr id="22" name="Text 20"/>
-          <p:cNvSpPr/>
-          <p:nvPr/>
-        </p:nvSpPr>
-        <p:spPr>
-          <a:xfrm>
-            <a:off x="594360" y="4096512"/>
-            <a:ext cx="1234440" cy="274320"/>
-          </a:xfrm>
-          <a:prstGeom prst="rect">
-            <a:avLst/>
-          </a:prstGeom>
-          <a:noFill/>
-          <a:ln/>
-        </p:spPr>
-        <p:txBody>
-          <a:bodyPr wrap="square" rtlCol="0" anchor="ctr"/>
-          <a:lstStyle/>
-          <a:p>
-            <a:pPr indent="0" marL="0">
-              <a:buNone/>
-            </a:pPr>
-            <a:r>
-              <a:rPr lang="en-US" sz="1400" b="1" dirty="0">
+          <p:cNvPr id="24" name="Text 22"/>
+          <p:cNvSpPr/>
+          <p:nvPr/>
+        </p:nvSpPr>
+        <p:spPr>
+          <a:xfrm>
+            <a:off x="594360" y="4059936"/>
+            <a:ext cx="1280160" cy="274320"/>
+          </a:xfrm>
+          <a:prstGeom prst="rect">
+            <a:avLst/>
+          </a:prstGeom>
+          <a:noFill/>
+          <a:ln/>
+        </p:spPr>
+        <p:txBody>
+          <a:bodyPr wrap="square" rtlCol="0" anchor="ctr"/>
+          <a:lstStyle/>
+          <a:p>
+            <a:pPr indent="0" marL="0">
+              <a:buNone/>
+            </a:pPr>
+            <a:r>
+              <a:rPr lang="en-US" sz="1300" b="1" dirty="0">
                 <a:solidFill>
                   <a:srgbClr val="FFFFFF"/>
                 </a:solidFill>
@@ -16680,20 +16411,20 @@
               </a:rPr>
               <a:t>4.4억</a:t>
             </a:r>
-            <a:endParaRPr lang="en-US" sz="1400" dirty="0"/>
-          </a:p>
-        </p:txBody>
-      </p:sp>
-      <p:sp>
-        <p:nvSpPr>
-          <p:cNvPr id="23" name="Text 21"/>
-          <p:cNvSpPr/>
-          <p:nvPr/>
-        </p:nvSpPr>
-        <p:spPr>
-          <a:xfrm>
-            <a:off x="1892808" y="3913632"/>
-            <a:ext cx="1234440" cy="201168"/>
+            <a:endParaRPr lang="en-US" sz="1300" dirty="0"/>
+          </a:p>
+        </p:txBody>
+      </p:sp>
+      <p:sp>
+        <p:nvSpPr>
+          <p:cNvPr id="25" name="Text 23"/>
+          <p:cNvSpPr/>
+          <p:nvPr/>
+        </p:nvSpPr>
+        <p:spPr>
+          <a:xfrm>
+            <a:off x="1892808" y="3877056"/>
+            <a:ext cx="1280160" cy="201168"/>
           </a:xfrm>
           <a:prstGeom prst="rect">
             <a:avLst/>
@@ -16725,30 +16456,30 @@
       </p:sp>
       <p:sp>
         <p:nvSpPr>
-          <p:cNvPr id="24" name="Text 22"/>
-          <p:cNvSpPr/>
-          <p:nvPr/>
-        </p:nvSpPr>
-        <p:spPr>
-          <a:xfrm>
-            <a:off x="1892808" y="4096512"/>
-            <a:ext cx="1234440" cy="274320"/>
-          </a:xfrm>
-          <a:prstGeom prst="rect">
-            <a:avLst/>
-          </a:prstGeom>
-          <a:noFill/>
-          <a:ln/>
-        </p:spPr>
-        <p:txBody>
-          <a:bodyPr wrap="square" rtlCol="0" anchor="ctr"/>
-          <a:lstStyle/>
-          <a:p>
-            <a:pPr indent="0" marL="0">
-              <a:buNone/>
-            </a:pPr>
-            <a:r>
-              <a:rPr lang="en-US" sz="1400" b="1" dirty="0">
+          <p:cNvPr id="26" name="Text 24"/>
+          <p:cNvSpPr/>
+          <p:nvPr/>
+        </p:nvSpPr>
+        <p:spPr>
+          <a:xfrm>
+            <a:off x="1892808" y="4059936"/>
+            <a:ext cx="1280160" cy="274320"/>
+          </a:xfrm>
+          <a:prstGeom prst="rect">
+            <a:avLst/>
+          </a:prstGeom>
+          <a:noFill/>
+          <a:ln/>
+        </p:spPr>
+        <p:txBody>
+          <a:bodyPr wrap="square" rtlCol="0" anchor="ctr"/>
+          <a:lstStyle/>
+          <a:p>
+            <a:pPr indent="0" marL="0">
+              <a:buNone/>
+            </a:pPr>
+            <a:r>
+              <a:rPr lang="en-US" sz="1300" b="1" dirty="0">
                 <a:solidFill>
                   <a:srgbClr val="FFFFFF"/>
                 </a:solidFill>
@@ -16756,22 +16487,22 @@
                 <a:ea typeface="Outfit" pitchFamily="34" charset="-122"/>
                 <a:cs typeface="Outfit" pitchFamily="34" charset="-120"/>
               </a:rPr>
-              <a:t>1.1억</a:t>
-            </a:r>
-            <a:endParaRPr lang="en-US" sz="1400" dirty="0"/>
-          </a:p>
-        </p:txBody>
-      </p:sp>
-      <p:sp>
-        <p:nvSpPr>
-          <p:cNvPr id="25" name="Text 23"/>
-          <p:cNvSpPr/>
-          <p:nvPr/>
-        </p:nvSpPr>
-        <p:spPr>
-          <a:xfrm>
-            <a:off x="3191256" y="3913632"/>
-            <a:ext cx="1234440" cy="201168"/>
+              <a:t>1.33억</a:t>
+            </a:r>
+            <a:endParaRPr lang="en-US" sz="1300" dirty="0"/>
+          </a:p>
+        </p:txBody>
+      </p:sp>
+      <p:sp>
+        <p:nvSpPr>
+          <p:cNvPr id="27" name="Text 25"/>
+          <p:cNvSpPr/>
+          <p:nvPr/>
+        </p:nvSpPr>
+        <p:spPr>
+          <a:xfrm>
+            <a:off x="3191256" y="3877056"/>
+            <a:ext cx="1280160" cy="201168"/>
           </a:xfrm>
           <a:prstGeom prst="rect">
             <a:avLst/>
@@ -16803,30 +16534,30 @@
       </p:sp>
       <p:sp>
         <p:nvSpPr>
-          <p:cNvPr id="26" name="Text 24"/>
-          <p:cNvSpPr/>
-          <p:nvPr/>
-        </p:nvSpPr>
-        <p:spPr>
-          <a:xfrm>
-            <a:off x="3191256" y="4096512"/>
-            <a:ext cx="1234440" cy="274320"/>
-          </a:xfrm>
-          <a:prstGeom prst="rect">
-            <a:avLst/>
-          </a:prstGeom>
-          <a:noFill/>
-          <a:ln/>
-        </p:spPr>
-        <p:txBody>
-          <a:bodyPr wrap="square" rtlCol="0" anchor="ctr"/>
-          <a:lstStyle/>
-          <a:p>
-            <a:pPr indent="0" marL="0">
-              <a:buNone/>
-            </a:pPr>
-            <a:r>
-              <a:rPr lang="en-US" sz="1400" b="1" dirty="0">
+          <p:cNvPr id="28" name="Text 26"/>
+          <p:cNvSpPr/>
+          <p:nvPr/>
+        </p:nvSpPr>
+        <p:spPr>
+          <a:xfrm>
+            <a:off x="3191256" y="4059936"/>
+            <a:ext cx="1280160" cy="274320"/>
+          </a:xfrm>
+          <a:prstGeom prst="rect">
+            <a:avLst/>
+          </a:prstGeom>
+          <a:noFill/>
+          <a:ln/>
+        </p:spPr>
+        <p:txBody>
+          <a:bodyPr wrap="square" rtlCol="0" anchor="ctr"/>
+          <a:lstStyle/>
+          <a:p>
+            <a:pPr indent="0" marL="0">
+              <a:buNone/>
+            </a:pPr>
+            <a:r>
+              <a:rPr lang="en-US" sz="1300" b="1" dirty="0">
                 <a:solidFill>
                   <a:srgbClr val="FFFFFF"/>
                 </a:solidFill>
@@ -16834,21 +16565,60 @@
                 <a:ea typeface="Outfit" pitchFamily="34" charset="-122"/>
                 <a:cs typeface="Outfit" pitchFamily="34" charset="-120"/>
               </a:rPr>
-              <a:t>25.4%</a:t>
-            </a:r>
-            <a:endParaRPr lang="en-US" sz="1400" dirty="0"/>
-          </a:p>
-        </p:txBody>
-      </p:sp>
-      <p:sp>
-        <p:nvSpPr>
-          <p:cNvPr id="27" name="Shape 25"/>
-          <p:cNvSpPr/>
-          <p:nvPr/>
-        </p:nvSpPr>
-        <p:spPr>
-          <a:xfrm>
-            <a:off x="384048" y="4480560"/>
+              <a:t>30.1%</a:t>
+            </a:r>
+            <a:endParaRPr lang="en-US" sz="1300" dirty="0"/>
+          </a:p>
+        </p:txBody>
+      </p:sp>
+      <p:sp>
+        <p:nvSpPr>
+          <p:cNvPr id="29" name="Text 27"/>
+          <p:cNvSpPr/>
+          <p:nvPr/>
+        </p:nvSpPr>
+        <p:spPr>
+          <a:xfrm>
+            <a:off x="594360" y="4325112"/>
+            <a:ext cx="3657600" cy="182880"/>
+          </a:xfrm>
+          <a:prstGeom prst="rect">
+            <a:avLst/>
+          </a:prstGeom>
+          <a:noFill/>
+          <a:ln/>
+        </p:spPr>
+        <p:txBody>
+          <a:bodyPr wrap="square" rtlCol="0" anchor="ctr"/>
+          <a:lstStyle/>
+          <a:p>
+            <a:pPr indent="0" marL="0">
+              <a:buNone/>
+            </a:pPr>
+            <a:r>
+              <a:rPr lang="en-US" sz="900" dirty="0">
+                <a:solidFill>
+                  <a:srgbClr val="1E35B8"/>
+                </a:solidFill>
+                <a:latin typeface="Outfit" pitchFamily="34" charset="0"/>
+                <a:ea typeface="Outfit" pitchFamily="34" charset="-122"/>
+                <a:cs typeface="Outfit" pitchFamily="34" charset="-120"/>
+              </a:rPr>
+              <a:t>인프라 459만/월</a:t>
+            </a:r>
+            <a:endParaRPr lang="en-US" sz="900" dirty="0"/>
+          </a:p>
+        </p:txBody>
+      </p:sp>
+      <p:sp>
+        <p:nvSpPr>
+          <p:cNvPr id="30" name="Shape 28"/>
+          <p:cNvSpPr/>
+          <p:nvPr/>
+        </p:nvSpPr>
+        <p:spPr>
+          <a:xfrm>
+            <a:off x="384048" y="4517136"/>
             <a:ext cx="3931920" cy="10973"/>
           </a:xfrm>
           <a:prstGeom prst="rect">
@@ -16867,7 +16637,7 @@
       </p:sp>
       <p:sp>
         <p:nvSpPr>
-          <p:cNvPr id="28" name="Shape 26"/>
+          <p:cNvPr id="31" name="Shape 29"/>
           <p:cNvSpPr/>
           <p:nvPr/>
         </p:nvSpPr>
@@ -16892,14 +16662,14 @@
       </p:sp>
       <p:sp>
         <p:nvSpPr>
-          <p:cNvPr id="29" name="Text 27"/>
-          <p:cNvSpPr/>
-          <p:nvPr/>
-        </p:nvSpPr>
-        <p:spPr>
-          <a:xfrm>
-            <a:off x="594360" y="4718304"/>
-            <a:ext cx="3657600" cy="292608"/>
+          <p:cNvPr id="32" name="Text 30"/>
+          <p:cNvSpPr/>
+          <p:nvPr/>
+        </p:nvSpPr>
+        <p:spPr>
+          <a:xfrm>
+            <a:off x="594360" y="4700016"/>
+            <a:ext cx="3749040" cy="274320"/>
           </a:xfrm>
           <a:prstGeom prst="rect">
             <a:avLst/>
@@ -16931,14 +16701,14 @@
       </p:sp>
       <p:sp>
         <p:nvSpPr>
-          <p:cNvPr id="30" name="Text 28"/>
-          <p:cNvSpPr/>
-          <p:nvPr/>
-        </p:nvSpPr>
-        <p:spPr>
-          <a:xfrm>
-            <a:off x="594360" y="4992624"/>
-            <a:ext cx="3657600" cy="658368"/>
+          <p:cNvPr id="33" name="Text 31"/>
+          <p:cNvSpPr/>
+          <p:nvPr/>
+        </p:nvSpPr>
+        <p:spPr>
+          <a:xfrm>
+            <a:off x="594360" y="4956048"/>
+            <a:ext cx="3749040" cy="640080"/>
           </a:xfrm>
           <a:prstGeom prst="rect">
             <a:avLst/>
@@ -16970,14 +16740,14 @@
       </p:sp>
       <p:sp>
         <p:nvSpPr>
-          <p:cNvPr id="31" name="Text 29"/>
-          <p:cNvSpPr/>
-          <p:nvPr/>
-        </p:nvSpPr>
-        <p:spPr>
-          <a:xfrm>
-            <a:off x="594360" y="5650992"/>
-            <a:ext cx="1234440" cy="201168"/>
+          <p:cNvPr id="34" name="Text 32"/>
+          <p:cNvSpPr/>
+          <p:nvPr/>
+        </p:nvSpPr>
+        <p:spPr>
+          <a:xfrm>
+            <a:off x="594360" y="5614416"/>
+            <a:ext cx="1280160" cy="201168"/>
           </a:xfrm>
           <a:prstGeom prst="rect">
             <a:avLst/>
@@ -17009,30 +16779,30 @@
       </p:sp>
       <p:sp>
         <p:nvSpPr>
-          <p:cNvPr id="32" name="Text 30"/>
-          <p:cNvSpPr/>
-          <p:nvPr/>
-        </p:nvSpPr>
-        <p:spPr>
-          <a:xfrm>
-            <a:off x="594360" y="5833872"/>
-            <a:ext cx="1234440" cy="274320"/>
-          </a:xfrm>
-          <a:prstGeom prst="rect">
-            <a:avLst/>
-          </a:prstGeom>
-          <a:noFill/>
-          <a:ln/>
-        </p:spPr>
-        <p:txBody>
-          <a:bodyPr wrap="square" rtlCol="0" anchor="ctr"/>
-          <a:lstStyle/>
-          <a:p>
-            <a:pPr indent="0" marL="0">
-              <a:buNone/>
-            </a:pPr>
-            <a:r>
-              <a:rPr lang="en-US" sz="1400" b="1" dirty="0">
+          <p:cNvPr id="35" name="Text 33"/>
+          <p:cNvSpPr/>
+          <p:nvPr/>
+        </p:nvSpPr>
+        <p:spPr>
+          <a:xfrm>
+            <a:off x="594360" y="5797296"/>
+            <a:ext cx="1280160" cy="274320"/>
+          </a:xfrm>
+          <a:prstGeom prst="rect">
+            <a:avLst/>
+          </a:prstGeom>
+          <a:noFill/>
+          <a:ln/>
+        </p:spPr>
+        <p:txBody>
+          <a:bodyPr wrap="square" rtlCol="0" anchor="ctr"/>
+          <a:lstStyle/>
+          <a:p>
+            <a:pPr indent="0" marL="0">
+              <a:buNone/>
+            </a:pPr>
+            <a:r>
+              <a:rPr lang="en-US" sz="1300" b="1" dirty="0">
                 <a:solidFill>
                   <a:srgbClr val="FEF3D0"/>
                 </a:solidFill>
@@ -17042,20 +16812,20 @@
               </a:rPr>
               <a:t>10.1억</a:t>
             </a:r>
-            <a:endParaRPr lang="en-US" sz="1400" dirty="0"/>
-          </a:p>
-        </p:txBody>
-      </p:sp>
-      <p:sp>
-        <p:nvSpPr>
-          <p:cNvPr id="33" name="Text 31"/>
-          <p:cNvSpPr/>
-          <p:nvPr/>
-        </p:nvSpPr>
-        <p:spPr>
-          <a:xfrm>
-            <a:off x="1892808" y="5650992"/>
-            <a:ext cx="1234440" cy="201168"/>
+            <a:endParaRPr lang="en-US" sz="1300" dirty="0"/>
+          </a:p>
+        </p:txBody>
+      </p:sp>
+      <p:sp>
+        <p:nvSpPr>
+          <p:cNvPr id="36" name="Text 34"/>
+          <p:cNvSpPr/>
+          <p:nvPr/>
+        </p:nvSpPr>
+        <p:spPr>
+          <a:xfrm>
+            <a:off x="1892808" y="5614416"/>
+            <a:ext cx="1280160" cy="201168"/>
           </a:xfrm>
           <a:prstGeom prst="rect">
             <a:avLst/>
@@ -17087,30 +16857,30 @@
       </p:sp>
       <p:sp>
         <p:nvSpPr>
-          <p:cNvPr id="34" name="Text 32"/>
-          <p:cNvSpPr/>
-          <p:nvPr/>
-        </p:nvSpPr>
-        <p:spPr>
-          <a:xfrm>
-            <a:off x="1892808" y="5833872"/>
-            <a:ext cx="1234440" cy="274320"/>
-          </a:xfrm>
-          <a:prstGeom prst="rect">
-            <a:avLst/>
-          </a:prstGeom>
-          <a:noFill/>
-          <a:ln/>
-        </p:spPr>
-        <p:txBody>
-          <a:bodyPr wrap="square" rtlCol="0" anchor="ctr"/>
-          <a:lstStyle/>
-          <a:p>
-            <a:pPr indent="0" marL="0">
-              <a:buNone/>
-            </a:pPr>
-            <a:r>
-              <a:rPr lang="en-US" sz="1400" b="1" dirty="0">
+          <p:cNvPr id="37" name="Text 35"/>
+          <p:cNvSpPr/>
+          <p:nvPr/>
+        </p:nvSpPr>
+        <p:spPr>
+          <a:xfrm>
+            <a:off x="1892808" y="5797296"/>
+            <a:ext cx="1280160" cy="274320"/>
+          </a:xfrm>
+          <a:prstGeom prst="rect">
+            <a:avLst/>
+          </a:prstGeom>
+          <a:noFill/>
+          <a:ln/>
+        </p:spPr>
+        <p:txBody>
+          <a:bodyPr wrap="square" rtlCol="0" anchor="ctr"/>
+          <a:lstStyle/>
+          <a:p>
+            <a:pPr indent="0" marL="0">
+              <a:buNone/>
+            </a:pPr>
+            <a:r>
+              <a:rPr lang="en-US" sz="1300" b="1" dirty="0">
                 <a:solidFill>
                   <a:srgbClr val="FEF3D0"/>
                 </a:solidFill>
@@ -17118,22 +16888,22 @@
                 <a:ea typeface="Outfit" pitchFamily="34" charset="-122"/>
                 <a:cs typeface="Outfit" pitchFamily="34" charset="-120"/>
               </a:rPr>
-              <a:t>3.5억</a:t>
-            </a:r>
-            <a:endParaRPr lang="en-US" sz="1400" dirty="0"/>
-          </a:p>
-        </p:txBody>
-      </p:sp>
-      <p:sp>
-        <p:nvSpPr>
-          <p:cNvPr id="35" name="Text 33"/>
-          <p:cNvSpPr/>
-          <p:nvPr/>
-        </p:nvSpPr>
-        <p:spPr>
-          <a:xfrm>
-            <a:off x="3191256" y="5650992"/>
-            <a:ext cx="1234440" cy="201168"/>
+              <a:t>3.95억</a:t>
+            </a:r>
+            <a:endParaRPr lang="en-US" sz="1300" dirty="0"/>
+          </a:p>
+        </p:txBody>
+      </p:sp>
+      <p:sp>
+        <p:nvSpPr>
+          <p:cNvPr id="38" name="Text 36"/>
+          <p:cNvSpPr/>
+          <p:nvPr/>
+        </p:nvSpPr>
+        <p:spPr>
+          <a:xfrm>
+            <a:off x="3191256" y="5614416"/>
+            <a:ext cx="1280160" cy="201168"/>
           </a:xfrm>
           <a:prstGeom prst="rect">
             <a:avLst/>
@@ -17165,30 +16935,30 @@
       </p:sp>
       <p:sp>
         <p:nvSpPr>
-          <p:cNvPr id="36" name="Text 34"/>
-          <p:cNvSpPr/>
-          <p:nvPr/>
-        </p:nvSpPr>
-        <p:spPr>
-          <a:xfrm>
-            <a:off x="3191256" y="5833872"/>
-            <a:ext cx="1234440" cy="274320"/>
-          </a:xfrm>
-          <a:prstGeom prst="rect">
-            <a:avLst/>
-          </a:prstGeom>
-          <a:noFill/>
-          <a:ln/>
-        </p:spPr>
-        <p:txBody>
-          <a:bodyPr wrap="square" rtlCol="0" anchor="ctr"/>
-          <a:lstStyle/>
-          <a:p>
-            <a:pPr indent="0" marL="0">
-              <a:buNone/>
-            </a:pPr>
-            <a:r>
-              <a:rPr lang="en-US" sz="1400" b="1" dirty="0">
+          <p:cNvPr id="39" name="Text 37"/>
+          <p:cNvSpPr/>
+          <p:nvPr/>
+        </p:nvSpPr>
+        <p:spPr>
+          <a:xfrm>
+            <a:off x="3191256" y="5797296"/>
+            <a:ext cx="1280160" cy="274320"/>
+          </a:xfrm>
+          <a:prstGeom prst="rect">
+            <a:avLst/>
+          </a:prstGeom>
+          <a:noFill/>
+          <a:ln/>
+        </p:spPr>
+        <p:txBody>
+          <a:bodyPr wrap="square" rtlCol="0" anchor="ctr"/>
+          <a:lstStyle/>
+          <a:p>
+            <a:pPr indent="0" marL="0">
+              <a:buNone/>
+            </a:pPr>
+            <a:r>
+              <a:rPr lang="en-US" sz="1300" b="1" dirty="0">
                 <a:solidFill>
                   <a:srgbClr val="FEF3D0"/>
                 </a:solidFill>
@@ -17196,22 +16966,61 @@
                 <a:ea typeface="Outfit" pitchFamily="34" charset="-122"/>
                 <a:cs typeface="Outfit" pitchFamily="34" charset="-120"/>
               </a:rPr>
-              <a:t>34.6%</a:t>
-            </a:r>
-            <a:endParaRPr lang="en-US" sz="1400" dirty="0"/>
-          </a:p>
-        </p:txBody>
-      </p:sp>
-      <p:sp>
-        <p:nvSpPr>
-          <p:cNvPr id="37" name="Shape 35"/>
+              <a:t>39.1%</a:t>
+            </a:r>
+            <a:endParaRPr lang="en-US" sz="1300" dirty="0"/>
+          </a:p>
+        </p:txBody>
+      </p:sp>
+      <p:sp>
+        <p:nvSpPr>
+          <p:cNvPr id="40" name="Text 38"/>
+          <p:cNvSpPr/>
+          <p:nvPr/>
+        </p:nvSpPr>
+        <p:spPr>
+          <a:xfrm>
+            <a:off x="594360" y="6062472"/>
+            <a:ext cx="3657600" cy="182880"/>
+          </a:xfrm>
+          <a:prstGeom prst="rect">
+            <a:avLst/>
+          </a:prstGeom>
+          <a:noFill/>
+          <a:ln/>
+        </p:spPr>
+        <p:txBody>
+          <a:bodyPr wrap="square" rtlCol="0" anchor="ctr"/>
+          <a:lstStyle/>
+          <a:p>
+            <a:pPr indent="0" marL="0">
+              <a:buNone/>
+            </a:pPr>
+            <a:r>
+              <a:rPr lang="en-US" sz="900" dirty="0">
+                <a:solidFill>
+                  <a:srgbClr val="F5B731"/>
+                </a:solidFill>
+                <a:latin typeface="Outfit" pitchFamily="34" charset="0"/>
+                <a:ea typeface="Outfit" pitchFamily="34" charset="-122"/>
+                <a:cs typeface="Outfit" pitchFamily="34" charset="-120"/>
+              </a:rPr>
+              <a:t>인프라 905만/월</a:t>
+            </a:r>
+            <a:endParaRPr lang="en-US" sz="900" dirty="0"/>
+          </a:p>
+        </p:txBody>
+      </p:sp>
+      <p:sp>
+        <p:nvSpPr>
+          <p:cNvPr id="41" name="Shape 39"/>
           <p:cNvSpPr/>
           <p:nvPr/>
         </p:nvSpPr>
         <p:spPr>
           <a:xfrm>
             <a:off x="384048" y="6309360"/>
-            <a:ext cx="3931920" cy="228600"/>
+            <a:ext cx="3931920" cy="256032"/>
           </a:xfrm>
           <a:prstGeom prst="rect">
             <a:avLst/>
@@ -17229,30 +17038,30 @@
       </p:sp>
       <p:sp>
         <p:nvSpPr>
-          <p:cNvPr id="38" name="Text 36"/>
+          <p:cNvPr id="42" name="Text 40"/>
           <p:cNvSpPr/>
           <p:nvPr/>
         </p:nvSpPr>
         <p:spPr>
           <a:xfrm>
             <a:off x="438912" y="6309360"/>
-            <a:ext cx="3840480" cy="228600"/>
-          </a:xfrm>
-          <a:prstGeom prst="rect">
-            <a:avLst/>
-          </a:prstGeom>
-          <a:noFill/>
-          <a:ln/>
-        </p:spPr>
-        <p:txBody>
-          <a:bodyPr wrap="square" rtlCol="0" anchor="ctr"/>
-          <a:lstStyle/>
-          <a:p>
-            <a:pPr indent="0" marL="0">
-              <a:buNone/>
-            </a:pPr>
-            <a:r>
-              <a:rPr lang="en-US" sz="950" b="1" dirty="0">
+            <a:ext cx="3822192" cy="256032"/>
+          </a:xfrm>
+          <a:prstGeom prst="rect">
+            <a:avLst/>
+          </a:prstGeom>
+          <a:noFill/>
+          <a:ln/>
+        </p:spPr>
+        <p:txBody>
+          <a:bodyPr wrap="square" rtlCol="0" anchor="ctr"/>
+          <a:lstStyle/>
+          <a:p>
+            <a:pPr indent="0" marL="0">
+              <a:buNone/>
+            </a:pPr>
+            <a:r>
+              <a:rPr lang="en-US" sz="800" b="1" dirty="0">
                 <a:solidFill>
                   <a:srgbClr val="060E48"/>
                 </a:solidFill>
@@ -17260,38 +17069,61 @@
                 <a:ea typeface="Outfit" pitchFamily="34" charset="-122"/>
                 <a:cs typeface="Outfit" pitchFamily="34" charset="-120"/>
               </a:rPr>
-              <a:t>손익분기점  Q3  (1년차 7~8개월)</a:t>
-            </a:r>
-            <a:endParaRPr lang="en-US" sz="950" dirty="0"/>
-          </a:p>
-        </p:txBody>
-      </p:sp>
-      <p:graphicFrame>
-        <p:nvGraphicFramePr>
-          <p:cNvPr id="39" name="Chart 0" descr=""/>
-          <p:cNvGraphicFramePr/>
-          <p:nvPr/>
-        </p:nvGraphicFramePr>
-        <p:xfrm>
-          <a:off x="4754880" y="1078992"/>
-          <a:ext cx="7132320" cy="2633472"/>
-        </p:xfrm>
-        <a:graphic xmlns:a="http://schemas.openxmlformats.org/drawingml/2006/main">
-          <a:graphicData uri="http://schemas.openxmlformats.org/drawingml/2006/chart">
-            <c:chart xmlns:c="http://schemas.openxmlformats.org/drawingml/2006/chart" r:id="rId1"/>
-          </a:graphicData>
-        </a:graphic>
-      </p:graphicFrame>
-      <p:sp>
-        <p:nvSpPr>
-          <p:cNvPr id="40" name="Shape 37"/>
-          <p:cNvSpPr/>
-          <p:nvPr/>
-        </p:nvSpPr>
-        <p:spPr>
-          <a:xfrm>
-            <a:off x="4754880" y="3840480"/>
-            <a:ext cx="7132320" cy="22860"/>
+              <a:t>BEP Q3  ·  알림톡 2회 절감 반영  ·  연 절감 최대 4,500만</a:t>
+            </a:r>
+            <a:endParaRPr lang="en-US" sz="800" dirty="0"/>
+          </a:p>
+        </p:txBody>
+      </p:sp>
+      <p:sp>
+        <p:nvSpPr>
+          <p:cNvPr id="43" name="Text 41"/>
+          <p:cNvSpPr/>
+          <p:nvPr/>
+        </p:nvSpPr>
+        <p:spPr>
+          <a:xfrm>
+            <a:off x="4800600" y="1078992"/>
+            <a:ext cx="7132320" cy="329184"/>
+          </a:xfrm>
+          <a:prstGeom prst="rect">
+            <a:avLst/>
+          </a:prstGeom>
+          <a:noFill/>
+          <a:ln/>
+        </p:spPr>
+        <p:txBody>
+          <a:bodyPr wrap="square" rtlCol="0" anchor="ctr"/>
+          <a:lstStyle/>
+          <a:p>
+            <a:pPr indent="0" marL="0">
+              <a:buNone/>
+            </a:pPr>
+            <a:r>
+              <a:rPr lang="en-US" sz="1200" b="1" dirty="0">
+                <a:solidFill>
+                  <a:srgbClr val="1A1D2B"/>
+                </a:solidFill>
+                <a:latin typeface="Outfit" pitchFamily="34" charset="0"/>
+                <a:ea typeface="Outfit" pitchFamily="34" charset="-122"/>
+                <a:cs typeface="Outfit" pitchFamily="34" charset="-120"/>
+              </a:rPr>
+              <a:t>📡  인프라 비용 시뮬레이션  (인건비·마케팅 제외)</a:t>
+            </a:r>
+            <a:endParaRPr lang="en-US" sz="1200" dirty="0"/>
+          </a:p>
+        </p:txBody>
+      </p:sp>
+      <p:sp>
+        <p:nvSpPr>
+          <p:cNvPr id="44" name="Shape 42"/>
+          <p:cNvSpPr/>
+          <p:nvPr/>
+        </p:nvSpPr>
+        <p:spPr>
+          <a:xfrm>
+            <a:off x="4800600" y="1426464"/>
+            <a:ext cx="7132320" cy="20117"/>
           </a:xfrm>
           <a:prstGeom prst="rect">
             <a:avLst/>
@@ -17307,25 +17139,1810 @@
           </a:ln>
         </p:spPr>
       </p:sp>
+      <p:sp>
+        <p:nvSpPr>
+          <p:cNvPr id="45" name="Shape 43"/>
+          <p:cNvSpPr/>
+          <p:nvPr/>
+        </p:nvSpPr>
+        <p:spPr>
+          <a:xfrm>
+            <a:off x="4800600" y="1490472"/>
+            <a:ext cx="7132320" cy="310896"/>
+          </a:xfrm>
+          <a:prstGeom prst="rect">
+            <a:avLst/>
+          </a:prstGeom>
+          <a:solidFill>
+            <a:srgbClr val="060E48"/>
+          </a:solidFill>
+          <a:ln w="12700">
+            <a:solidFill>
+              <a:srgbClr val="060E48"/>
+            </a:solidFill>
+            <a:prstDash val="solid"/>
+          </a:ln>
+        </p:spPr>
+      </p:sp>
+      <p:sp>
+        <p:nvSpPr>
+          <p:cNvPr id="46" name="Text 44"/>
+          <p:cNvSpPr/>
+          <p:nvPr/>
+        </p:nvSpPr>
+        <p:spPr>
+          <a:xfrm>
+            <a:off x="4846320" y="1490472"/>
+            <a:ext cx="1847088" cy="310896"/>
+          </a:xfrm>
+          <a:prstGeom prst="rect">
+            <a:avLst/>
+          </a:prstGeom>
+          <a:noFill/>
+          <a:ln/>
+        </p:spPr>
+        <p:txBody>
+          <a:bodyPr wrap="square" rtlCol="0" anchor="ctr"/>
+          <a:lstStyle/>
+          <a:p>
+            <a:pPr algn="l" indent="0" marL="0">
+              <a:buNone/>
+            </a:pPr>
+            <a:r>
+              <a:rPr lang="en-US" sz="950" b="1" dirty="0">
+                <a:solidFill>
+                  <a:srgbClr val="FFFFFF"/>
+                </a:solidFill>
+                <a:latin typeface="Outfit" pitchFamily="34" charset="0"/>
+                <a:ea typeface="Outfit" pitchFamily="34" charset="-122"/>
+                <a:cs typeface="Outfit" pitchFamily="34" charset="-120"/>
+              </a:rPr>
+              <a:t>항목</a:t>
+            </a:r>
+            <a:endParaRPr lang="en-US" sz="950" dirty="0"/>
+          </a:p>
+        </p:txBody>
+      </p:sp>
+      <p:sp>
+        <p:nvSpPr>
+          <p:cNvPr id="47" name="Text 45"/>
+          <p:cNvSpPr/>
+          <p:nvPr/>
+        </p:nvSpPr>
+        <p:spPr>
+          <a:xfrm>
+            <a:off x="6766560" y="1490472"/>
+            <a:ext cx="1481328" cy="310896"/>
+          </a:xfrm>
+          <a:prstGeom prst="rect">
+            <a:avLst/>
+          </a:prstGeom>
+          <a:noFill/>
+          <a:ln/>
+        </p:spPr>
+        <p:txBody>
+          <a:bodyPr wrap="square" rtlCol="0" anchor="ctr"/>
+          <a:lstStyle/>
+          <a:p>
+            <a:pPr algn="ctr" indent="0" marL="0">
+              <a:buNone/>
+            </a:pPr>
+            <a:r>
+              <a:rPr lang="en-US" sz="950" b="1" dirty="0">
+                <a:solidFill>
+                  <a:srgbClr val="FFFFFF"/>
+                </a:solidFill>
+                <a:latin typeface="Outfit" pitchFamily="34" charset="0"/>
+                <a:ea typeface="Outfit" pitchFamily="34" charset="-122"/>
+                <a:cs typeface="Outfit" pitchFamily="34" charset="-120"/>
+              </a:rPr>
+              <a:t>1년차</a:t>
+            </a:r>
+            <a:endParaRPr lang="en-US" sz="950" dirty="0"/>
+          </a:p>
+        </p:txBody>
+      </p:sp>
+      <p:sp>
+        <p:nvSpPr>
+          <p:cNvPr id="48" name="Text 46"/>
+          <p:cNvSpPr/>
+          <p:nvPr/>
+        </p:nvSpPr>
+        <p:spPr>
+          <a:xfrm>
+            <a:off x="8321040" y="1490472"/>
+            <a:ext cx="1481328" cy="310896"/>
+          </a:xfrm>
+          <a:prstGeom prst="rect">
+            <a:avLst/>
+          </a:prstGeom>
+          <a:noFill/>
+          <a:ln/>
+        </p:spPr>
+        <p:txBody>
+          <a:bodyPr wrap="square" rtlCol="0" anchor="ctr"/>
+          <a:lstStyle/>
+          <a:p>
+            <a:pPr algn="ctr" indent="0" marL="0">
+              <a:buNone/>
+            </a:pPr>
+            <a:r>
+              <a:rPr lang="en-US" sz="950" b="1" dirty="0">
+                <a:solidFill>
+                  <a:srgbClr val="FFFFFF"/>
+                </a:solidFill>
+                <a:latin typeface="Outfit" pitchFamily="34" charset="0"/>
+                <a:ea typeface="Outfit" pitchFamily="34" charset="-122"/>
+                <a:cs typeface="Outfit" pitchFamily="34" charset="-120"/>
+              </a:rPr>
+              <a:t>2년차</a:t>
+            </a:r>
+            <a:endParaRPr lang="en-US" sz="950" dirty="0"/>
+          </a:p>
+        </p:txBody>
+      </p:sp>
+      <p:sp>
+        <p:nvSpPr>
+          <p:cNvPr id="49" name="Text 47"/>
+          <p:cNvSpPr/>
+          <p:nvPr/>
+        </p:nvSpPr>
+        <p:spPr>
+          <a:xfrm>
+            <a:off x="9875520" y="1490472"/>
+            <a:ext cx="1481328" cy="310896"/>
+          </a:xfrm>
+          <a:prstGeom prst="rect">
+            <a:avLst/>
+          </a:prstGeom>
+          <a:noFill/>
+          <a:ln/>
+        </p:spPr>
+        <p:txBody>
+          <a:bodyPr wrap="square" rtlCol="0" anchor="ctr"/>
+          <a:lstStyle/>
+          <a:p>
+            <a:pPr algn="ctr" indent="0" marL="0">
+              <a:buNone/>
+            </a:pPr>
+            <a:r>
+              <a:rPr lang="en-US" sz="950" b="1" dirty="0">
+                <a:solidFill>
+                  <a:srgbClr val="FFFFFF"/>
+                </a:solidFill>
+                <a:latin typeface="Outfit" pitchFamily="34" charset="0"/>
+                <a:ea typeface="Outfit" pitchFamily="34" charset="-122"/>
+                <a:cs typeface="Outfit" pitchFamily="34" charset="-120"/>
+              </a:rPr>
+              <a:t>3년차</a:t>
+            </a:r>
+            <a:endParaRPr lang="en-US" sz="950" dirty="0"/>
+          </a:p>
+        </p:txBody>
+      </p:sp>
+      <p:sp>
+        <p:nvSpPr>
+          <p:cNvPr id="50" name="Text 48"/>
+          <p:cNvSpPr/>
+          <p:nvPr/>
+        </p:nvSpPr>
+        <p:spPr>
+          <a:xfrm>
+            <a:off x="11430000" y="1490472"/>
+            <a:ext cx="475488" cy="310896"/>
+          </a:xfrm>
+          <a:prstGeom prst="rect">
+            <a:avLst/>
+          </a:prstGeom>
+          <a:noFill/>
+          <a:ln/>
+        </p:spPr>
+        <p:txBody>
+          <a:bodyPr wrap="square" rtlCol="0" anchor="ctr"/>
+          <a:lstStyle/>
+          <a:p>
+            <a:pPr algn="ctr" indent="0" marL="0">
+              <a:buNone/>
+            </a:pPr>
+            <a:r>
+              <a:rPr lang="en-US" sz="950" b="1" dirty="0">
+                <a:solidFill>
+                  <a:srgbClr val="FFFFFF"/>
+                </a:solidFill>
+                <a:latin typeface="Outfit" pitchFamily="34" charset="0"/>
+                <a:ea typeface="Outfit" pitchFamily="34" charset="-122"/>
+                <a:cs typeface="Outfit" pitchFamily="34" charset="-120"/>
+              </a:rPr>
+              <a:t>비고</a:t>
+            </a:r>
+            <a:endParaRPr lang="en-US" sz="950" dirty="0"/>
+          </a:p>
+        </p:txBody>
+      </p:sp>
+      <p:sp>
+        <p:nvSpPr>
+          <p:cNvPr id="51" name="Shape 49"/>
+          <p:cNvSpPr/>
+          <p:nvPr/>
+        </p:nvSpPr>
+        <p:spPr>
+          <a:xfrm>
+            <a:off x="4800600" y="1801368"/>
+            <a:ext cx="7132320" cy="338328"/>
+          </a:xfrm>
+          <a:prstGeom prst="rect">
+            <a:avLst/>
+          </a:prstGeom>
+          <a:solidFill>
+            <a:srgbClr val="FEF9E7"/>
+          </a:solidFill>
+          <a:ln w="12700">
+            <a:solidFill>
+              <a:srgbClr val="E2E4E9"/>
+            </a:solidFill>
+            <a:prstDash val="solid"/>
+          </a:ln>
+        </p:spPr>
+      </p:sp>
+      <p:sp>
+        <p:nvSpPr>
+          <p:cNvPr id="52" name="Text 50"/>
+          <p:cNvSpPr/>
+          <p:nvPr/>
+        </p:nvSpPr>
+        <p:spPr>
+          <a:xfrm>
+            <a:off x="4846320" y="1819656"/>
+            <a:ext cx="1847088" cy="301752"/>
+          </a:xfrm>
+          <a:prstGeom prst="rect">
+            <a:avLst/>
+          </a:prstGeom>
+          <a:noFill/>
+          <a:ln/>
+        </p:spPr>
+        <p:txBody>
+          <a:bodyPr wrap="square" rtlCol="0" anchor="ctr"/>
+          <a:lstStyle/>
+          <a:p>
+            <a:pPr algn="l" indent="0" marL="0">
+              <a:buNone/>
+            </a:pPr>
+            <a:r>
+              <a:rPr lang="en-US" sz="900" b="1" dirty="0">
+                <a:solidFill>
+                  <a:srgbClr val="1A1D2B"/>
+                </a:solidFill>
+                <a:latin typeface="Outfit" pitchFamily="34" charset="0"/>
+                <a:ea typeface="Outfit" pitchFamily="34" charset="-122"/>
+                <a:cs typeface="Outfit" pitchFamily="34" charset="-120"/>
+              </a:rPr>
+              <a:t>카카오 알림톡 (2회/거래)</a:t>
+            </a:r>
+            <a:endParaRPr lang="en-US" sz="900" dirty="0"/>
+          </a:p>
+        </p:txBody>
+      </p:sp>
+      <p:sp>
+        <p:nvSpPr>
+          <p:cNvPr id="53" name="Text 51"/>
+          <p:cNvSpPr/>
+          <p:nvPr/>
+        </p:nvSpPr>
+        <p:spPr>
+          <a:xfrm>
+            <a:off x="6766560" y="1819656"/>
+            <a:ext cx="1481328" cy="301752"/>
+          </a:xfrm>
+          <a:prstGeom prst="rect">
+            <a:avLst/>
+          </a:prstGeom>
+          <a:noFill/>
+          <a:ln/>
+        </p:spPr>
+        <p:txBody>
+          <a:bodyPr wrap="square" rtlCol="0" anchor="ctr"/>
+          <a:lstStyle/>
+          <a:p>
+            <a:pPr algn="ctr" indent="0" marL="0">
+              <a:buNone/>
+            </a:pPr>
+            <a:r>
+              <a:rPr lang="en-US" sz="1000" b="1" dirty="0">
+                <a:solidFill>
+                  <a:srgbClr val="F5B731"/>
+                </a:solidFill>
+                <a:latin typeface="Outfit" pitchFamily="34" charset="0"/>
+                <a:ea typeface="Outfit" pitchFamily="34" charset="-122"/>
+                <a:cs typeface="Outfit" pitchFamily="34" charset="-120"/>
+              </a:rPr>
+              <a:t>1,800만</a:t>
+            </a:r>
+            <a:endParaRPr lang="en-US" sz="1000" dirty="0"/>
+          </a:p>
+        </p:txBody>
+      </p:sp>
+      <p:sp>
+        <p:nvSpPr>
+          <p:cNvPr id="54" name="Text 52"/>
+          <p:cNvSpPr/>
+          <p:nvPr/>
+        </p:nvSpPr>
+        <p:spPr>
+          <a:xfrm>
+            <a:off x="8321040" y="1819656"/>
+            <a:ext cx="1481328" cy="301752"/>
+          </a:xfrm>
+          <a:prstGeom prst="rect">
+            <a:avLst/>
+          </a:prstGeom>
+          <a:noFill/>
+          <a:ln/>
+        </p:spPr>
+        <p:txBody>
+          <a:bodyPr wrap="square" rtlCol="0" anchor="ctr"/>
+          <a:lstStyle/>
+          <a:p>
+            <a:pPr algn="ctr" indent="0" marL="0">
+              <a:buNone/>
+            </a:pPr>
+            <a:r>
+              <a:rPr lang="en-US" sz="1000" b="1" dirty="0">
+                <a:solidFill>
+                  <a:srgbClr val="F5B731"/>
+                </a:solidFill>
+                <a:latin typeface="Outfit" pitchFamily="34" charset="0"/>
+                <a:ea typeface="Outfit" pitchFamily="34" charset="-122"/>
+                <a:cs typeface="Outfit" pitchFamily="34" charset="-120"/>
+              </a:rPr>
+              <a:t>4,500만</a:t>
+            </a:r>
+            <a:endParaRPr lang="en-US" sz="1000" dirty="0"/>
+          </a:p>
+        </p:txBody>
+      </p:sp>
+      <p:sp>
+        <p:nvSpPr>
+          <p:cNvPr id="55" name="Text 53"/>
+          <p:cNvSpPr/>
+          <p:nvPr/>
+        </p:nvSpPr>
+        <p:spPr>
+          <a:xfrm>
+            <a:off x="9875520" y="1819656"/>
+            <a:ext cx="1481328" cy="301752"/>
+          </a:xfrm>
+          <a:prstGeom prst="rect">
+            <a:avLst/>
+          </a:prstGeom>
+          <a:noFill/>
+          <a:ln/>
+        </p:spPr>
+        <p:txBody>
+          <a:bodyPr wrap="square" rtlCol="0" anchor="ctr"/>
+          <a:lstStyle/>
+          <a:p>
+            <a:pPr algn="ctr" indent="0" marL="0">
+              <a:buNone/>
+            </a:pPr>
+            <a:r>
+              <a:rPr lang="en-US" sz="1000" b="1" dirty="0">
+                <a:solidFill>
+                  <a:srgbClr val="F5B731"/>
+                </a:solidFill>
+                <a:latin typeface="Outfit" pitchFamily="34" charset="0"/>
+                <a:ea typeface="Outfit" pitchFamily="34" charset="-122"/>
+                <a:cs typeface="Outfit" pitchFamily="34" charset="-120"/>
+              </a:rPr>
+              <a:t>9,000만</a:t>
+            </a:r>
+            <a:endParaRPr lang="en-US" sz="1000" dirty="0"/>
+          </a:p>
+        </p:txBody>
+      </p:sp>
+      <p:sp>
+        <p:nvSpPr>
+          <p:cNvPr id="56" name="Text 54"/>
+          <p:cNvSpPr/>
+          <p:nvPr/>
+        </p:nvSpPr>
+        <p:spPr>
+          <a:xfrm>
+            <a:off x="11430000" y="1819656"/>
+            <a:ext cx="475488" cy="301752"/>
+          </a:xfrm>
+          <a:prstGeom prst="rect">
+            <a:avLst/>
+          </a:prstGeom>
+          <a:noFill/>
+          <a:ln/>
+        </p:spPr>
+        <p:txBody>
+          <a:bodyPr wrap="square" rtlCol="0" anchor="ctr"/>
+          <a:lstStyle/>
+          <a:p>
+            <a:pPr algn="ctr" indent="0" marL="0">
+              <a:buNone/>
+            </a:pPr>
+            <a:r>
+              <a:rPr lang="en-US" sz="1000" b="1" dirty="0">
+                <a:solidFill>
+                  <a:srgbClr val="1A1D2B"/>
+                </a:solidFill>
+                <a:latin typeface="Outfit" pitchFamily="34" charset="0"/>
+                <a:ea typeface="Outfit" pitchFamily="34" charset="-122"/>
+                <a:cs typeface="Outfit" pitchFamily="34" charset="-120"/>
+              </a:rPr>
+              <a:t>10원×2회</a:t>
+            </a:r>
+            <a:endParaRPr lang="en-US" sz="1000" dirty="0"/>
+          </a:p>
+        </p:txBody>
+      </p:sp>
+      <p:sp>
+        <p:nvSpPr>
+          <p:cNvPr id="57" name="Shape 55"/>
+          <p:cNvSpPr/>
+          <p:nvPr/>
+        </p:nvSpPr>
+        <p:spPr>
+          <a:xfrm>
+            <a:off x="4800600" y="2139696"/>
+            <a:ext cx="7132320" cy="338328"/>
+          </a:xfrm>
+          <a:prstGeom prst="rect">
+            <a:avLst/>
+          </a:prstGeom>
+          <a:solidFill>
+            <a:srgbClr val="F8F9FD"/>
+          </a:solidFill>
+          <a:ln w="12700">
+            <a:solidFill>
+              <a:srgbClr val="E2E4E9"/>
+            </a:solidFill>
+            <a:prstDash val="solid"/>
+          </a:ln>
+        </p:spPr>
+      </p:sp>
+      <p:sp>
+        <p:nvSpPr>
+          <p:cNvPr id="58" name="Text 56"/>
+          <p:cNvSpPr/>
+          <p:nvPr/>
+        </p:nvSpPr>
+        <p:spPr>
+          <a:xfrm>
+            <a:off x="4846320" y="2157984"/>
+            <a:ext cx="1847088" cy="301752"/>
+          </a:xfrm>
+          <a:prstGeom prst="rect">
+            <a:avLst/>
+          </a:prstGeom>
+          <a:noFill/>
+          <a:ln/>
+        </p:spPr>
+        <p:txBody>
+          <a:bodyPr wrap="square" rtlCol="0" anchor="ctr"/>
+          <a:lstStyle/>
+          <a:p>
+            <a:pPr algn="l" indent="0" marL="0">
+              <a:buNone/>
+            </a:pPr>
+            <a:r>
+              <a:rPr lang="en-US" sz="900" dirty="0">
+                <a:solidFill>
+                  <a:srgbClr val="1A1D2B"/>
+                </a:solidFill>
+                <a:latin typeface="Outfit" pitchFamily="34" charset="0"/>
+                <a:ea typeface="Outfit" pitchFamily="34" charset="-122"/>
+                <a:cs typeface="Outfit" pitchFamily="34" charset="-120"/>
+              </a:rPr>
+              <a:t>클라우드 서버 (Vercel)</a:t>
+            </a:r>
+            <a:endParaRPr lang="en-US" sz="900" dirty="0"/>
+          </a:p>
+        </p:txBody>
+      </p:sp>
+      <p:sp>
+        <p:nvSpPr>
+          <p:cNvPr id="59" name="Text 57"/>
+          <p:cNvSpPr/>
+          <p:nvPr/>
+        </p:nvSpPr>
+        <p:spPr>
+          <a:xfrm>
+            <a:off x="6766560" y="2157984"/>
+            <a:ext cx="1481328" cy="301752"/>
+          </a:xfrm>
+          <a:prstGeom prst="rect">
+            <a:avLst/>
+          </a:prstGeom>
+          <a:noFill/>
+          <a:ln/>
+        </p:spPr>
+        <p:txBody>
+          <a:bodyPr wrap="square" rtlCol="0" anchor="ctr"/>
+          <a:lstStyle/>
+          <a:p>
+            <a:pPr algn="ctr" indent="0" marL="0">
+              <a:buNone/>
+            </a:pPr>
+            <a:r>
+              <a:rPr lang="en-US" sz="1000" dirty="0">
+                <a:solidFill>
+                  <a:srgbClr val="1A1D2B"/>
+                </a:solidFill>
+                <a:latin typeface="Outfit" pitchFamily="34" charset="0"/>
+                <a:ea typeface="Outfit" pitchFamily="34" charset="-122"/>
+                <a:cs typeface="Outfit" pitchFamily="34" charset="-120"/>
+              </a:rPr>
+              <a:t>60만</a:t>
+            </a:r>
+            <a:endParaRPr lang="en-US" sz="1000" dirty="0"/>
+          </a:p>
+        </p:txBody>
+      </p:sp>
+      <p:sp>
+        <p:nvSpPr>
+          <p:cNvPr id="60" name="Text 58"/>
+          <p:cNvSpPr/>
+          <p:nvPr/>
+        </p:nvSpPr>
+        <p:spPr>
+          <a:xfrm>
+            <a:off x="8321040" y="2157984"/>
+            <a:ext cx="1481328" cy="301752"/>
+          </a:xfrm>
+          <a:prstGeom prst="rect">
+            <a:avLst/>
+          </a:prstGeom>
+          <a:noFill/>
+          <a:ln/>
+        </p:spPr>
+        <p:txBody>
+          <a:bodyPr wrap="square" rtlCol="0" anchor="ctr"/>
+          <a:lstStyle/>
+          <a:p>
+            <a:pPr algn="ctr" indent="0" marL="0">
+              <a:buNone/>
+            </a:pPr>
+            <a:r>
+              <a:rPr lang="en-US" sz="1000" dirty="0">
+                <a:solidFill>
+                  <a:srgbClr val="1A1D2B"/>
+                </a:solidFill>
+                <a:latin typeface="Outfit" pitchFamily="34" charset="0"/>
+                <a:ea typeface="Outfit" pitchFamily="34" charset="-122"/>
+                <a:cs typeface="Outfit" pitchFamily="34" charset="-120"/>
+              </a:rPr>
+              <a:t>120만</a:t>
+            </a:r>
+            <a:endParaRPr lang="en-US" sz="1000" dirty="0"/>
+          </a:p>
+        </p:txBody>
+      </p:sp>
+      <p:sp>
+        <p:nvSpPr>
+          <p:cNvPr id="61" name="Text 59"/>
+          <p:cNvSpPr/>
+          <p:nvPr/>
+        </p:nvSpPr>
+        <p:spPr>
+          <a:xfrm>
+            <a:off x="9875520" y="2157984"/>
+            <a:ext cx="1481328" cy="301752"/>
+          </a:xfrm>
+          <a:prstGeom prst="rect">
+            <a:avLst/>
+          </a:prstGeom>
+          <a:noFill/>
+          <a:ln/>
+        </p:spPr>
+        <p:txBody>
+          <a:bodyPr wrap="square" rtlCol="0" anchor="ctr"/>
+          <a:lstStyle/>
+          <a:p>
+            <a:pPr algn="ctr" indent="0" marL="0">
+              <a:buNone/>
+            </a:pPr>
+            <a:r>
+              <a:rPr lang="en-US" sz="1000" dirty="0">
+                <a:solidFill>
+                  <a:srgbClr val="1A1D2B"/>
+                </a:solidFill>
+                <a:latin typeface="Outfit" pitchFamily="34" charset="0"/>
+                <a:ea typeface="Outfit" pitchFamily="34" charset="-122"/>
+                <a:cs typeface="Outfit" pitchFamily="34" charset="-120"/>
+              </a:rPr>
+              <a:t>240만</a:t>
+            </a:r>
+            <a:endParaRPr lang="en-US" sz="1000" dirty="0"/>
+          </a:p>
+        </p:txBody>
+      </p:sp>
+      <p:sp>
+        <p:nvSpPr>
+          <p:cNvPr id="62" name="Text 60"/>
+          <p:cNvSpPr/>
+          <p:nvPr/>
+        </p:nvSpPr>
+        <p:spPr>
+          <a:xfrm>
+            <a:off x="11430000" y="2157984"/>
+            <a:ext cx="475488" cy="301752"/>
+          </a:xfrm>
+          <a:prstGeom prst="rect">
+            <a:avLst/>
+          </a:prstGeom>
+          <a:noFill/>
+          <a:ln/>
+        </p:spPr>
+        <p:txBody>
+          <a:bodyPr wrap="square" rtlCol="0" anchor="ctr"/>
+          <a:lstStyle/>
+          <a:p>
+            <a:pPr algn="ctr" indent="0" marL="0">
+              <a:buNone/>
+            </a:pPr>
+            <a:r>
+              <a:rPr lang="en-US" sz="1000" dirty="0">
+                <a:solidFill>
+                  <a:srgbClr val="1A1D2B"/>
+                </a:solidFill>
+                <a:latin typeface="Outfit" pitchFamily="34" charset="0"/>
+                <a:ea typeface="Outfit" pitchFamily="34" charset="-122"/>
+                <a:cs typeface="Outfit" pitchFamily="34" charset="-120"/>
+              </a:rPr>
+              <a:t>선형↑</a:t>
+            </a:r>
+            <a:endParaRPr lang="en-US" sz="1000" dirty="0"/>
+          </a:p>
+        </p:txBody>
+      </p:sp>
+      <p:sp>
+        <p:nvSpPr>
+          <p:cNvPr id="63" name="Shape 61"/>
+          <p:cNvSpPr/>
+          <p:nvPr/>
+        </p:nvSpPr>
+        <p:spPr>
+          <a:xfrm>
+            <a:off x="4800600" y="2478024"/>
+            <a:ext cx="7132320" cy="338328"/>
+          </a:xfrm>
+          <a:prstGeom prst="rect">
+            <a:avLst/>
+          </a:prstGeom>
+          <a:solidFill>
+            <a:srgbClr val="FFFFFF"/>
+          </a:solidFill>
+          <a:ln w="12700">
+            <a:solidFill>
+              <a:srgbClr val="E2E4E9"/>
+            </a:solidFill>
+            <a:prstDash val="solid"/>
+          </a:ln>
+        </p:spPr>
+      </p:sp>
+      <p:sp>
+        <p:nvSpPr>
+          <p:cNvPr id="64" name="Text 62"/>
+          <p:cNvSpPr/>
+          <p:nvPr/>
+        </p:nvSpPr>
+        <p:spPr>
+          <a:xfrm>
+            <a:off x="4846320" y="2496312"/>
+            <a:ext cx="1847088" cy="301752"/>
+          </a:xfrm>
+          <a:prstGeom prst="rect">
+            <a:avLst/>
+          </a:prstGeom>
+          <a:noFill/>
+          <a:ln/>
+        </p:spPr>
+        <p:txBody>
+          <a:bodyPr wrap="square" rtlCol="0" anchor="ctr"/>
+          <a:lstStyle/>
+          <a:p>
+            <a:pPr algn="l" indent="0" marL="0">
+              <a:buNone/>
+            </a:pPr>
+            <a:r>
+              <a:rPr lang="en-US" sz="900" dirty="0">
+                <a:solidFill>
+                  <a:srgbClr val="1A1D2B"/>
+                </a:solidFill>
+                <a:latin typeface="Outfit" pitchFamily="34" charset="0"/>
+                <a:ea typeface="Outfit" pitchFamily="34" charset="-122"/>
+                <a:cs typeface="Outfit" pitchFamily="34" charset="-120"/>
+              </a:rPr>
+              <a:t>데이터베이스 (Supabase)</a:t>
+            </a:r>
+            <a:endParaRPr lang="en-US" sz="900" dirty="0"/>
+          </a:p>
+        </p:txBody>
+      </p:sp>
+      <p:sp>
+        <p:nvSpPr>
+          <p:cNvPr id="65" name="Text 63"/>
+          <p:cNvSpPr/>
+          <p:nvPr/>
+        </p:nvSpPr>
+        <p:spPr>
+          <a:xfrm>
+            <a:off x="6766560" y="2496312"/>
+            <a:ext cx="1481328" cy="301752"/>
+          </a:xfrm>
+          <a:prstGeom prst="rect">
+            <a:avLst/>
+          </a:prstGeom>
+          <a:noFill/>
+          <a:ln/>
+        </p:spPr>
+        <p:txBody>
+          <a:bodyPr wrap="square" rtlCol="0" anchor="ctr"/>
+          <a:lstStyle/>
+          <a:p>
+            <a:pPr algn="ctr" indent="0" marL="0">
+              <a:buNone/>
+            </a:pPr>
+            <a:r>
+              <a:rPr lang="en-US" sz="1000" dirty="0">
+                <a:solidFill>
+                  <a:srgbClr val="1A1D2B"/>
+                </a:solidFill>
+                <a:latin typeface="Outfit" pitchFamily="34" charset="0"/>
+                <a:ea typeface="Outfit" pitchFamily="34" charset="-122"/>
+                <a:cs typeface="Outfit" pitchFamily="34" charset="-120"/>
+              </a:rPr>
+              <a:t>42만</a:t>
+            </a:r>
+            <a:endParaRPr lang="en-US" sz="1000" dirty="0"/>
+          </a:p>
+        </p:txBody>
+      </p:sp>
+      <p:sp>
+        <p:nvSpPr>
+          <p:cNvPr id="66" name="Text 64"/>
+          <p:cNvSpPr/>
+          <p:nvPr/>
+        </p:nvSpPr>
+        <p:spPr>
+          <a:xfrm>
+            <a:off x="8321040" y="2496312"/>
+            <a:ext cx="1481328" cy="301752"/>
+          </a:xfrm>
+          <a:prstGeom prst="rect">
+            <a:avLst/>
+          </a:prstGeom>
+          <a:noFill/>
+          <a:ln/>
+        </p:spPr>
+        <p:txBody>
+          <a:bodyPr wrap="square" rtlCol="0" anchor="ctr"/>
+          <a:lstStyle/>
+          <a:p>
+            <a:pPr algn="ctr" indent="0" marL="0">
+              <a:buNone/>
+            </a:pPr>
+            <a:r>
+              <a:rPr lang="en-US" sz="1000" dirty="0">
+                <a:solidFill>
+                  <a:srgbClr val="1A1D2B"/>
+                </a:solidFill>
+                <a:latin typeface="Outfit" pitchFamily="34" charset="0"/>
+                <a:ea typeface="Outfit" pitchFamily="34" charset="-122"/>
+                <a:cs typeface="Outfit" pitchFamily="34" charset="-120"/>
+              </a:rPr>
+              <a:t>84만</a:t>
+            </a:r>
+            <a:endParaRPr lang="en-US" sz="1000" dirty="0"/>
+          </a:p>
+        </p:txBody>
+      </p:sp>
+      <p:sp>
+        <p:nvSpPr>
+          <p:cNvPr id="67" name="Text 65"/>
+          <p:cNvSpPr/>
+          <p:nvPr/>
+        </p:nvSpPr>
+        <p:spPr>
+          <a:xfrm>
+            <a:off x="9875520" y="2496312"/>
+            <a:ext cx="1481328" cy="301752"/>
+          </a:xfrm>
+          <a:prstGeom prst="rect">
+            <a:avLst/>
+          </a:prstGeom>
+          <a:noFill/>
+          <a:ln/>
+        </p:spPr>
+        <p:txBody>
+          <a:bodyPr wrap="square" rtlCol="0" anchor="ctr"/>
+          <a:lstStyle/>
+          <a:p>
+            <a:pPr algn="ctr" indent="0" marL="0">
+              <a:buNone/>
+            </a:pPr>
+            <a:r>
+              <a:rPr lang="en-US" sz="1000" dirty="0">
+                <a:solidFill>
+                  <a:srgbClr val="1A1D2B"/>
+                </a:solidFill>
+                <a:latin typeface="Outfit" pitchFamily="34" charset="0"/>
+                <a:ea typeface="Outfit" pitchFamily="34" charset="-122"/>
+                <a:cs typeface="Outfit" pitchFamily="34" charset="-120"/>
+              </a:rPr>
+              <a:t>168만</a:t>
+            </a:r>
+            <a:endParaRPr lang="en-US" sz="1000" dirty="0"/>
+          </a:p>
+        </p:txBody>
+      </p:sp>
+      <p:sp>
+        <p:nvSpPr>
+          <p:cNvPr id="68" name="Text 66"/>
+          <p:cNvSpPr/>
+          <p:nvPr/>
+        </p:nvSpPr>
+        <p:spPr>
+          <a:xfrm>
+            <a:off x="11430000" y="2496312"/>
+            <a:ext cx="475488" cy="301752"/>
+          </a:xfrm>
+          <a:prstGeom prst="rect">
+            <a:avLst/>
+          </a:prstGeom>
+          <a:noFill/>
+          <a:ln/>
+        </p:spPr>
+        <p:txBody>
+          <a:bodyPr wrap="square" rtlCol="0" anchor="ctr"/>
+          <a:lstStyle/>
+          <a:p>
+            <a:pPr algn="ctr" indent="0" marL="0">
+              <a:buNone/>
+            </a:pPr>
+            <a:r>
+              <a:rPr lang="en-US" sz="1000" dirty="0">
+                <a:solidFill>
+                  <a:srgbClr val="1A1D2B"/>
+                </a:solidFill>
+                <a:latin typeface="Outfit" pitchFamily="34" charset="0"/>
+                <a:ea typeface="Outfit" pitchFamily="34" charset="-122"/>
+                <a:cs typeface="Outfit" pitchFamily="34" charset="-120"/>
+              </a:rPr>
+              <a:t>선형↑</a:t>
+            </a:r>
+            <a:endParaRPr lang="en-US" sz="1000" dirty="0"/>
+          </a:p>
+        </p:txBody>
+      </p:sp>
+      <p:sp>
+        <p:nvSpPr>
+          <p:cNvPr id="69" name="Shape 67"/>
+          <p:cNvSpPr/>
+          <p:nvPr/>
+        </p:nvSpPr>
+        <p:spPr>
+          <a:xfrm>
+            <a:off x="4800600" y="2816352"/>
+            <a:ext cx="7132320" cy="338328"/>
+          </a:xfrm>
+          <a:prstGeom prst="rect">
+            <a:avLst/>
+          </a:prstGeom>
+          <a:solidFill>
+            <a:srgbClr val="F8F9FD"/>
+          </a:solidFill>
+          <a:ln w="12700">
+            <a:solidFill>
+              <a:srgbClr val="E2E4E9"/>
+            </a:solidFill>
+            <a:prstDash val="solid"/>
+          </a:ln>
+        </p:spPr>
+      </p:sp>
+      <p:sp>
+        <p:nvSpPr>
+          <p:cNvPr id="70" name="Text 68"/>
+          <p:cNvSpPr/>
+          <p:nvPr/>
+        </p:nvSpPr>
+        <p:spPr>
+          <a:xfrm>
+            <a:off x="4846320" y="2834640"/>
+            <a:ext cx="1847088" cy="301752"/>
+          </a:xfrm>
+          <a:prstGeom prst="rect">
+            <a:avLst/>
+          </a:prstGeom>
+          <a:noFill/>
+          <a:ln/>
+        </p:spPr>
+        <p:txBody>
+          <a:bodyPr wrap="square" rtlCol="0" anchor="ctr"/>
+          <a:lstStyle/>
+          <a:p>
+            <a:pPr algn="l" indent="0" marL="0">
+              <a:buNone/>
+            </a:pPr>
+            <a:r>
+              <a:rPr lang="en-US" sz="900" dirty="0">
+                <a:solidFill>
+                  <a:srgbClr val="1A1D2B"/>
+                </a:solidFill>
+                <a:latin typeface="Outfit" pitchFamily="34" charset="0"/>
+                <a:ea typeface="Outfit" pitchFamily="34" charset="-122"/>
+                <a:cs typeface="Outfit" pitchFamily="34" charset="-120"/>
+              </a:rPr>
+              <a:t>스토리지·CDN (QR이미지)</a:t>
+            </a:r>
+            <a:endParaRPr lang="en-US" sz="900" dirty="0"/>
+          </a:p>
+        </p:txBody>
+      </p:sp>
+      <p:sp>
+        <p:nvSpPr>
+          <p:cNvPr id="71" name="Text 69"/>
+          <p:cNvSpPr/>
+          <p:nvPr/>
+        </p:nvSpPr>
+        <p:spPr>
+          <a:xfrm>
+            <a:off x="6766560" y="2834640"/>
+            <a:ext cx="1481328" cy="301752"/>
+          </a:xfrm>
+          <a:prstGeom prst="rect">
+            <a:avLst/>
+          </a:prstGeom>
+          <a:noFill/>
+          <a:ln/>
+        </p:spPr>
+        <p:txBody>
+          <a:bodyPr wrap="square" rtlCol="0" anchor="ctr"/>
+          <a:lstStyle/>
+          <a:p>
+            <a:pPr algn="ctr" indent="0" marL="0">
+              <a:buNone/>
+            </a:pPr>
+            <a:r>
+              <a:rPr lang="en-US" sz="1000" dirty="0">
+                <a:solidFill>
+                  <a:srgbClr val="1A1D2B"/>
+                </a:solidFill>
+                <a:latin typeface="Outfit" pitchFamily="34" charset="0"/>
+                <a:ea typeface="Outfit" pitchFamily="34" charset="-122"/>
+                <a:cs typeface="Outfit" pitchFamily="34" charset="-120"/>
+              </a:rPr>
+              <a:t>24만</a:t>
+            </a:r>
+            <a:endParaRPr lang="en-US" sz="1000" dirty="0"/>
+          </a:p>
+        </p:txBody>
+      </p:sp>
+      <p:sp>
+        <p:nvSpPr>
+          <p:cNvPr id="72" name="Text 70"/>
+          <p:cNvSpPr/>
+          <p:nvPr/>
+        </p:nvSpPr>
+        <p:spPr>
+          <a:xfrm>
+            <a:off x="8321040" y="2834640"/>
+            <a:ext cx="1481328" cy="301752"/>
+          </a:xfrm>
+          <a:prstGeom prst="rect">
+            <a:avLst/>
+          </a:prstGeom>
+          <a:noFill/>
+          <a:ln/>
+        </p:spPr>
+        <p:txBody>
+          <a:bodyPr wrap="square" rtlCol="0" anchor="ctr"/>
+          <a:lstStyle/>
+          <a:p>
+            <a:pPr algn="ctr" indent="0" marL="0">
+              <a:buNone/>
+            </a:pPr>
+            <a:r>
+              <a:rPr lang="en-US" sz="1000" dirty="0">
+                <a:solidFill>
+                  <a:srgbClr val="1A1D2B"/>
+                </a:solidFill>
+                <a:latin typeface="Outfit" pitchFamily="34" charset="0"/>
+                <a:ea typeface="Outfit" pitchFamily="34" charset="-122"/>
+                <a:cs typeface="Outfit" pitchFamily="34" charset="-120"/>
+              </a:rPr>
+              <a:t>48만</a:t>
+            </a:r>
+            <a:endParaRPr lang="en-US" sz="1000" dirty="0"/>
+          </a:p>
+        </p:txBody>
+      </p:sp>
+      <p:sp>
+        <p:nvSpPr>
+          <p:cNvPr id="73" name="Text 71"/>
+          <p:cNvSpPr/>
+          <p:nvPr/>
+        </p:nvSpPr>
+        <p:spPr>
+          <a:xfrm>
+            <a:off x="9875520" y="2834640"/>
+            <a:ext cx="1481328" cy="301752"/>
+          </a:xfrm>
+          <a:prstGeom prst="rect">
+            <a:avLst/>
+          </a:prstGeom>
+          <a:noFill/>
+          <a:ln/>
+        </p:spPr>
+        <p:txBody>
+          <a:bodyPr wrap="square" rtlCol="0" anchor="ctr"/>
+          <a:lstStyle/>
+          <a:p>
+            <a:pPr algn="ctr" indent="0" marL="0">
+              <a:buNone/>
+            </a:pPr>
+            <a:r>
+              <a:rPr lang="en-US" sz="1000" dirty="0">
+                <a:solidFill>
+                  <a:srgbClr val="1A1D2B"/>
+                </a:solidFill>
+                <a:latin typeface="Outfit" pitchFamily="34" charset="0"/>
+                <a:ea typeface="Outfit" pitchFamily="34" charset="-122"/>
+                <a:cs typeface="Outfit" pitchFamily="34" charset="-120"/>
+              </a:rPr>
+              <a:t>120만</a:t>
+            </a:r>
+            <a:endParaRPr lang="en-US" sz="1000" dirty="0"/>
+          </a:p>
+        </p:txBody>
+      </p:sp>
+      <p:sp>
+        <p:nvSpPr>
+          <p:cNvPr id="74" name="Text 72"/>
+          <p:cNvSpPr/>
+          <p:nvPr/>
+        </p:nvSpPr>
+        <p:spPr>
+          <a:xfrm>
+            <a:off x="11430000" y="2834640"/>
+            <a:ext cx="475488" cy="301752"/>
+          </a:xfrm>
+          <a:prstGeom prst="rect">
+            <a:avLst/>
+          </a:prstGeom>
+          <a:noFill/>
+          <a:ln/>
+        </p:spPr>
+        <p:txBody>
+          <a:bodyPr wrap="square" rtlCol="0" anchor="ctr"/>
+          <a:lstStyle/>
+          <a:p>
+            <a:pPr algn="ctr" indent="0" marL="0">
+              <a:buNone/>
+            </a:pPr>
+            <a:r>
+              <a:rPr lang="en-US" sz="1000" dirty="0">
+                <a:solidFill>
+                  <a:srgbClr val="1A1D2B"/>
+                </a:solidFill>
+                <a:latin typeface="Outfit" pitchFamily="34" charset="0"/>
+                <a:ea typeface="Outfit" pitchFamily="34" charset="-122"/>
+                <a:cs typeface="Outfit" pitchFamily="34" charset="-120"/>
+              </a:rPr>
+              <a:t>선형↑</a:t>
+            </a:r>
+            <a:endParaRPr lang="en-US" sz="1000" dirty="0"/>
+          </a:p>
+        </p:txBody>
+      </p:sp>
+      <p:sp>
+        <p:nvSpPr>
+          <p:cNvPr id="75" name="Shape 73"/>
+          <p:cNvSpPr/>
+          <p:nvPr/>
+        </p:nvSpPr>
+        <p:spPr>
+          <a:xfrm>
+            <a:off x="4800600" y="3154680"/>
+            <a:ext cx="7132320" cy="338328"/>
+          </a:xfrm>
+          <a:prstGeom prst="rect">
+            <a:avLst/>
+          </a:prstGeom>
+          <a:solidFill>
+            <a:srgbClr val="FFFFFF"/>
+          </a:solidFill>
+          <a:ln w="12700">
+            <a:solidFill>
+              <a:srgbClr val="E2E4E9"/>
+            </a:solidFill>
+            <a:prstDash val="solid"/>
+          </a:ln>
+        </p:spPr>
+      </p:sp>
+      <p:sp>
+        <p:nvSpPr>
+          <p:cNvPr id="76" name="Text 74"/>
+          <p:cNvSpPr/>
+          <p:nvPr/>
+        </p:nvSpPr>
+        <p:spPr>
+          <a:xfrm>
+            <a:off x="4846320" y="3172968"/>
+            <a:ext cx="1847088" cy="301752"/>
+          </a:xfrm>
+          <a:prstGeom prst="rect">
+            <a:avLst/>
+          </a:prstGeom>
+          <a:noFill/>
+          <a:ln/>
+        </p:spPr>
+        <p:txBody>
+          <a:bodyPr wrap="square" rtlCol="0" anchor="ctr"/>
+          <a:lstStyle/>
+          <a:p>
+            <a:pPr algn="l" indent="0" marL="0">
+              <a:buNone/>
+            </a:pPr>
+            <a:r>
+              <a:rPr lang="en-US" sz="900" dirty="0">
+                <a:solidFill>
+                  <a:srgbClr val="1A1D2B"/>
+                </a:solidFill>
+                <a:latin typeface="Outfit" pitchFamily="34" charset="0"/>
+                <a:ea typeface="Outfit" pitchFamily="34" charset="-122"/>
+                <a:cs typeface="Outfit" pitchFamily="34" charset="-120"/>
+              </a:rPr>
+              <a:t>모니터링·이메일 등</a:t>
+            </a:r>
+            <a:endParaRPr lang="en-US" sz="900" dirty="0"/>
+          </a:p>
+        </p:txBody>
+      </p:sp>
+      <p:sp>
+        <p:nvSpPr>
+          <p:cNvPr id="77" name="Text 75"/>
+          <p:cNvSpPr/>
+          <p:nvPr/>
+        </p:nvSpPr>
+        <p:spPr>
+          <a:xfrm>
+            <a:off x="6766560" y="3172968"/>
+            <a:ext cx="1481328" cy="301752"/>
+          </a:xfrm>
+          <a:prstGeom prst="rect">
+            <a:avLst/>
+          </a:prstGeom>
+          <a:noFill/>
+          <a:ln/>
+        </p:spPr>
+        <p:txBody>
+          <a:bodyPr wrap="square" rtlCol="0" anchor="ctr"/>
+          <a:lstStyle/>
+          <a:p>
+            <a:pPr algn="ctr" indent="0" marL="0">
+              <a:buNone/>
+            </a:pPr>
+            <a:r>
+              <a:rPr lang="en-US" sz="1000" dirty="0">
+                <a:solidFill>
+                  <a:srgbClr val="1A1D2B"/>
+                </a:solidFill>
+                <a:latin typeface="Outfit" pitchFamily="34" charset="0"/>
+                <a:ea typeface="Outfit" pitchFamily="34" charset="-122"/>
+                <a:cs typeface="Outfit" pitchFamily="34" charset="-120"/>
+              </a:rPr>
+              <a:t>42만</a:t>
+            </a:r>
+            <a:endParaRPr lang="en-US" sz="1000" dirty="0"/>
+          </a:p>
+        </p:txBody>
+      </p:sp>
+      <p:sp>
+        <p:nvSpPr>
+          <p:cNvPr id="78" name="Text 76"/>
+          <p:cNvSpPr/>
+          <p:nvPr/>
+        </p:nvSpPr>
+        <p:spPr>
+          <a:xfrm>
+            <a:off x="8321040" y="3172968"/>
+            <a:ext cx="1481328" cy="301752"/>
+          </a:xfrm>
+          <a:prstGeom prst="rect">
+            <a:avLst/>
+          </a:prstGeom>
+          <a:noFill/>
+          <a:ln/>
+        </p:spPr>
+        <p:txBody>
+          <a:bodyPr wrap="square" rtlCol="0" anchor="ctr"/>
+          <a:lstStyle/>
+          <a:p>
+            <a:pPr algn="ctr" indent="0" marL="0">
+              <a:buNone/>
+            </a:pPr>
+            <a:r>
+              <a:rPr lang="en-US" sz="1000" dirty="0">
+                <a:solidFill>
+                  <a:srgbClr val="1A1D2B"/>
+                </a:solidFill>
+                <a:latin typeface="Outfit" pitchFamily="34" charset="0"/>
+                <a:ea typeface="Outfit" pitchFamily="34" charset="-122"/>
+                <a:cs typeface="Outfit" pitchFamily="34" charset="-120"/>
+              </a:rPr>
+              <a:t>66만</a:t>
+            </a:r>
+            <a:endParaRPr lang="en-US" sz="1000" dirty="0"/>
+          </a:p>
+        </p:txBody>
+      </p:sp>
+      <p:sp>
+        <p:nvSpPr>
+          <p:cNvPr id="79" name="Text 77"/>
+          <p:cNvSpPr/>
+          <p:nvPr/>
+        </p:nvSpPr>
+        <p:spPr>
+          <a:xfrm>
+            <a:off x="9875520" y="3172968"/>
+            <a:ext cx="1481328" cy="301752"/>
+          </a:xfrm>
+          <a:prstGeom prst="rect">
+            <a:avLst/>
+          </a:prstGeom>
+          <a:noFill/>
+          <a:ln/>
+        </p:spPr>
+        <p:txBody>
+          <a:bodyPr wrap="square" rtlCol="0" anchor="ctr"/>
+          <a:lstStyle/>
+          <a:p>
+            <a:pPr algn="ctr" indent="0" marL="0">
+              <a:buNone/>
+            </a:pPr>
+            <a:r>
+              <a:rPr lang="en-US" sz="1000" dirty="0">
+                <a:solidFill>
+                  <a:srgbClr val="1A1D2B"/>
+                </a:solidFill>
+                <a:latin typeface="Outfit" pitchFamily="34" charset="0"/>
+                <a:ea typeface="Outfit" pitchFamily="34" charset="-122"/>
+                <a:cs typeface="Outfit" pitchFamily="34" charset="-120"/>
+              </a:rPr>
+              <a:t>96만</a:t>
+            </a:r>
+            <a:endParaRPr lang="en-US" sz="1000" dirty="0"/>
+          </a:p>
+        </p:txBody>
+      </p:sp>
+      <p:sp>
+        <p:nvSpPr>
+          <p:cNvPr id="80" name="Text 78"/>
+          <p:cNvSpPr/>
+          <p:nvPr/>
+        </p:nvSpPr>
+        <p:spPr>
+          <a:xfrm>
+            <a:off x="11430000" y="3172968"/>
+            <a:ext cx="475488" cy="301752"/>
+          </a:xfrm>
+          <a:prstGeom prst="rect">
+            <a:avLst/>
+          </a:prstGeom>
+          <a:noFill/>
+          <a:ln/>
+        </p:spPr>
+        <p:txBody>
+          <a:bodyPr wrap="square" rtlCol="0" anchor="ctr"/>
+          <a:lstStyle/>
+          <a:p>
+            <a:pPr algn="ctr" indent="0" marL="0">
+              <a:buNone/>
+            </a:pPr>
+            <a:r>
+              <a:rPr lang="en-US" sz="1000" dirty="0">
+                <a:solidFill>
+                  <a:srgbClr val="1A1D2B"/>
+                </a:solidFill>
+                <a:latin typeface="Outfit" pitchFamily="34" charset="0"/>
+                <a:ea typeface="Outfit" pitchFamily="34" charset="-122"/>
+                <a:cs typeface="Outfit" pitchFamily="34" charset="-120"/>
+              </a:rPr>
+              <a:t>완만↑</a:t>
+            </a:r>
+            <a:endParaRPr lang="en-US" sz="1000" dirty="0"/>
+          </a:p>
+        </p:txBody>
+      </p:sp>
+      <p:sp>
+        <p:nvSpPr>
+          <p:cNvPr id="81" name="Shape 79"/>
+          <p:cNvSpPr/>
+          <p:nvPr/>
+        </p:nvSpPr>
+        <p:spPr>
+          <a:xfrm>
+            <a:off x="4800600" y="3493008"/>
+            <a:ext cx="7132320" cy="338328"/>
+          </a:xfrm>
+          <a:prstGeom prst="rect">
+            <a:avLst/>
+          </a:prstGeom>
+          <a:solidFill>
+            <a:srgbClr val="E0F2F7"/>
+          </a:solidFill>
+          <a:ln w="12700">
+            <a:solidFill>
+              <a:srgbClr val="E2E4E9"/>
+            </a:solidFill>
+            <a:prstDash val="solid"/>
+          </a:ln>
+        </p:spPr>
+      </p:sp>
+      <p:sp>
+        <p:nvSpPr>
+          <p:cNvPr id="82" name="Text 80"/>
+          <p:cNvSpPr/>
+          <p:nvPr/>
+        </p:nvSpPr>
+        <p:spPr>
+          <a:xfrm>
+            <a:off x="4846320" y="3511296"/>
+            <a:ext cx="1847088" cy="301752"/>
+          </a:xfrm>
+          <a:prstGeom prst="rect">
+            <a:avLst/>
+          </a:prstGeom>
+          <a:noFill/>
+          <a:ln/>
+        </p:spPr>
+        <p:txBody>
+          <a:bodyPr wrap="square" rtlCol="0" anchor="ctr"/>
+          <a:lstStyle/>
+          <a:p>
+            <a:pPr algn="l" indent="0" marL="0">
+              <a:buNone/>
+            </a:pPr>
+            <a:r>
+              <a:rPr lang="en-US" sz="900" b="1" dirty="0">
+                <a:solidFill>
+                  <a:srgbClr val="1A1D2B"/>
+                </a:solidFill>
+                <a:latin typeface="Outfit" pitchFamily="34" charset="0"/>
+                <a:ea typeface="Outfit" pitchFamily="34" charset="-122"/>
+                <a:cs typeface="Outfit" pitchFamily="34" charset="-120"/>
+              </a:rPr>
+              <a:t>인프라 합계 (연)</a:t>
+            </a:r>
+            <a:endParaRPr lang="en-US" sz="900" dirty="0"/>
+          </a:p>
+        </p:txBody>
+      </p:sp>
+      <p:sp>
+        <p:nvSpPr>
+          <p:cNvPr id="83" name="Text 81"/>
+          <p:cNvSpPr/>
+          <p:nvPr/>
+        </p:nvSpPr>
+        <p:spPr>
+          <a:xfrm>
+            <a:off x="6766560" y="3511296"/>
+            <a:ext cx="1481328" cy="301752"/>
+          </a:xfrm>
+          <a:prstGeom prst="rect">
+            <a:avLst/>
+          </a:prstGeom>
+          <a:noFill/>
+          <a:ln/>
+        </p:spPr>
+        <p:txBody>
+          <a:bodyPr wrap="square" rtlCol="0" anchor="ctr"/>
+          <a:lstStyle/>
+          <a:p>
+            <a:pPr algn="ctr" indent="0" marL="0">
+              <a:buNone/>
+            </a:pPr>
+            <a:r>
+              <a:rPr lang="en-US" sz="1000" b="1" dirty="0">
+                <a:solidFill>
+                  <a:srgbClr val="0F9ED5"/>
+                </a:solidFill>
+                <a:latin typeface="Outfit" pitchFamily="34" charset="0"/>
+                <a:ea typeface="Outfit" pitchFamily="34" charset="-122"/>
+                <a:cs typeface="Outfit" pitchFamily="34" charset="-120"/>
+              </a:rPr>
+              <a:t>1,968만</a:t>
+            </a:r>
+            <a:endParaRPr lang="en-US" sz="1000" dirty="0"/>
+          </a:p>
+        </p:txBody>
+      </p:sp>
+      <p:sp>
+        <p:nvSpPr>
+          <p:cNvPr id="84" name="Text 82"/>
+          <p:cNvSpPr/>
+          <p:nvPr/>
+        </p:nvSpPr>
+        <p:spPr>
+          <a:xfrm>
+            <a:off x="8321040" y="3511296"/>
+            <a:ext cx="1481328" cy="301752"/>
+          </a:xfrm>
+          <a:prstGeom prst="rect">
+            <a:avLst/>
+          </a:prstGeom>
+          <a:noFill/>
+          <a:ln/>
+        </p:spPr>
+        <p:txBody>
+          <a:bodyPr wrap="square" rtlCol="0" anchor="ctr"/>
+          <a:lstStyle/>
+          <a:p>
+            <a:pPr algn="ctr" indent="0" marL="0">
+              <a:buNone/>
+            </a:pPr>
+            <a:r>
+              <a:rPr lang="en-US" sz="1000" b="1" dirty="0">
+                <a:solidFill>
+                  <a:srgbClr val="0F9ED5"/>
+                </a:solidFill>
+                <a:latin typeface="Outfit" pitchFamily="34" charset="0"/>
+                <a:ea typeface="Outfit" pitchFamily="34" charset="-122"/>
+                <a:cs typeface="Outfit" pitchFamily="34" charset="-120"/>
+              </a:rPr>
+              <a:t>4,818만</a:t>
+            </a:r>
+            <a:endParaRPr lang="en-US" sz="1000" dirty="0"/>
+          </a:p>
+        </p:txBody>
+      </p:sp>
+      <p:sp>
+        <p:nvSpPr>
+          <p:cNvPr id="85" name="Text 83"/>
+          <p:cNvSpPr/>
+          <p:nvPr/>
+        </p:nvSpPr>
+        <p:spPr>
+          <a:xfrm>
+            <a:off x="9875520" y="3511296"/>
+            <a:ext cx="1481328" cy="301752"/>
+          </a:xfrm>
+          <a:prstGeom prst="rect">
+            <a:avLst/>
+          </a:prstGeom>
+          <a:noFill/>
+          <a:ln/>
+        </p:spPr>
+        <p:txBody>
+          <a:bodyPr wrap="square" rtlCol="0" anchor="ctr"/>
+          <a:lstStyle/>
+          <a:p>
+            <a:pPr algn="ctr" indent="0" marL="0">
+              <a:buNone/>
+            </a:pPr>
+            <a:r>
+              <a:rPr lang="en-US" sz="1000" b="1" dirty="0">
+                <a:solidFill>
+                  <a:srgbClr val="0F9ED5"/>
+                </a:solidFill>
+                <a:latin typeface="Outfit" pitchFamily="34" charset="0"/>
+                <a:ea typeface="Outfit" pitchFamily="34" charset="-122"/>
+                <a:cs typeface="Outfit" pitchFamily="34" charset="-120"/>
+              </a:rPr>
+              <a:t>9,624만</a:t>
+            </a:r>
+            <a:endParaRPr lang="en-US" sz="1000" dirty="0"/>
+          </a:p>
+        </p:txBody>
+      </p:sp>
+      <p:sp>
+        <p:nvSpPr>
+          <p:cNvPr id="86" name="Text 84"/>
+          <p:cNvSpPr/>
+          <p:nvPr/>
+        </p:nvSpPr>
+        <p:spPr>
+          <a:xfrm>
+            <a:off x="11430000" y="3511296"/>
+            <a:ext cx="475488" cy="301752"/>
+          </a:xfrm>
+          <a:prstGeom prst="rect">
+            <a:avLst/>
+          </a:prstGeom>
+          <a:noFill/>
+          <a:ln/>
+        </p:spPr>
+        <p:txBody>
+          <a:bodyPr wrap="square" rtlCol="0" anchor="ctr"/>
+          <a:lstStyle/>
+          <a:p>
+            <a:pPr algn="ctr" indent="0" marL="0">
+              <a:buNone/>
+            </a:pPr>
+            <a:r>
+              <a:rPr lang="en-US" sz="1000" b="1" dirty="0">
+                <a:solidFill>
+                  <a:srgbClr val="1A1D2B"/>
+                </a:solidFill>
+                <a:latin typeface="Outfit" pitchFamily="34" charset="0"/>
+                <a:ea typeface="Outfit" pitchFamily="34" charset="-122"/>
+                <a:cs typeface="Outfit" pitchFamily="34" charset="-120"/>
+              </a:rPr>
+              <a:t>비용↑</a:t>
+            </a:r>
+            <a:endParaRPr lang="en-US" sz="1000" dirty="0"/>
+          </a:p>
+        </p:txBody>
+      </p:sp>
+      <p:sp>
+        <p:nvSpPr>
+          <p:cNvPr id="87" name="Shape 85"/>
+          <p:cNvSpPr/>
+          <p:nvPr/>
+        </p:nvSpPr>
+        <p:spPr>
+          <a:xfrm>
+            <a:off x="4800600" y="3831336"/>
+            <a:ext cx="7132320" cy="338328"/>
+          </a:xfrm>
+          <a:prstGeom prst="rect">
+            <a:avLst/>
+          </a:prstGeom>
+          <a:solidFill>
+            <a:srgbClr val="E8F5E9"/>
+          </a:solidFill>
+          <a:ln w="12700">
+            <a:solidFill>
+              <a:srgbClr val="E2E4E9"/>
+            </a:solidFill>
+            <a:prstDash val="solid"/>
+          </a:ln>
+        </p:spPr>
+      </p:sp>
+      <p:sp>
+        <p:nvSpPr>
+          <p:cNvPr id="88" name="Text 86"/>
+          <p:cNvSpPr/>
+          <p:nvPr/>
+        </p:nvSpPr>
+        <p:spPr>
+          <a:xfrm>
+            <a:off x="4846320" y="3849624"/>
+            <a:ext cx="1847088" cy="301752"/>
+          </a:xfrm>
+          <a:prstGeom prst="rect">
+            <a:avLst/>
+          </a:prstGeom>
+          <a:noFill/>
+          <a:ln/>
+        </p:spPr>
+        <p:txBody>
+          <a:bodyPr wrap="square" rtlCol="0" anchor="ctr"/>
+          <a:lstStyle/>
+          <a:p>
+            <a:pPr algn="l" indent="0" marL="0">
+              <a:buNone/>
+            </a:pPr>
+            <a:r>
+              <a:rPr lang="en-US" sz="900" b="1" dirty="0">
+                <a:solidFill>
+                  <a:srgbClr val="1A1D2B"/>
+                </a:solidFill>
+                <a:latin typeface="Outfit" pitchFamily="34" charset="0"/>
+                <a:ea typeface="Outfit" pitchFamily="34" charset="-122"/>
+                <a:cs typeface="Outfit" pitchFamily="34" charset="-120"/>
+              </a:rPr>
+              <a:t>매출 대비 인프라 비율</a:t>
+            </a:r>
+            <a:endParaRPr lang="en-US" sz="900" dirty="0"/>
+          </a:p>
+        </p:txBody>
+      </p:sp>
+      <p:sp>
+        <p:nvSpPr>
+          <p:cNvPr id="89" name="Text 87"/>
+          <p:cNvSpPr/>
+          <p:nvPr/>
+        </p:nvSpPr>
+        <p:spPr>
+          <a:xfrm>
+            <a:off x="6766560" y="3849624"/>
+            <a:ext cx="1481328" cy="301752"/>
+          </a:xfrm>
+          <a:prstGeom prst="rect">
+            <a:avLst/>
+          </a:prstGeom>
+          <a:noFill/>
+          <a:ln/>
+        </p:spPr>
+        <p:txBody>
+          <a:bodyPr wrap="square" rtlCol="0" anchor="ctr"/>
+          <a:lstStyle/>
+          <a:p>
+            <a:pPr algn="ctr" indent="0" marL="0">
+              <a:buNone/>
+            </a:pPr>
+            <a:r>
+              <a:rPr lang="en-US" sz="1000" b="1" dirty="0">
+                <a:solidFill>
+                  <a:srgbClr val="16A34A"/>
+                </a:solidFill>
+                <a:latin typeface="Outfit" pitchFamily="34" charset="0"/>
+                <a:ea typeface="Outfit" pitchFamily="34" charset="-122"/>
+                <a:cs typeface="Outfit" pitchFamily="34" charset="-120"/>
+              </a:rPr>
+              <a:t>14.1%</a:t>
+            </a:r>
+            <a:endParaRPr lang="en-US" sz="1000" dirty="0"/>
+          </a:p>
+        </p:txBody>
+      </p:sp>
+      <p:sp>
+        <p:nvSpPr>
+          <p:cNvPr id="90" name="Text 88"/>
+          <p:cNvSpPr/>
+          <p:nvPr/>
+        </p:nvSpPr>
+        <p:spPr>
+          <a:xfrm>
+            <a:off x="8321040" y="3849624"/>
+            <a:ext cx="1481328" cy="301752"/>
+          </a:xfrm>
+          <a:prstGeom prst="rect">
+            <a:avLst/>
+          </a:prstGeom>
+          <a:noFill/>
+          <a:ln/>
+        </p:spPr>
+        <p:txBody>
+          <a:bodyPr wrap="square" rtlCol="0" anchor="ctr"/>
+          <a:lstStyle/>
+          <a:p>
+            <a:pPr algn="ctr" indent="0" marL="0">
+              <a:buNone/>
+            </a:pPr>
+            <a:r>
+              <a:rPr lang="en-US" sz="1000" b="1" dirty="0">
+                <a:solidFill>
+                  <a:srgbClr val="16A34A"/>
+                </a:solidFill>
+                <a:latin typeface="Outfit" pitchFamily="34" charset="0"/>
+                <a:ea typeface="Outfit" pitchFamily="34" charset="-122"/>
+                <a:cs typeface="Outfit" pitchFamily="34" charset="-120"/>
+              </a:rPr>
+              <a:t>11.0%</a:t>
+            </a:r>
+            <a:endParaRPr lang="en-US" sz="1000" dirty="0"/>
+          </a:p>
+        </p:txBody>
+      </p:sp>
+      <p:sp>
+        <p:nvSpPr>
+          <p:cNvPr id="91" name="Text 89"/>
+          <p:cNvSpPr/>
+          <p:nvPr/>
+        </p:nvSpPr>
+        <p:spPr>
+          <a:xfrm>
+            <a:off x="9875520" y="3849624"/>
+            <a:ext cx="1481328" cy="301752"/>
+          </a:xfrm>
+          <a:prstGeom prst="rect">
+            <a:avLst/>
+          </a:prstGeom>
+          <a:noFill/>
+          <a:ln/>
+        </p:spPr>
+        <p:txBody>
+          <a:bodyPr wrap="square" rtlCol="0" anchor="ctr"/>
+          <a:lstStyle/>
+          <a:p>
+            <a:pPr algn="ctr" indent="0" marL="0">
+              <a:buNone/>
+            </a:pPr>
+            <a:r>
+              <a:rPr lang="en-US" sz="1000" b="1" dirty="0">
+                <a:solidFill>
+                  <a:srgbClr val="16A34A"/>
+                </a:solidFill>
+                <a:latin typeface="Outfit" pitchFamily="34" charset="0"/>
+                <a:ea typeface="Outfit" pitchFamily="34" charset="-122"/>
+                <a:cs typeface="Outfit" pitchFamily="34" charset="-120"/>
+              </a:rPr>
+              <a:t>9.5%</a:t>
+            </a:r>
+            <a:endParaRPr lang="en-US" sz="1000" dirty="0"/>
+          </a:p>
+        </p:txBody>
+      </p:sp>
+      <p:sp>
+        <p:nvSpPr>
+          <p:cNvPr id="92" name="Text 90"/>
+          <p:cNvSpPr/>
+          <p:nvPr/>
+        </p:nvSpPr>
+        <p:spPr>
+          <a:xfrm>
+            <a:off x="11430000" y="3849624"/>
+            <a:ext cx="475488" cy="301752"/>
+          </a:xfrm>
+          <a:prstGeom prst="rect">
+            <a:avLst/>
+          </a:prstGeom>
+          <a:noFill/>
+          <a:ln/>
+        </p:spPr>
+        <p:txBody>
+          <a:bodyPr wrap="square" rtlCol="0" anchor="ctr"/>
+          <a:lstStyle/>
+          <a:p>
+            <a:pPr algn="ctr" indent="0" marL="0">
+              <a:buNone/>
+            </a:pPr>
+            <a:r>
+              <a:rPr lang="en-US" sz="1000" b="1" dirty="0">
+                <a:solidFill>
+                  <a:srgbClr val="1A1D2B"/>
+                </a:solidFill>
+                <a:latin typeface="Outfit" pitchFamily="34" charset="0"/>
+                <a:ea typeface="Outfit" pitchFamily="34" charset="-122"/>
+                <a:cs typeface="Outfit" pitchFamily="34" charset="-120"/>
+              </a:rPr>
+              <a:t>SaaS↓</a:t>
+            </a:r>
+            <a:endParaRPr lang="en-US" sz="1000" dirty="0"/>
+          </a:p>
+        </p:txBody>
+      </p:sp>
+      <p:sp>
+        <p:nvSpPr>
+          <p:cNvPr id="93" name="Shape 91"/>
+          <p:cNvSpPr/>
+          <p:nvPr/>
+        </p:nvSpPr>
+        <p:spPr>
+          <a:xfrm>
+            <a:off x="4800600" y="4334256"/>
+            <a:ext cx="7132320" cy="20117"/>
+          </a:xfrm>
+          <a:prstGeom prst="rect">
+            <a:avLst/>
+          </a:prstGeom>
+          <a:solidFill>
+            <a:srgbClr val="F5B731"/>
+          </a:solidFill>
+          <a:ln w="12700">
+            <a:solidFill>
+              <a:srgbClr val="F5B731"/>
+            </a:solidFill>
+            <a:prstDash val="solid"/>
+          </a:ln>
+        </p:spPr>
+      </p:sp>
       <p:graphicFrame>
         <p:nvGraphicFramePr>
-          <p:cNvPr id="41" name="Chart 1" descr=""/>
+          <p:cNvPr id="94" name="Chart 0" descr=""/>
           <p:cNvGraphicFramePr/>
           <p:nvPr/>
         </p:nvGraphicFramePr>
         <p:xfrm>
-          <a:off x="4754880" y="3913632"/>
-          <a:ext cx="7132320" cy="2542032"/>
+          <a:off x="4800600" y="4425696"/>
+          <a:ext cx="7132320" cy="2139696"/>
         </p:xfrm>
         <a:graphic xmlns:a="http://schemas.openxmlformats.org/drawingml/2006/main">
           <a:graphicData uri="http://schemas.openxmlformats.org/drawingml/2006/chart">
-            <c:chart xmlns:c="http://schemas.openxmlformats.org/drawingml/2006/chart" r:id="rId2"/>
+            <c:chart xmlns:c="http://schemas.openxmlformats.org/drawingml/2006/chart" r:id="rId1"/>
           </a:graphicData>
         </a:graphic>
       </p:graphicFrame>
       <p:sp>
         <p:nvSpPr>
-          <p:cNvPr id="42" name="Text 38"/>
+          <p:cNvPr id="95" name="Text 92"/>
           <p:cNvSpPr/>
           <p:nvPr/>
         </p:nvSpPr>

--- a/docs/pitch/mepark_ticket_pitch_v3_goldwatch.pptx
+++ b/docs/pitch/mepark_ticket_pitch_v3_goldwatch.pptx
@@ -142,7 +142,7 @@
                 </a:solidFill>
                 <a:latin typeface="Arial"/>
               </a:rPr>
-              <a:t>매출  vs  영업이익 (백만원)  ·  알림톡 2회 절감 반영</a:t>
+              <a:t>매출  vs  영업이익 (백만원)  ·  알림톡 수익화 반영  ·  3년차 50.2% 이익률</a:t>
             </a:r>
           </a:p>
         </c:rich>
@@ -311,13 +311,13 @@
                 <c:formatCode>General</c:formatCode>
                 <c:ptCount val="3"/>
                 <c:pt idx="0">
-                  <c:v>34</c:v>
+                  <c:v>55</c:v>
                 </c:pt>
                 <c:pt idx="1">
-                  <c:v>133</c:v>
+                  <c:v>187</c:v>
                 </c:pt>
                 <c:pt idx="2">
-                  <c:v>395</c:v>
+                  <c:v>507</c:v>
                 </c:pt>
               </c:numCache>
             </c:numRef>
@@ -14047,7 +14047,7 @@
                 <a:ea typeface="Outfit" pitchFamily="34" charset="-122"/>
                 <a:cs typeface="Outfit" pitchFamily="34" charset="-120"/>
               </a:rPr>
-              <a:t>→  결제 이력 조회</a:t>
+              <a:t>→  알림톡 월 1,000건 포함</a:t>
             </a:r>
             <a:endParaRPr lang="en-US" sz="1100" dirty="0"/>
           </a:p>
@@ -14086,6 +14086,45 @@
                 <a:ea typeface="Outfit" pitchFamily="34" charset="-122"/>
                 <a:cs typeface="Outfit" pitchFamily="34" charset="-120"/>
               </a:rPr>
+              <a:t>→  결제 이력 조회</a:t>
+            </a:r>
+            <a:endParaRPr lang="en-US" sz="1100" dirty="0"/>
+          </a:p>
+        </p:txBody>
+      </p:sp>
+      <p:sp>
+        <p:nvSpPr>
+          <p:cNvPr id="19" name="Text 17"/>
+          <p:cNvSpPr/>
+          <p:nvPr/>
+        </p:nvSpPr>
+        <p:spPr>
+          <a:xfrm>
+            <a:off x="457200" y="4910328"/>
+            <a:ext cx="2468880" cy="457200"/>
+          </a:xfrm>
+          <a:prstGeom prst="rect">
+            <a:avLst/>
+          </a:prstGeom>
+          <a:noFill/>
+          <a:ln/>
+        </p:spPr>
+        <p:txBody>
+          <a:bodyPr wrap="square" rtlCol="0" anchor="ctr"/>
+          <a:lstStyle/>
+          <a:p>
+            <a:pPr indent="0" marL="0">
+              <a:buNone/>
+            </a:pPr>
+            <a:r>
+              <a:rPr lang="en-US" sz="1100" dirty="0">
+                <a:solidFill>
+                  <a:srgbClr val="A8B4D8"/>
+                </a:solidFill>
+                <a:latin typeface="Outfit" pitchFamily="34" charset="0"/>
+                <a:ea typeface="Outfit" pitchFamily="34" charset="-122"/>
+                <a:cs typeface="Outfit" pitchFamily="34" charset="-120"/>
+              </a:rPr>
               <a:t>→  기본 CS 지원</a:t>
             </a:r>
             <a:endParaRPr lang="en-US" sz="1100" dirty="0"/>
@@ -14094,7 +14133,7 @@
       </p:sp>
       <p:sp>
         <p:nvSpPr>
-          <p:cNvPr id="19" name="Shape 17"/>
+          <p:cNvPr id="20" name="Shape 18"/>
           <p:cNvSpPr/>
           <p:nvPr/>
         </p:nvSpPr>
@@ -14119,7 +14158,7 @@
       </p:sp>
       <p:sp>
         <p:nvSpPr>
-          <p:cNvPr id="20" name="Shape 18"/>
+          <p:cNvPr id="21" name="Shape 19"/>
           <p:cNvSpPr/>
           <p:nvPr/>
         </p:nvSpPr>
@@ -14144,7 +14183,7 @@
       </p:sp>
       <p:sp>
         <p:nvSpPr>
-          <p:cNvPr id="21" name="Text 19"/>
+          <p:cNvPr id="22" name="Text 20"/>
           <p:cNvSpPr/>
           <p:nvPr/>
         </p:nvSpPr>
@@ -14185,7 +14224,7 @@
       </p:sp>
       <p:sp>
         <p:nvSpPr>
-          <p:cNvPr id="22" name="Shape 20"/>
+          <p:cNvPr id="23" name="Shape 21"/>
           <p:cNvSpPr/>
           <p:nvPr/>
         </p:nvSpPr>
@@ -14210,7 +14249,7 @@
       </p:sp>
       <p:sp>
         <p:nvSpPr>
-          <p:cNvPr id="23" name="Text 21"/>
+          <p:cNvPr id="24" name="Text 22"/>
           <p:cNvSpPr/>
           <p:nvPr/>
         </p:nvSpPr>
@@ -14246,7 +14285,7 @@
       </p:sp>
       <p:sp>
         <p:nvSpPr>
-          <p:cNvPr id="24" name="Text 22"/>
+          <p:cNvPr id="25" name="Text 23"/>
           <p:cNvSpPr/>
           <p:nvPr/>
         </p:nvSpPr>
@@ -14285,7 +14324,7 @@
       </p:sp>
       <p:sp>
         <p:nvSpPr>
-          <p:cNvPr id="25" name="Text 23"/>
+          <p:cNvPr id="26" name="Text 24"/>
           <p:cNvSpPr/>
           <p:nvPr/>
         </p:nvSpPr>
@@ -14324,7 +14363,7 @@
       </p:sp>
       <p:sp>
         <p:nvSpPr>
-          <p:cNvPr id="26" name="Text 24"/>
+          <p:cNvPr id="27" name="Text 25"/>
           <p:cNvSpPr/>
           <p:nvPr/>
         </p:nvSpPr>
@@ -14363,7 +14402,7 @@
       </p:sp>
       <p:sp>
         <p:nvSpPr>
-          <p:cNvPr id="27" name="Shape 25"/>
+          <p:cNvPr id="28" name="Shape 26"/>
           <p:cNvSpPr/>
           <p:nvPr/>
         </p:nvSpPr>
@@ -14388,7 +14427,7 @@
       </p:sp>
       <p:sp>
         <p:nvSpPr>
-          <p:cNvPr id="28" name="Text 26"/>
+          <p:cNvPr id="29" name="Text 27"/>
           <p:cNvSpPr/>
           <p:nvPr/>
         </p:nvSpPr>
@@ -14427,7 +14466,7 @@
       </p:sp>
       <p:sp>
         <p:nvSpPr>
-          <p:cNvPr id="29" name="Text 27"/>
+          <p:cNvPr id="30" name="Text 28"/>
           <p:cNvSpPr/>
           <p:nvPr/>
         </p:nvSpPr>
@@ -14458,7 +14497,7 @@
                 <a:ea typeface="Outfit" pitchFamily="34" charset="-122"/>
                 <a:cs typeface="Outfit" pitchFamily="34" charset="-120"/>
               </a:rPr>
-              <a:t>→  정기권 관리</a:t>
+              <a:t>→  알림톡 월 3,000건 포함</a:t>
             </a:r>
             <a:endParaRPr lang="en-US" sz="1100" dirty="0"/>
           </a:p>
@@ -14466,7 +14505,7 @@
       </p:sp>
       <p:sp>
         <p:nvSpPr>
-          <p:cNvPr id="30" name="Text 28"/>
+          <p:cNvPr id="31" name="Text 29"/>
           <p:cNvSpPr/>
           <p:nvPr/>
         </p:nvSpPr>
@@ -14497,7 +14536,7 @@
                 <a:ea typeface="Outfit" pitchFamily="34" charset="-122"/>
                 <a:cs typeface="Outfit" pitchFamily="34" charset="-120"/>
               </a:rPr>
-              <a:t>→  매출 대시보드</a:t>
+              <a:t>→  정기권 관리</a:t>
             </a:r>
             <a:endParaRPr lang="en-US" sz="1100" dirty="0"/>
           </a:p>
@@ -14505,7 +14544,7 @@
       </p:sp>
       <p:sp>
         <p:nvSpPr>
-          <p:cNvPr id="31" name="Text 29"/>
+          <p:cNvPr id="32" name="Text 30"/>
           <p:cNvSpPr/>
           <p:nvPr/>
         </p:nvSpPr>
@@ -14536,7 +14575,7 @@
                 <a:ea typeface="Outfit" pitchFamily="34" charset="-122"/>
                 <a:cs typeface="Outfit" pitchFamily="34" charset="-120"/>
               </a:rPr>
-              <a:t>→  이메일 알림</a:t>
+              <a:t>→  매출 대시보드</a:t>
             </a:r>
             <a:endParaRPr lang="en-US" sz="1100" dirty="0"/>
           </a:p>
@@ -14544,7 +14583,7 @@
       </p:sp>
       <p:sp>
         <p:nvSpPr>
-          <p:cNvPr id="32" name="Shape 30"/>
+          <p:cNvPr id="33" name="Shape 31"/>
           <p:cNvSpPr/>
           <p:nvPr/>
         </p:nvSpPr>
@@ -14569,7 +14608,7 @@
       </p:sp>
       <p:sp>
         <p:nvSpPr>
-          <p:cNvPr id="33" name="Shape 31"/>
+          <p:cNvPr id="34" name="Shape 32"/>
           <p:cNvSpPr/>
           <p:nvPr/>
         </p:nvSpPr>
@@ -14594,7 +14633,7 @@
       </p:sp>
       <p:sp>
         <p:nvSpPr>
-          <p:cNvPr id="34" name="Shape 32"/>
+          <p:cNvPr id="35" name="Shape 33"/>
           <p:cNvSpPr/>
           <p:nvPr/>
         </p:nvSpPr>
@@ -14619,7 +14658,7 @@
       </p:sp>
       <p:sp>
         <p:nvSpPr>
-          <p:cNvPr id="35" name="Text 33"/>
+          <p:cNvPr id="36" name="Text 34"/>
           <p:cNvSpPr/>
           <p:nvPr/>
         </p:nvSpPr>
@@ -14660,7 +14699,7 @@
       </p:sp>
       <p:sp>
         <p:nvSpPr>
-          <p:cNvPr id="36" name="Shape 34"/>
+          <p:cNvPr id="37" name="Shape 35"/>
           <p:cNvSpPr/>
           <p:nvPr/>
         </p:nvSpPr>
@@ -14685,7 +14724,7 @@
       </p:sp>
       <p:sp>
         <p:nvSpPr>
-          <p:cNvPr id="37" name="Text 35"/>
+          <p:cNvPr id="38" name="Text 36"/>
           <p:cNvSpPr/>
           <p:nvPr/>
         </p:nvSpPr>
@@ -14721,7 +14760,7 @@
       </p:sp>
       <p:sp>
         <p:nvSpPr>
-          <p:cNvPr id="38" name="Text 36"/>
+          <p:cNvPr id="39" name="Text 37"/>
           <p:cNvSpPr/>
           <p:nvPr/>
         </p:nvSpPr>
@@ -14760,7 +14799,7 @@
       </p:sp>
       <p:sp>
         <p:nvSpPr>
-          <p:cNvPr id="39" name="Text 37"/>
+          <p:cNvPr id="40" name="Text 38"/>
           <p:cNvSpPr/>
           <p:nvPr/>
         </p:nvSpPr>
@@ -14799,7 +14838,7 @@
       </p:sp>
       <p:sp>
         <p:nvSpPr>
-          <p:cNvPr id="40" name="Text 38"/>
+          <p:cNvPr id="41" name="Text 39"/>
           <p:cNvSpPr/>
           <p:nvPr/>
         </p:nvSpPr>
@@ -14838,7 +14877,7 @@
       </p:sp>
       <p:sp>
         <p:nvSpPr>
-          <p:cNvPr id="41" name="Shape 39"/>
+          <p:cNvPr id="42" name="Shape 40"/>
           <p:cNvSpPr/>
           <p:nvPr/>
         </p:nvSpPr>
@@ -14863,7 +14902,7 @@
       </p:sp>
       <p:sp>
         <p:nvSpPr>
-          <p:cNvPr id="42" name="Text 40"/>
+          <p:cNvPr id="43" name="Text 41"/>
           <p:cNvSpPr/>
           <p:nvPr/>
         </p:nvSpPr>
@@ -14902,7 +14941,7 @@
       </p:sp>
       <p:sp>
         <p:nvSpPr>
-          <p:cNvPr id="43" name="Text 41"/>
+          <p:cNvPr id="44" name="Text 42"/>
           <p:cNvSpPr/>
           <p:nvPr/>
         </p:nvSpPr>
@@ -14933,7 +14972,7 @@
                 <a:ea typeface="Outfit" pitchFamily="34" charset="-122"/>
                 <a:cs typeface="Outfit" pitchFamily="34" charset="-120"/>
               </a:rPr>
-              <a:t>→  멀티 주차장</a:t>
+              <a:t>→  알림톡 월 10,000건 포함</a:t>
             </a:r>
             <a:endParaRPr lang="en-US" sz="1100" dirty="0"/>
           </a:p>
@@ -14941,7 +14980,7 @@
       </p:sp>
       <p:sp>
         <p:nvSpPr>
-          <p:cNvPr id="44" name="Text 42"/>
+          <p:cNvPr id="45" name="Text 43"/>
           <p:cNvSpPr/>
           <p:nvPr/>
         </p:nvSpPr>
@@ -14972,7 +15011,7 @@
                 <a:ea typeface="Outfit" pitchFamily="34" charset="-122"/>
                 <a:cs typeface="Outfit" pitchFamily="34" charset="-120"/>
               </a:rPr>
-              <a:t>→  쿠폰·할인 관리</a:t>
+              <a:t>→  멀티 주차장</a:t>
             </a:r>
             <a:endParaRPr lang="en-US" sz="1100" dirty="0"/>
           </a:p>
@@ -14980,7 +15019,7 @@
       </p:sp>
       <p:sp>
         <p:nvSpPr>
-          <p:cNvPr id="45" name="Text 43"/>
+          <p:cNvPr id="46" name="Text 44"/>
           <p:cNvSpPr/>
           <p:nvPr/>
         </p:nvSpPr>
@@ -15011,7 +15050,7 @@
                 <a:ea typeface="Outfit" pitchFamily="34" charset="-122"/>
                 <a:cs typeface="Outfit" pitchFamily="34" charset="-120"/>
               </a:rPr>
-              <a:t>→  고급 분석 리포트</a:t>
+              <a:t>→  쿠폰·할인 관리</a:t>
             </a:r>
             <a:endParaRPr lang="en-US" sz="1100" dirty="0"/>
           </a:p>
@@ -15019,7 +15058,7 @@
       </p:sp>
       <p:sp>
         <p:nvSpPr>
-          <p:cNvPr id="46" name="Text 44"/>
+          <p:cNvPr id="47" name="Text 45"/>
           <p:cNvSpPr/>
           <p:nvPr/>
         </p:nvSpPr>
@@ -15050,7 +15089,7 @@
                 <a:ea typeface="Outfit" pitchFamily="34" charset="-122"/>
                 <a:cs typeface="Outfit" pitchFamily="34" charset="-120"/>
               </a:rPr>
-              <a:t>→  우선 CS</a:t>
+              <a:t>→  고급 분석</a:t>
             </a:r>
             <a:endParaRPr lang="en-US" sz="1100" dirty="0"/>
           </a:p>
@@ -15058,7 +15097,7 @@
       </p:sp>
       <p:sp>
         <p:nvSpPr>
-          <p:cNvPr id="47" name="Shape 45"/>
+          <p:cNvPr id="48" name="Shape 46"/>
           <p:cNvSpPr/>
           <p:nvPr/>
         </p:nvSpPr>
@@ -15083,7 +15122,7 @@
       </p:sp>
       <p:sp>
         <p:nvSpPr>
-          <p:cNvPr id="48" name="Shape 46"/>
+          <p:cNvPr id="49" name="Shape 47"/>
           <p:cNvSpPr/>
           <p:nvPr/>
         </p:nvSpPr>
@@ -15108,7 +15147,7 @@
       </p:sp>
       <p:sp>
         <p:nvSpPr>
-          <p:cNvPr id="49" name="Text 47"/>
+          <p:cNvPr id="50" name="Text 48"/>
           <p:cNvSpPr/>
           <p:nvPr/>
         </p:nvSpPr>
@@ -15149,7 +15188,7 @@
       </p:sp>
       <p:sp>
         <p:nvSpPr>
-          <p:cNvPr id="50" name="Shape 48"/>
+          <p:cNvPr id="51" name="Shape 49"/>
           <p:cNvSpPr/>
           <p:nvPr/>
         </p:nvSpPr>
@@ -15174,7 +15213,7 @@
       </p:sp>
       <p:sp>
         <p:nvSpPr>
-          <p:cNvPr id="51" name="Text 49"/>
+          <p:cNvPr id="52" name="Text 50"/>
           <p:cNvSpPr/>
           <p:nvPr/>
         </p:nvSpPr>
@@ -15210,7 +15249,7 @@
       </p:sp>
       <p:sp>
         <p:nvSpPr>
-          <p:cNvPr id="52" name="Text 50"/>
+          <p:cNvPr id="53" name="Text 51"/>
           <p:cNvSpPr/>
           <p:nvPr/>
         </p:nvSpPr>
@@ -15249,7 +15288,7 @@
       </p:sp>
       <p:sp>
         <p:nvSpPr>
-          <p:cNvPr id="53" name="Text 51"/>
+          <p:cNvPr id="54" name="Text 52"/>
           <p:cNvSpPr/>
           <p:nvPr/>
         </p:nvSpPr>
@@ -15288,7 +15327,7 @@
       </p:sp>
       <p:sp>
         <p:nvSpPr>
-          <p:cNvPr id="54" name="Text 52"/>
+          <p:cNvPr id="55" name="Text 53"/>
           <p:cNvSpPr/>
           <p:nvPr/>
         </p:nvSpPr>
@@ -15327,7 +15366,7 @@
       </p:sp>
       <p:sp>
         <p:nvSpPr>
-          <p:cNvPr id="55" name="Shape 53"/>
+          <p:cNvPr id="56" name="Shape 54"/>
           <p:cNvSpPr/>
           <p:nvPr/>
         </p:nvSpPr>
@@ -15352,7 +15391,7 @@
       </p:sp>
       <p:sp>
         <p:nvSpPr>
-          <p:cNvPr id="56" name="Text 54"/>
+          <p:cNvPr id="57" name="Text 55"/>
           <p:cNvSpPr/>
           <p:nvPr/>
         </p:nvSpPr>
@@ -15391,7 +15430,7 @@
       </p:sp>
       <p:sp>
         <p:nvSpPr>
-          <p:cNvPr id="57" name="Text 55"/>
+          <p:cNvPr id="58" name="Text 56"/>
           <p:cNvSpPr/>
           <p:nvPr/>
         </p:nvSpPr>
@@ -15422,7 +15461,7 @@
                 <a:ea typeface="Outfit" pitchFamily="34" charset="-122"/>
                 <a:cs typeface="Outfit" pitchFamily="34" charset="-120"/>
               </a:rPr>
-              <a:t>→  API·화이트라벨</a:t>
+              <a:t>→  알림톡 무제한 포함</a:t>
             </a:r>
             <a:endParaRPr lang="en-US" sz="1100" dirty="0"/>
           </a:p>
@@ -15430,7 +15469,7 @@
       </p:sp>
       <p:sp>
         <p:nvSpPr>
-          <p:cNvPr id="58" name="Text 56"/>
+          <p:cNvPr id="59" name="Text 57"/>
           <p:cNvSpPr/>
           <p:nvPr/>
         </p:nvSpPr>
@@ -15461,7 +15500,7 @@
                 <a:ea typeface="Outfit" pitchFamily="34" charset="-122"/>
                 <a:cs typeface="Outfit" pitchFamily="34" charset="-120"/>
               </a:rPr>
-              <a:t>→  SLA 보장</a:t>
+              <a:t>→  API·화이트라벨</a:t>
             </a:r>
             <a:endParaRPr lang="en-US" sz="1100" dirty="0"/>
           </a:p>
@@ -15469,7 +15508,7 @@
       </p:sp>
       <p:sp>
         <p:nvSpPr>
-          <p:cNvPr id="59" name="Text 57"/>
+          <p:cNvPr id="60" name="Text 58"/>
           <p:cNvSpPr/>
           <p:nvPr/>
         </p:nvSpPr>
@@ -15508,7 +15547,7 @@
       </p:sp>
       <p:sp>
         <p:nvSpPr>
-          <p:cNvPr id="60" name="Text 58"/>
+          <p:cNvPr id="61" name="Text 59"/>
           <p:cNvSpPr/>
           <p:nvPr/>
         </p:nvSpPr>
@@ -15547,7 +15586,7 @@
       </p:sp>
       <p:sp>
         <p:nvSpPr>
-          <p:cNvPr id="61" name="Text 59"/>
+          <p:cNvPr id="62" name="Text 60"/>
           <p:cNvSpPr/>
           <p:nvPr/>
         </p:nvSpPr>
@@ -15578,7 +15617,7 @@
                 <a:ea typeface="Outfit" pitchFamily="34" charset="-122"/>
                 <a:cs typeface="Outfit" pitchFamily="34" charset="-120"/>
               </a:rPr>
-              <a:t>※ 수수료 = PG 원가(2.0%) 차감 후 미팍 수취분  ·  1년차 티어 믹스 가정: Starter 30% / Basic 40% / Pro 20% / Enterprise 10%</a:t>
+              <a:t>※ 알림톡 초과 발송 시 건당 12원 고객 청구 (수익원 전환)  ·  수수료 = PG 원가(2.0%) 차감 후 미팍 수취분  ·  티어 믹스: Starter 30% / Basic 40% / Pro 20% / Enterprise 10%</a:t>
             </a:r>
             <a:endParaRPr lang="en-US" sz="800" dirty="0"/>
           </a:p>
@@ -15763,8 +15802,8 @@
         </p:nvSpPr>
         <p:spPr>
           <a:xfrm>
-            <a:off x="7498080" y="0"/>
-            <a:ext cx="4498848" cy="1005840"/>
+            <a:off x="7132320" y="0"/>
+            <a:ext cx="4864608" cy="1005840"/>
           </a:xfrm>
           <a:prstGeom prst="rect">
             <a:avLst/>
@@ -15788,7 +15827,7 @@
                 <a:ea typeface="Outfit" pitchFamily="34" charset="-122"/>
                 <a:cs typeface="Outfit" pitchFamily="34" charset="-120"/>
               </a:rPr>
-              <a:t>알림톡 2회 기준  ·  인건비·마케팅 제외</a:t>
+              <a:t>알림톡 요금제 내재화  ·  초과 건당 12원 수익 반영</a:t>
             </a:r>
             <a:endParaRPr lang="en-US" sz="1000" dirty="0"/>
           </a:p>
@@ -16086,7 +16125,7 @@
                 <a:ea typeface="Outfit" pitchFamily="34" charset="-122"/>
                 <a:cs typeface="Outfit" pitchFamily="34" charset="-120"/>
               </a:rPr>
-              <a:t>3,353만</a:t>
+              <a:t>5,497만</a:t>
             </a:r>
             <a:endParaRPr lang="en-US" sz="1300" dirty="0"/>
           </a:p>
@@ -16164,7 +16203,7 @@
                 <a:ea typeface="Outfit" pitchFamily="34" charset="-122"/>
                 <a:cs typeface="Outfit" pitchFamily="34" charset="-120"/>
               </a:rPr>
-              <a:t>24.0%</a:t>
+              <a:t>39.3%</a:t>
             </a:r>
             <a:endParaRPr lang="en-US" sz="1300" dirty="0"/>
           </a:p>
@@ -16203,7 +16242,7 @@
                 <a:ea typeface="Outfit" pitchFamily="34" charset="-122"/>
                 <a:cs typeface="Outfit" pitchFamily="34" charset="-120"/>
               </a:rPr>
-              <a:t>인프라 196만/월</a:t>
+              <a:t>서버인프라 168만/월</a:t>
             </a:r>
             <a:endParaRPr lang="en-US" sz="900" dirty="0"/>
           </a:p>
@@ -16487,7 +16526,7 @@
                 <a:ea typeface="Outfit" pitchFamily="34" charset="-122"/>
                 <a:cs typeface="Outfit" pitchFamily="34" charset="-120"/>
               </a:rPr>
-              <a:t>1.33억</a:t>
+              <a:t>1.87억</a:t>
             </a:r>
             <a:endParaRPr lang="en-US" sz="1300" dirty="0"/>
           </a:p>
@@ -16565,7 +16604,7 @@
                 <a:ea typeface="Outfit" pitchFamily="34" charset="-122"/>
                 <a:cs typeface="Outfit" pitchFamily="34" charset="-120"/>
               </a:rPr>
-              <a:t>30.1%</a:t>
+              <a:t>42.5%</a:t>
             </a:r>
             <a:endParaRPr lang="en-US" sz="1300" dirty="0"/>
           </a:p>
@@ -16604,7 +16643,7 @@
                 <a:ea typeface="Outfit" pitchFamily="34" charset="-122"/>
                 <a:cs typeface="Outfit" pitchFamily="34" charset="-120"/>
               </a:rPr>
-              <a:t>인프라 459만/월</a:t>
+              <a:t>서버인프라 385만/월</a:t>
             </a:r>
             <a:endParaRPr lang="en-US" sz="900" dirty="0"/>
           </a:p>
@@ -16888,7 +16927,7 @@
                 <a:ea typeface="Outfit" pitchFamily="34" charset="-122"/>
                 <a:cs typeface="Outfit" pitchFamily="34" charset="-120"/>
               </a:rPr>
-              <a:t>3.95억</a:t>
+              <a:t>5.07억</a:t>
             </a:r>
             <a:endParaRPr lang="en-US" sz="1300" dirty="0"/>
           </a:p>
@@ -16966,7 +17005,7 @@
                 <a:ea typeface="Outfit" pitchFamily="34" charset="-122"/>
                 <a:cs typeface="Outfit" pitchFamily="34" charset="-120"/>
               </a:rPr>
-              <a:t>39.1%</a:t>
+              <a:t>50.2%</a:t>
             </a:r>
             <a:endParaRPr lang="en-US" sz="1300" dirty="0"/>
           </a:p>
@@ -17005,7 +17044,7 @@
                 <a:ea typeface="Outfit" pitchFamily="34" charset="-122"/>
                 <a:cs typeface="Outfit" pitchFamily="34" charset="-120"/>
               </a:rPr>
-              <a:t>인프라 905만/월</a:t>
+              <a:t>서버인프라 750만/월</a:t>
             </a:r>
             <a:endParaRPr lang="en-US" sz="900" dirty="0"/>
           </a:p>
@@ -17069,7 +17108,7 @@
                 <a:ea typeface="Outfit" pitchFamily="34" charset="-122"/>
                 <a:cs typeface="Outfit" pitchFamily="34" charset="-120"/>
               </a:rPr>
-              <a:t>BEP Q3  ·  알림톡 2회 절감 반영  ·  연 절감 최대 4,500만</a:t>
+              <a:t>BEP Q2 당겨짐  ·  알림톡 수익화로 이익률 50% 돌파 (3년차)</a:t>
             </a:r>
             <a:endParaRPr lang="en-US" sz="800" dirty="0"/>
           </a:p>
@@ -17108,7 +17147,7 @@
                 <a:ea typeface="Outfit" pitchFamily="34" charset="-122"/>
                 <a:cs typeface="Outfit" pitchFamily="34" charset="-120"/>
               </a:rPr>
-              <a:t>📡  인프라 비용 시뮬레이션  (인건비·마케팅 제외)</a:t>
+              <a:t>💡  알림톡 수익 구조 전환  ·  비용 → 매출</a:t>
             </a:r>
             <a:endParaRPr lang="en-US" sz="1200" dirty="0"/>
           </a:p>
@@ -17374,6 +17413,446 @@
             <a:avLst/>
           </a:prstGeom>
           <a:solidFill>
+            <a:srgbClr val="FFFFFF"/>
+          </a:solidFill>
+          <a:ln w="12700">
+            <a:solidFill>
+              <a:srgbClr val="E2E4E9"/>
+            </a:solidFill>
+            <a:prstDash val="solid"/>
+          </a:ln>
+        </p:spPr>
+      </p:sp>
+      <p:sp>
+        <p:nvSpPr>
+          <p:cNvPr id="52" name="Text 50"/>
+          <p:cNvSpPr/>
+          <p:nvPr/>
+        </p:nvSpPr>
+        <p:spPr>
+          <a:xfrm>
+            <a:off x="4846320" y="1819656"/>
+            <a:ext cx="1847088" cy="301752"/>
+          </a:xfrm>
+          <a:prstGeom prst="rect">
+            <a:avLst/>
+          </a:prstGeom>
+          <a:noFill/>
+          <a:ln/>
+        </p:spPr>
+        <p:txBody>
+          <a:bodyPr wrap="square" rtlCol="0" anchor="ctr"/>
+          <a:lstStyle/>
+          <a:p>
+            <a:pPr algn="l" indent="0" marL="0">
+              <a:buNone/>
+            </a:pPr>
+            <a:r>
+              <a:rPr lang="en-US" sz="900" dirty="0">
+                <a:solidFill>
+                  <a:srgbClr val="1A1D2B"/>
+                </a:solidFill>
+                <a:latin typeface="Outfit" pitchFamily="34" charset="0"/>
+                <a:ea typeface="Outfit" pitchFamily="34" charset="-122"/>
+                <a:cs typeface="Outfit" pitchFamily="34" charset="-120"/>
+              </a:rPr>
+              <a:t>① 알림톡 COGS (과거)</a:t>
+            </a:r>
+            <a:endParaRPr lang="en-US" sz="900" dirty="0"/>
+          </a:p>
+        </p:txBody>
+      </p:sp>
+      <p:sp>
+        <p:nvSpPr>
+          <p:cNvPr id="53" name="Text 51"/>
+          <p:cNvSpPr/>
+          <p:nvPr/>
+        </p:nvSpPr>
+        <p:spPr>
+          <a:xfrm>
+            <a:off x="6766560" y="1819656"/>
+            <a:ext cx="1481328" cy="301752"/>
+          </a:xfrm>
+          <a:prstGeom prst="rect">
+            <a:avLst/>
+          </a:prstGeom>
+          <a:noFill/>
+          <a:ln/>
+        </p:spPr>
+        <p:txBody>
+          <a:bodyPr wrap="square" rtlCol="0" anchor="ctr"/>
+          <a:lstStyle/>
+          <a:p>
+            <a:pPr algn="ctr" indent="0" marL="0">
+              <a:buNone/>
+            </a:pPr>
+            <a:r>
+              <a:rPr lang="en-US" sz="1050" dirty="0">
+                <a:solidFill>
+                  <a:srgbClr val="DC2626"/>
+                </a:solidFill>
+                <a:latin typeface="Outfit" pitchFamily="34" charset="0"/>
+                <a:ea typeface="Outfit" pitchFamily="34" charset="-122"/>
+                <a:cs typeface="Outfit" pitchFamily="34" charset="-120"/>
+              </a:rPr>
+              <a:t>1,800만</a:t>
+            </a:r>
+            <a:endParaRPr lang="en-US" sz="1050" dirty="0"/>
+          </a:p>
+        </p:txBody>
+      </p:sp>
+      <p:sp>
+        <p:nvSpPr>
+          <p:cNvPr id="54" name="Text 52"/>
+          <p:cNvSpPr/>
+          <p:nvPr/>
+        </p:nvSpPr>
+        <p:spPr>
+          <a:xfrm>
+            <a:off x="8321040" y="1819656"/>
+            <a:ext cx="1481328" cy="301752"/>
+          </a:xfrm>
+          <a:prstGeom prst="rect">
+            <a:avLst/>
+          </a:prstGeom>
+          <a:noFill/>
+          <a:ln/>
+        </p:spPr>
+        <p:txBody>
+          <a:bodyPr wrap="square" rtlCol="0" anchor="ctr"/>
+          <a:lstStyle/>
+          <a:p>
+            <a:pPr algn="ctr" indent="0" marL="0">
+              <a:buNone/>
+            </a:pPr>
+            <a:r>
+              <a:rPr lang="en-US" sz="1050" dirty="0">
+                <a:solidFill>
+                  <a:srgbClr val="DC2626"/>
+                </a:solidFill>
+                <a:latin typeface="Outfit" pitchFamily="34" charset="0"/>
+                <a:ea typeface="Outfit" pitchFamily="34" charset="-122"/>
+                <a:cs typeface="Outfit" pitchFamily="34" charset="-120"/>
+              </a:rPr>
+              <a:t>4,500만</a:t>
+            </a:r>
+            <a:endParaRPr lang="en-US" sz="1050" dirty="0"/>
+          </a:p>
+        </p:txBody>
+      </p:sp>
+      <p:sp>
+        <p:nvSpPr>
+          <p:cNvPr id="55" name="Text 53"/>
+          <p:cNvSpPr/>
+          <p:nvPr/>
+        </p:nvSpPr>
+        <p:spPr>
+          <a:xfrm>
+            <a:off x="9875520" y="1819656"/>
+            <a:ext cx="1481328" cy="301752"/>
+          </a:xfrm>
+          <a:prstGeom prst="rect">
+            <a:avLst/>
+          </a:prstGeom>
+          <a:noFill/>
+          <a:ln/>
+        </p:spPr>
+        <p:txBody>
+          <a:bodyPr wrap="square" rtlCol="0" anchor="ctr"/>
+          <a:lstStyle/>
+          <a:p>
+            <a:pPr algn="ctr" indent="0" marL="0">
+              <a:buNone/>
+            </a:pPr>
+            <a:r>
+              <a:rPr lang="en-US" sz="1050" dirty="0">
+                <a:solidFill>
+                  <a:srgbClr val="DC2626"/>
+                </a:solidFill>
+                <a:latin typeface="Outfit" pitchFamily="34" charset="0"/>
+                <a:ea typeface="Outfit" pitchFamily="34" charset="-122"/>
+                <a:cs typeface="Outfit" pitchFamily="34" charset="-120"/>
+              </a:rPr>
+              <a:t>9,000만</a:t>
+            </a:r>
+            <a:endParaRPr lang="en-US" sz="1050" dirty="0"/>
+          </a:p>
+        </p:txBody>
+      </p:sp>
+      <p:sp>
+        <p:nvSpPr>
+          <p:cNvPr id="56" name="Text 54"/>
+          <p:cNvSpPr/>
+          <p:nvPr/>
+        </p:nvSpPr>
+        <p:spPr>
+          <a:xfrm>
+            <a:off x="11430000" y="1819656"/>
+            <a:ext cx="475488" cy="301752"/>
+          </a:xfrm>
+          <a:prstGeom prst="rect">
+            <a:avLst/>
+          </a:prstGeom>
+          <a:noFill/>
+          <a:ln/>
+        </p:spPr>
+        <p:txBody>
+          <a:bodyPr wrap="square" rtlCol="0" anchor="ctr"/>
+          <a:lstStyle/>
+          <a:p>
+            <a:pPr algn="ctr" indent="0" marL="0">
+              <a:buNone/>
+            </a:pPr>
+            <a:r>
+              <a:rPr lang="en-US" sz="1050" dirty="0">
+                <a:solidFill>
+                  <a:srgbClr val="DC2626"/>
+                </a:solidFill>
+                <a:latin typeface="Outfit" pitchFamily="34" charset="0"/>
+                <a:ea typeface="Outfit" pitchFamily="34" charset="-122"/>
+                <a:cs typeface="Outfit" pitchFamily="34" charset="-120"/>
+              </a:rPr>
+              <a:t>비용</a:t>
+            </a:r>
+            <a:endParaRPr lang="en-US" sz="1050" dirty="0"/>
+          </a:p>
+        </p:txBody>
+      </p:sp>
+      <p:sp>
+        <p:nvSpPr>
+          <p:cNvPr id="57" name="Shape 55"/>
+          <p:cNvSpPr/>
+          <p:nvPr/>
+        </p:nvSpPr>
+        <p:spPr>
+          <a:xfrm>
+            <a:off x="4800600" y="2139696"/>
+            <a:ext cx="7132320" cy="338328"/>
+          </a:xfrm>
+          <a:prstGeom prst="rect">
+            <a:avLst/>
+          </a:prstGeom>
+          <a:solidFill>
+            <a:srgbClr val="F0FFF4"/>
+          </a:solidFill>
+          <a:ln w="12700">
+            <a:solidFill>
+              <a:srgbClr val="E2E4E9"/>
+            </a:solidFill>
+            <a:prstDash val="solid"/>
+          </a:ln>
+        </p:spPr>
+      </p:sp>
+      <p:sp>
+        <p:nvSpPr>
+          <p:cNvPr id="58" name="Text 56"/>
+          <p:cNvSpPr/>
+          <p:nvPr/>
+        </p:nvSpPr>
+        <p:spPr>
+          <a:xfrm>
+            <a:off x="4846320" y="2157984"/>
+            <a:ext cx="1847088" cy="301752"/>
+          </a:xfrm>
+          <a:prstGeom prst="rect">
+            <a:avLst/>
+          </a:prstGeom>
+          <a:noFill/>
+          <a:ln/>
+        </p:spPr>
+        <p:txBody>
+          <a:bodyPr wrap="square" rtlCol="0" anchor="ctr"/>
+          <a:lstStyle/>
+          <a:p>
+            <a:pPr algn="l" indent="0" marL="0">
+              <a:buNone/>
+            </a:pPr>
+            <a:r>
+              <a:rPr lang="en-US" sz="900" b="1" dirty="0">
+                <a:solidFill>
+                  <a:srgbClr val="1A1D2B"/>
+                </a:solidFill>
+                <a:latin typeface="Outfit" pitchFamily="34" charset="0"/>
+                <a:ea typeface="Outfit" pitchFamily="34" charset="-122"/>
+                <a:cs typeface="Outfit" pitchFamily="34" charset="-120"/>
+              </a:rPr>
+              <a:t>② 요금제 내재화 → 0</a:t>
+            </a:r>
+            <a:endParaRPr lang="en-US" sz="900" dirty="0"/>
+          </a:p>
+        </p:txBody>
+      </p:sp>
+      <p:sp>
+        <p:nvSpPr>
+          <p:cNvPr id="59" name="Text 57"/>
+          <p:cNvSpPr/>
+          <p:nvPr/>
+        </p:nvSpPr>
+        <p:spPr>
+          <a:xfrm>
+            <a:off x="6766560" y="2157984"/>
+            <a:ext cx="1481328" cy="301752"/>
+          </a:xfrm>
+          <a:prstGeom prst="rect">
+            <a:avLst/>
+          </a:prstGeom>
+          <a:noFill/>
+          <a:ln/>
+        </p:spPr>
+        <p:txBody>
+          <a:bodyPr wrap="square" rtlCol="0" anchor="ctr"/>
+          <a:lstStyle/>
+          <a:p>
+            <a:pPr algn="ctr" indent="0" marL="0">
+              <a:buNone/>
+            </a:pPr>
+            <a:r>
+              <a:rPr lang="en-US" sz="1050" b="1" dirty="0">
+                <a:solidFill>
+                  <a:srgbClr val="16A34A"/>
+                </a:solidFill>
+                <a:latin typeface="Outfit" pitchFamily="34" charset="0"/>
+                <a:ea typeface="Outfit" pitchFamily="34" charset="-122"/>
+                <a:cs typeface="Outfit" pitchFamily="34" charset="-120"/>
+              </a:rPr>
+              <a:t>0만</a:t>
+            </a:r>
+            <a:endParaRPr lang="en-US" sz="1050" dirty="0"/>
+          </a:p>
+        </p:txBody>
+      </p:sp>
+      <p:sp>
+        <p:nvSpPr>
+          <p:cNvPr id="60" name="Text 58"/>
+          <p:cNvSpPr/>
+          <p:nvPr/>
+        </p:nvSpPr>
+        <p:spPr>
+          <a:xfrm>
+            <a:off x="8321040" y="2157984"/>
+            <a:ext cx="1481328" cy="301752"/>
+          </a:xfrm>
+          <a:prstGeom prst="rect">
+            <a:avLst/>
+          </a:prstGeom>
+          <a:noFill/>
+          <a:ln/>
+        </p:spPr>
+        <p:txBody>
+          <a:bodyPr wrap="square" rtlCol="0" anchor="ctr"/>
+          <a:lstStyle/>
+          <a:p>
+            <a:pPr algn="ctr" indent="0" marL="0">
+              <a:buNone/>
+            </a:pPr>
+            <a:r>
+              <a:rPr lang="en-US" sz="1050" b="1" dirty="0">
+                <a:solidFill>
+                  <a:srgbClr val="16A34A"/>
+                </a:solidFill>
+                <a:latin typeface="Outfit" pitchFamily="34" charset="0"/>
+                <a:ea typeface="Outfit" pitchFamily="34" charset="-122"/>
+                <a:cs typeface="Outfit" pitchFamily="34" charset="-120"/>
+              </a:rPr>
+              <a:t>0만</a:t>
+            </a:r>
+            <a:endParaRPr lang="en-US" sz="1050" dirty="0"/>
+          </a:p>
+        </p:txBody>
+      </p:sp>
+      <p:sp>
+        <p:nvSpPr>
+          <p:cNvPr id="61" name="Text 59"/>
+          <p:cNvSpPr/>
+          <p:nvPr/>
+        </p:nvSpPr>
+        <p:spPr>
+          <a:xfrm>
+            <a:off x="9875520" y="2157984"/>
+            <a:ext cx="1481328" cy="301752"/>
+          </a:xfrm>
+          <a:prstGeom prst="rect">
+            <a:avLst/>
+          </a:prstGeom>
+          <a:noFill/>
+          <a:ln/>
+        </p:spPr>
+        <p:txBody>
+          <a:bodyPr wrap="square" rtlCol="0" anchor="ctr"/>
+          <a:lstStyle/>
+          <a:p>
+            <a:pPr algn="ctr" indent="0" marL="0">
+              <a:buNone/>
+            </a:pPr>
+            <a:r>
+              <a:rPr lang="en-US" sz="1050" b="1" dirty="0">
+                <a:solidFill>
+                  <a:srgbClr val="16A34A"/>
+                </a:solidFill>
+                <a:latin typeface="Outfit" pitchFamily="34" charset="0"/>
+                <a:ea typeface="Outfit" pitchFamily="34" charset="-122"/>
+                <a:cs typeface="Outfit" pitchFamily="34" charset="-120"/>
+              </a:rPr>
+              <a:t>0만</a:t>
+            </a:r>
+            <a:endParaRPr lang="en-US" sz="1050" dirty="0"/>
+          </a:p>
+        </p:txBody>
+      </p:sp>
+      <p:sp>
+        <p:nvSpPr>
+          <p:cNvPr id="62" name="Text 60"/>
+          <p:cNvSpPr/>
+          <p:nvPr/>
+        </p:nvSpPr>
+        <p:spPr>
+          <a:xfrm>
+            <a:off x="11430000" y="2157984"/>
+            <a:ext cx="475488" cy="301752"/>
+          </a:xfrm>
+          <a:prstGeom prst="rect">
+            <a:avLst/>
+          </a:prstGeom>
+          <a:noFill/>
+          <a:ln/>
+        </p:spPr>
+        <p:txBody>
+          <a:bodyPr wrap="square" rtlCol="0" anchor="ctr"/>
+          <a:lstStyle/>
+          <a:p>
+            <a:pPr algn="ctr" indent="0" marL="0">
+              <a:buNone/>
+            </a:pPr>
+            <a:r>
+              <a:rPr lang="en-US" sz="1050" b="1" dirty="0">
+                <a:solidFill>
+                  <a:srgbClr val="16A34A"/>
+                </a:solidFill>
+                <a:latin typeface="Outfit" pitchFamily="34" charset="0"/>
+                <a:ea typeface="Outfit" pitchFamily="34" charset="-122"/>
+                <a:cs typeface="Outfit" pitchFamily="34" charset="-120"/>
+              </a:rPr>
+              <a:t>이관</a:t>
+            </a:r>
+            <a:endParaRPr lang="en-US" sz="1050" dirty="0"/>
+          </a:p>
+        </p:txBody>
+      </p:sp>
+      <p:sp>
+        <p:nvSpPr>
+          <p:cNvPr id="63" name="Shape 61"/>
+          <p:cNvSpPr/>
+          <p:nvPr/>
+        </p:nvSpPr>
+        <p:spPr>
+          <a:xfrm>
+            <a:off x="4800600" y="2478024"/>
+            <a:ext cx="7132320" cy="338328"/>
+          </a:xfrm>
+          <a:prstGeom prst="rect">
+            <a:avLst/>
+          </a:prstGeom>
+          <a:solidFill>
             <a:srgbClr val="FEF9E7"/>
           </a:solidFill>
           <a:ln w="12700">
@@ -17386,13 +17865,13 @@
       </p:sp>
       <p:sp>
         <p:nvSpPr>
-          <p:cNvPr id="52" name="Text 50"/>
-          <p:cNvSpPr/>
-          <p:nvPr/>
-        </p:nvSpPr>
-        <p:spPr>
-          <a:xfrm>
-            <a:off x="4846320" y="1819656"/>
+          <p:cNvPr id="64" name="Text 62"/>
+          <p:cNvSpPr/>
+          <p:nvPr/>
+        </p:nvSpPr>
+        <p:spPr>
+          <a:xfrm>
+            <a:off x="4846320" y="2496312"/>
             <a:ext cx="1847088" cy="301752"/>
           </a:xfrm>
           <a:prstGeom prst="rect">
@@ -17417,7 +17896,7 @@
                 <a:ea typeface="Outfit" pitchFamily="34" charset="-122"/>
                 <a:cs typeface="Outfit" pitchFamily="34" charset="-120"/>
               </a:rPr>
-              <a:t>카카오 알림톡 (2회/거래)</a:t>
+              <a:t>③ 초과과금 수익 (+12원)</a:t>
             </a:r>
             <a:endParaRPr lang="en-US" sz="900" dirty="0"/>
           </a:p>
@@ -17425,13 +17904,13 @@
       </p:sp>
       <p:sp>
         <p:nvSpPr>
-          <p:cNvPr id="53" name="Text 51"/>
-          <p:cNvSpPr/>
-          <p:nvPr/>
-        </p:nvSpPr>
-        <p:spPr>
-          <a:xfrm>
-            <a:off x="6766560" y="1819656"/>
+          <p:cNvPr id="65" name="Text 63"/>
+          <p:cNvSpPr/>
+          <p:nvPr/>
+        </p:nvSpPr>
+        <p:spPr>
+          <a:xfrm>
+            <a:off x="6766560" y="2496312"/>
             <a:ext cx="1481328" cy="301752"/>
           </a:xfrm>
           <a:prstGeom prst="rect">
@@ -17448,7 +17927,7 @@
               <a:buNone/>
             </a:pPr>
             <a:r>
-              <a:rPr lang="en-US" sz="1000" b="1" dirty="0">
+              <a:rPr lang="en-US" sz="1050" b="1" dirty="0">
                 <a:solidFill>
                   <a:srgbClr val="F5B731"/>
                 </a:solidFill>
@@ -17456,21 +17935,21 @@
                 <a:ea typeface="Outfit" pitchFamily="34" charset="-122"/>
                 <a:cs typeface="Outfit" pitchFamily="34" charset="-120"/>
               </a:rPr>
-              <a:t>1,800만</a:t>
-            </a:r>
-            <a:endParaRPr lang="en-US" sz="1000" dirty="0"/>
-          </a:p>
-        </p:txBody>
-      </p:sp>
-      <p:sp>
-        <p:nvSpPr>
-          <p:cNvPr id="54" name="Text 52"/>
-          <p:cNvSpPr/>
-          <p:nvPr/>
-        </p:nvSpPr>
-        <p:spPr>
-          <a:xfrm>
-            <a:off x="8321040" y="1819656"/>
+              <a:t>+344만</a:t>
+            </a:r>
+            <a:endParaRPr lang="en-US" sz="1050" dirty="0"/>
+          </a:p>
+        </p:txBody>
+      </p:sp>
+      <p:sp>
+        <p:nvSpPr>
+          <p:cNvPr id="66" name="Text 64"/>
+          <p:cNvSpPr/>
+          <p:nvPr/>
+        </p:nvSpPr>
+        <p:spPr>
+          <a:xfrm>
+            <a:off x="8321040" y="2496312"/>
             <a:ext cx="1481328" cy="301752"/>
           </a:xfrm>
           <a:prstGeom prst="rect">
@@ -17487,7 +17966,7 @@
               <a:buNone/>
             </a:pPr>
             <a:r>
-              <a:rPr lang="en-US" sz="1000" b="1" dirty="0">
+              <a:rPr lang="en-US" sz="1050" b="1" dirty="0">
                 <a:solidFill>
                   <a:srgbClr val="F5B731"/>
                 </a:solidFill>
@@ -17495,21 +17974,21 @@
                 <a:ea typeface="Outfit" pitchFamily="34" charset="-122"/>
                 <a:cs typeface="Outfit" pitchFamily="34" charset="-120"/>
               </a:rPr>
-              <a:t>4,500만</a:t>
-            </a:r>
-            <a:endParaRPr lang="en-US" sz="1000" dirty="0"/>
-          </a:p>
-        </p:txBody>
-      </p:sp>
-      <p:sp>
-        <p:nvSpPr>
-          <p:cNvPr id="55" name="Text 53"/>
-          <p:cNvSpPr/>
-          <p:nvPr/>
-        </p:nvSpPr>
-        <p:spPr>
-          <a:xfrm>
-            <a:off x="9875520" y="1819656"/>
+              <a:t>+860만</a:t>
+            </a:r>
+            <a:endParaRPr lang="en-US" sz="1050" dirty="0"/>
+          </a:p>
+        </p:txBody>
+      </p:sp>
+      <p:sp>
+        <p:nvSpPr>
+          <p:cNvPr id="67" name="Text 65"/>
+          <p:cNvSpPr/>
+          <p:nvPr/>
+        </p:nvSpPr>
+        <p:spPr>
+          <a:xfrm>
+            <a:off x="9875520" y="2496312"/>
             <a:ext cx="1481328" cy="301752"/>
           </a:xfrm>
           <a:prstGeom prst="rect">
@@ -17526,7 +18005,7 @@
               <a:buNone/>
             </a:pPr>
             <a:r>
-              <a:rPr lang="en-US" sz="1000" b="1" dirty="0">
+              <a:rPr lang="en-US" sz="1050" b="1" dirty="0">
                 <a:solidFill>
                   <a:srgbClr val="F5B731"/>
                 </a:solidFill>
@@ -17534,21 +18013,21 @@
                 <a:ea typeface="Outfit" pitchFamily="34" charset="-122"/>
                 <a:cs typeface="Outfit" pitchFamily="34" charset="-120"/>
               </a:rPr>
-              <a:t>9,000만</a:t>
-            </a:r>
-            <a:endParaRPr lang="en-US" sz="1000" dirty="0"/>
-          </a:p>
-        </p:txBody>
-      </p:sp>
-      <p:sp>
-        <p:nvSpPr>
-          <p:cNvPr id="56" name="Text 54"/>
-          <p:cNvSpPr/>
-          <p:nvPr/>
-        </p:nvSpPr>
-        <p:spPr>
-          <a:xfrm>
-            <a:off x="11430000" y="1819656"/>
+              <a:t>+2,160만</a:t>
+            </a:r>
+            <a:endParaRPr lang="en-US" sz="1050" dirty="0"/>
+          </a:p>
+        </p:txBody>
+      </p:sp>
+      <p:sp>
+        <p:nvSpPr>
+          <p:cNvPr id="68" name="Text 66"/>
+          <p:cNvSpPr/>
+          <p:nvPr/>
+        </p:nvSpPr>
+        <p:spPr>
+          <a:xfrm>
+            <a:off x="11430000" y="2496312"/>
             <a:ext cx="475488" cy="301752"/>
           </a:xfrm>
           <a:prstGeom prst="rect">
@@ -17565,40 +18044,40 @@
               <a:buNone/>
             </a:pPr>
             <a:r>
-              <a:rPr lang="en-US" sz="1000" b="1" dirty="0">
-                <a:solidFill>
-                  <a:srgbClr val="1A1D2B"/>
-                </a:solidFill>
-                <a:latin typeface="Outfit" pitchFamily="34" charset="0"/>
-                <a:ea typeface="Outfit" pitchFamily="34" charset="-122"/>
-                <a:cs typeface="Outfit" pitchFamily="34" charset="-120"/>
-              </a:rPr>
-              <a:t>10원×2회</a:t>
-            </a:r>
-            <a:endParaRPr lang="en-US" sz="1000" dirty="0"/>
-          </a:p>
-        </p:txBody>
-      </p:sp>
-      <p:sp>
-        <p:nvSpPr>
-          <p:cNvPr id="57" name="Shape 55"/>
-          <p:cNvSpPr/>
-          <p:nvPr/>
-        </p:nvSpPr>
-        <p:spPr>
-          <a:xfrm>
-            <a:off x="4800600" y="2139696"/>
-            <a:ext cx="7132320" cy="338328"/>
+              <a:rPr lang="en-US" sz="1050" b="1" dirty="0">
+                <a:solidFill>
+                  <a:srgbClr val="F5B731"/>
+                </a:solidFill>
+                <a:latin typeface="Outfit" pitchFamily="34" charset="0"/>
+                <a:ea typeface="Outfit" pitchFamily="34" charset="-122"/>
+                <a:cs typeface="Outfit" pitchFamily="34" charset="-120"/>
+              </a:rPr>
+              <a:t>신규↑</a:t>
+            </a:r>
+            <a:endParaRPr lang="en-US" sz="1050" dirty="0"/>
+          </a:p>
+        </p:txBody>
+      </p:sp>
+      <p:sp>
+        <p:nvSpPr>
+          <p:cNvPr id="69" name="Shape 67"/>
+          <p:cNvSpPr/>
+          <p:nvPr/>
+        </p:nvSpPr>
+        <p:spPr>
+          <a:xfrm>
+            <a:off x="4800600" y="2926080"/>
+            <a:ext cx="7132320" cy="18288"/>
           </a:xfrm>
           <a:prstGeom prst="rect">
             <a:avLst/>
           </a:prstGeom>
           <a:solidFill>
-            <a:srgbClr val="F8F9FD"/>
+            <a:srgbClr val="F5B731"/>
           </a:solidFill>
           <a:ln w="12700">
             <a:solidFill>
-              <a:srgbClr val="E2E4E9"/>
+              <a:srgbClr val="F5B731"/>
             </a:solidFill>
             <a:prstDash val="solid"/>
           </a:ln>
@@ -17606,208 +18085,13 @@
       </p:sp>
       <p:sp>
         <p:nvSpPr>
-          <p:cNvPr id="58" name="Text 56"/>
-          <p:cNvSpPr/>
-          <p:nvPr/>
-        </p:nvSpPr>
-        <p:spPr>
-          <a:xfrm>
-            <a:off x="4846320" y="2157984"/>
-            <a:ext cx="1847088" cy="301752"/>
-          </a:xfrm>
-          <a:prstGeom prst="rect">
-            <a:avLst/>
-          </a:prstGeom>
-          <a:noFill/>
-          <a:ln/>
-        </p:spPr>
-        <p:txBody>
-          <a:bodyPr wrap="square" rtlCol="0" anchor="ctr"/>
-          <a:lstStyle/>
-          <a:p>
-            <a:pPr algn="l" indent="0" marL="0">
-              <a:buNone/>
-            </a:pPr>
-            <a:r>
-              <a:rPr lang="en-US" sz="900" dirty="0">
-                <a:solidFill>
-                  <a:srgbClr val="1A1D2B"/>
-                </a:solidFill>
-                <a:latin typeface="Outfit" pitchFamily="34" charset="0"/>
-                <a:ea typeface="Outfit" pitchFamily="34" charset="-122"/>
-                <a:cs typeface="Outfit" pitchFamily="34" charset="-120"/>
-              </a:rPr>
-              <a:t>클라우드 서버 (Vercel)</a:t>
-            </a:r>
-            <a:endParaRPr lang="en-US" sz="900" dirty="0"/>
-          </a:p>
-        </p:txBody>
-      </p:sp>
-      <p:sp>
-        <p:nvSpPr>
-          <p:cNvPr id="59" name="Text 57"/>
-          <p:cNvSpPr/>
-          <p:nvPr/>
-        </p:nvSpPr>
-        <p:spPr>
-          <a:xfrm>
-            <a:off x="6766560" y="2157984"/>
-            <a:ext cx="1481328" cy="301752"/>
-          </a:xfrm>
-          <a:prstGeom prst="rect">
-            <a:avLst/>
-          </a:prstGeom>
-          <a:noFill/>
-          <a:ln/>
-        </p:spPr>
-        <p:txBody>
-          <a:bodyPr wrap="square" rtlCol="0" anchor="ctr"/>
-          <a:lstStyle/>
-          <a:p>
-            <a:pPr algn="ctr" indent="0" marL="0">
-              <a:buNone/>
-            </a:pPr>
-            <a:r>
-              <a:rPr lang="en-US" sz="1000" dirty="0">
-                <a:solidFill>
-                  <a:srgbClr val="1A1D2B"/>
-                </a:solidFill>
-                <a:latin typeface="Outfit" pitchFamily="34" charset="0"/>
-                <a:ea typeface="Outfit" pitchFamily="34" charset="-122"/>
-                <a:cs typeface="Outfit" pitchFamily="34" charset="-120"/>
-              </a:rPr>
-              <a:t>60만</a:t>
-            </a:r>
-            <a:endParaRPr lang="en-US" sz="1000" dirty="0"/>
-          </a:p>
-        </p:txBody>
-      </p:sp>
-      <p:sp>
-        <p:nvSpPr>
-          <p:cNvPr id="60" name="Text 58"/>
-          <p:cNvSpPr/>
-          <p:nvPr/>
-        </p:nvSpPr>
-        <p:spPr>
-          <a:xfrm>
-            <a:off x="8321040" y="2157984"/>
-            <a:ext cx="1481328" cy="301752"/>
-          </a:xfrm>
-          <a:prstGeom prst="rect">
-            <a:avLst/>
-          </a:prstGeom>
-          <a:noFill/>
-          <a:ln/>
-        </p:spPr>
-        <p:txBody>
-          <a:bodyPr wrap="square" rtlCol="0" anchor="ctr"/>
-          <a:lstStyle/>
-          <a:p>
-            <a:pPr algn="ctr" indent="0" marL="0">
-              <a:buNone/>
-            </a:pPr>
-            <a:r>
-              <a:rPr lang="en-US" sz="1000" dirty="0">
-                <a:solidFill>
-                  <a:srgbClr val="1A1D2B"/>
-                </a:solidFill>
-                <a:latin typeface="Outfit" pitchFamily="34" charset="0"/>
-                <a:ea typeface="Outfit" pitchFamily="34" charset="-122"/>
-                <a:cs typeface="Outfit" pitchFamily="34" charset="-120"/>
-              </a:rPr>
-              <a:t>120만</a:t>
-            </a:r>
-            <a:endParaRPr lang="en-US" sz="1000" dirty="0"/>
-          </a:p>
-        </p:txBody>
-      </p:sp>
-      <p:sp>
-        <p:nvSpPr>
-          <p:cNvPr id="61" name="Text 59"/>
-          <p:cNvSpPr/>
-          <p:nvPr/>
-        </p:nvSpPr>
-        <p:spPr>
-          <a:xfrm>
-            <a:off x="9875520" y="2157984"/>
-            <a:ext cx="1481328" cy="301752"/>
-          </a:xfrm>
-          <a:prstGeom prst="rect">
-            <a:avLst/>
-          </a:prstGeom>
-          <a:noFill/>
-          <a:ln/>
-        </p:spPr>
-        <p:txBody>
-          <a:bodyPr wrap="square" rtlCol="0" anchor="ctr"/>
-          <a:lstStyle/>
-          <a:p>
-            <a:pPr algn="ctr" indent="0" marL="0">
-              <a:buNone/>
-            </a:pPr>
-            <a:r>
-              <a:rPr lang="en-US" sz="1000" dirty="0">
-                <a:solidFill>
-                  <a:srgbClr val="1A1D2B"/>
-                </a:solidFill>
-                <a:latin typeface="Outfit" pitchFamily="34" charset="0"/>
-                <a:ea typeface="Outfit" pitchFamily="34" charset="-122"/>
-                <a:cs typeface="Outfit" pitchFamily="34" charset="-120"/>
-              </a:rPr>
-              <a:t>240만</a:t>
-            </a:r>
-            <a:endParaRPr lang="en-US" sz="1000" dirty="0"/>
-          </a:p>
-        </p:txBody>
-      </p:sp>
-      <p:sp>
-        <p:nvSpPr>
-          <p:cNvPr id="62" name="Text 60"/>
-          <p:cNvSpPr/>
-          <p:nvPr/>
-        </p:nvSpPr>
-        <p:spPr>
-          <a:xfrm>
-            <a:off x="11430000" y="2157984"/>
-            <a:ext cx="475488" cy="301752"/>
-          </a:xfrm>
-          <a:prstGeom prst="rect">
-            <a:avLst/>
-          </a:prstGeom>
-          <a:noFill/>
-          <a:ln/>
-        </p:spPr>
-        <p:txBody>
-          <a:bodyPr wrap="square" rtlCol="0" anchor="ctr"/>
-          <a:lstStyle/>
-          <a:p>
-            <a:pPr algn="ctr" indent="0" marL="0">
-              <a:buNone/>
-            </a:pPr>
-            <a:r>
-              <a:rPr lang="en-US" sz="1000" dirty="0">
-                <a:solidFill>
-                  <a:srgbClr val="1A1D2B"/>
-                </a:solidFill>
-                <a:latin typeface="Outfit" pitchFamily="34" charset="0"/>
-                <a:ea typeface="Outfit" pitchFamily="34" charset="-122"/>
-                <a:cs typeface="Outfit" pitchFamily="34" charset="-120"/>
-              </a:rPr>
-              <a:t>선형↑</a:t>
-            </a:r>
-            <a:endParaRPr lang="en-US" sz="1000" dirty="0"/>
-          </a:p>
-        </p:txBody>
-      </p:sp>
-      <p:sp>
-        <p:nvSpPr>
-          <p:cNvPr id="63" name="Shape 61"/>
-          <p:cNvSpPr/>
-          <p:nvPr/>
-        </p:nvSpPr>
-        <p:spPr>
-          <a:xfrm>
-            <a:off x="4800600" y="2478024"/>
+          <p:cNvPr id="70" name="Shape 68"/>
+          <p:cNvSpPr/>
+          <p:nvPr/>
+        </p:nvSpPr>
+        <p:spPr>
+          <a:xfrm>
+            <a:off x="4800600" y="3072384"/>
             <a:ext cx="7132320" cy="338328"/>
           </a:xfrm>
           <a:prstGeom prst="rect">
@@ -17826,13 +18110,13 @@
       </p:sp>
       <p:sp>
         <p:nvSpPr>
-          <p:cNvPr id="64" name="Text 62"/>
-          <p:cNvSpPr/>
-          <p:nvPr/>
-        </p:nvSpPr>
-        <p:spPr>
-          <a:xfrm>
-            <a:off x="4846320" y="2496312"/>
+          <p:cNvPr id="71" name="Text 69"/>
+          <p:cNvSpPr/>
+          <p:nvPr/>
+        </p:nvSpPr>
+        <p:spPr>
+          <a:xfrm>
+            <a:off x="4846320" y="3090672"/>
             <a:ext cx="1847088" cy="301752"/>
           </a:xfrm>
           <a:prstGeom prst="rect">
@@ -17857,7 +18141,7 @@
                 <a:ea typeface="Outfit" pitchFamily="34" charset="-122"/>
                 <a:cs typeface="Outfit" pitchFamily="34" charset="-120"/>
               </a:rPr>
-              <a:t>데이터베이스 (Supabase)</a:t>
+              <a:t>서버·DB·CDN (연)</a:t>
             </a:r>
             <a:endParaRPr lang="en-US" sz="900" dirty="0"/>
           </a:p>
@@ -17865,13 +18149,13 @@
       </p:sp>
       <p:sp>
         <p:nvSpPr>
-          <p:cNvPr id="65" name="Text 63"/>
-          <p:cNvSpPr/>
-          <p:nvPr/>
-        </p:nvSpPr>
-        <p:spPr>
-          <a:xfrm>
-            <a:off x="6766560" y="2496312"/>
+          <p:cNvPr id="72" name="Text 70"/>
+          <p:cNvSpPr/>
+          <p:nvPr/>
+        </p:nvSpPr>
+        <p:spPr>
+          <a:xfrm>
+            <a:off x="6766560" y="3090672"/>
             <a:ext cx="1481328" cy="301752"/>
           </a:xfrm>
           <a:prstGeom prst="rect">
@@ -17888,7 +18172,7 @@
               <a:buNone/>
             </a:pPr>
             <a:r>
-              <a:rPr lang="en-US" sz="1000" dirty="0">
+              <a:rPr lang="en-US" sz="1050" dirty="0">
                 <a:solidFill>
                   <a:srgbClr val="1A1D2B"/>
                 </a:solidFill>
@@ -17896,21 +18180,21 @@
                 <a:ea typeface="Outfit" pitchFamily="34" charset="-122"/>
                 <a:cs typeface="Outfit" pitchFamily="34" charset="-120"/>
               </a:rPr>
-              <a:t>42만</a:t>
-            </a:r>
-            <a:endParaRPr lang="en-US" sz="1000" dirty="0"/>
-          </a:p>
-        </p:txBody>
-      </p:sp>
-      <p:sp>
-        <p:nvSpPr>
-          <p:cNvPr id="66" name="Text 64"/>
-          <p:cNvSpPr/>
-          <p:nvPr/>
-        </p:nvSpPr>
-        <p:spPr>
-          <a:xfrm>
-            <a:off x="8321040" y="2496312"/>
+              <a:t>168만</a:t>
+            </a:r>
+            <a:endParaRPr lang="en-US" sz="1050" dirty="0"/>
+          </a:p>
+        </p:txBody>
+      </p:sp>
+      <p:sp>
+        <p:nvSpPr>
+          <p:cNvPr id="73" name="Text 71"/>
+          <p:cNvSpPr/>
+          <p:nvPr/>
+        </p:nvSpPr>
+        <p:spPr>
+          <a:xfrm>
+            <a:off x="8321040" y="3090672"/>
             <a:ext cx="1481328" cy="301752"/>
           </a:xfrm>
           <a:prstGeom prst="rect">
@@ -17927,7 +18211,7 @@
               <a:buNone/>
             </a:pPr>
             <a:r>
-              <a:rPr lang="en-US" sz="1000" dirty="0">
+              <a:rPr lang="en-US" sz="1050" dirty="0">
                 <a:solidFill>
                   <a:srgbClr val="1A1D2B"/>
                 </a:solidFill>
@@ -17935,21 +18219,21 @@
                 <a:ea typeface="Outfit" pitchFamily="34" charset="-122"/>
                 <a:cs typeface="Outfit" pitchFamily="34" charset="-120"/>
               </a:rPr>
-              <a:t>84만</a:t>
-            </a:r>
-            <a:endParaRPr lang="en-US" sz="1000" dirty="0"/>
-          </a:p>
-        </p:txBody>
-      </p:sp>
-      <p:sp>
-        <p:nvSpPr>
-          <p:cNvPr id="67" name="Text 65"/>
-          <p:cNvSpPr/>
-          <p:nvPr/>
-        </p:nvSpPr>
-        <p:spPr>
-          <a:xfrm>
-            <a:off x="9875520" y="2496312"/>
+              <a:t>420만</a:t>
+            </a:r>
+            <a:endParaRPr lang="en-US" sz="1050" dirty="0"/>
+          </a:p>
+        </p:txBody>
+      </p:sp>
+      <p:sp>
+        <p:nvSpPr>
+          <p:cNvPr id="74" name="Text 72"/>
+          <p:cNvSpPr/>
+          <p:nvPr/>
+        </p:nvSpPr>
+        <p:spPr>
+          <a:xfrm>
+            <a:off x="9875520" y="3090672"/>
             <a:ext cx="1481328" cy="301752"/>
           </a:xfrm>
           <a:prstGeom prst="rect">
@@ -17966,7 +18250,7 @@
               <a:buNone/>
             </a:pPr>
             <a:r>
-              <a:rPr lang="en-US" sz="1000" dirty="0">
+              <a:rPr lang="en-US" sz="1050" dirty="0">
                 <a:solidFill>
                   <a:srgbClr val="1A1D2B"/>
                 </a:solidFill>
@@ -17974,21 +18258,21 @@
                 <a:ea typeface="Outfit" pitchFamily="34" charset="-122"/>
                 <a:cs typeface="Outfit" pitchFamily="34" charset="-120"/>
               </a:rPr>
-              <a:t>168만</a:t>
-            </a:r>
-            <a:endParaRPr lang="en-US" sz="1000" dirty="0"/>
-          </a:p>
-        </p:txBody>
-      </p:sp>
-      <p:sp>
-        <p:nvSpPr>
-          <p:cNvPr id="68" name="Text 66"/>
-          <p:cNvSpPr/>
-          <p:nvPr/>
-        </p:nvSpPr>
-        <p:spPr>
-          <a:xfrm>
-            <a:off x="11430000" y="2496312"/>
+              <a:t>840만</a:t>
+            </a:r>
+            <a:endParaRPr lang="en-US" sz="1050" dirty="0"/>
+          </a:p>
+        </p:txBody>
+      </p:sp>
+      <p:sp>
+        <p:nvSpPr>
+          <p:cNvPr id="75" name="Text 73"/>
+          <p:cNvSpPr/>
+          <p:nvPr/>
+        </p:nvSpPr>
+        <p:spPr>
+          <a:xfrm>
+            <a:off x="11430000" y="3090672"/>
             <a:ext cx="475488" cy="301752"/>
           </a:xfrm>
           <a:prstGeom prst="rect">
@@ -18005,7 +18289,7 @@
               <a:buNone/>
             </a:pPr>
             <a:r>
-              <a:rPr lang="en-US" sz="1000" dirty="0">
+              <a:rPr lang="en-US" sz="1050" dirty="0">
                 <a:solidFill>
                   <a:srgbClr val="1A1D2B"/>
                 </a:solidFill>
@@ -18015,459 +18299,19 @@
               </a:rPr>
               <a:t>선형↑</a:t>
             </a:r>
-            <a:endParaRPr lang="en-US" sz="1000" dirty="0"/>
-          </a:p>
-        </p:txBody>
-      </p:sp>
-      <p:sp>
-        <p:nvSpPr>
-          <p:cNvPr id="69" name="Shape 67"/>
-          <p:cNvSpPr/>
-          <p:nvPr/>
-        </p:nvSpPr>
-        <p:spPr>
-          <a:xfrm>
-            <a:off x="4800600" y="2816352"/>
-            <a:ext cx="7132320" cy="338328"/>
-          </a:xfrm>
-          <a:prstGeom prst="rect">
-            <a:avLst/>
-          </a:prstGeom>
-          <a:solidFill>
-            <a:srgbClr val="F8F9FD"/>
-          </a:solidFill>
-          <a:ln w="12700">
-            <a:solidFill>
-              <a:srgbClr val="E2E4E9"/>
-            </a:solidFill>
-            <a:prstDash val="solid"/>
-          </a:ln>
-        </p:spPr>
-      </p:sp>
-      <p:sp>
-        <p:nvSpPr>
-          <p:cNvPr id="70" name="Text 68"/>
-          <p:cNvSpPr/>
-          <p:nvPr/>
-        </p:nvSpPr>
-        <p:spPr>
-          <a:xfrm>
-            <a:off x="4846320" y="2834640"/>
-            <a:ext cx="1847088" cy="301752"/>
-          </a:xfrm>
-          <a:prstGeom prst="rect">
-            <a:avLst/>
-          </a:prstGeom>
-          <a:noFill/>
-          <a:ln/>
-        </p:spPr>
-        <p:txBody>
-          <a:bodyPr wrap="square" rtlCol="0" anchor="ctr"/>
-          <a:lstStyle/>
-          <a:p>
-            <a:pPr algn="l" indent="0" marL="0">
-              <a:buNone/>
-            </a:pPr>
-            <a:r>
-              <a:rPr lang="en-US" sz="900" dirty="0">
-                <a:solidFill>
-                  <a:srgbClr val="1A1D2B"/>
-                </a:solidFill>
-                <a:latin typeface="Outfit" pitchFamily="34" charset="0"/>
-                <a:ea typeface="Outfit" pitchFamily="34" charset="-122"/>
-                <a:cs typeface="Outfit" pitchFamily="34" charset="-120"/>
-              </a:rPr>
-              <a:t>스토리지·CDN (QR이미지)</a:t>
-            </a:r>
-            <a:endParaRPr lang="en-US" sz="900" dirty="0"/>
-          </a:p>
-        </p:txBody>
-      </p:sp>
-      <p:sp>
-        <p:nvSpPr>
-          <p:cNvPr id="71" name="Text 69"/>
-          <p:cNvSpPr/>
-          <p:nvPr/>
-        </p:nvSpPr>
-        <p:spPr>
-          <a:xfrm>
-            <a:off x="6766560" y="2834640"/>
-            <a:ext cx="1481328" cy="301752"/>
-          </a:xfrm>
-          <a:prstGeom prst="rect">
-            <a:avLst/>
-          </a:prstGeom>
-          <a:noFill/>
-          <a:ln/>
-        </p:spPr>
-        <p:txBody>
-          <a:bodyPr wrap="square" rtlCol="0" anchor="ctr"/>
-          <a:lstStyle/>
-          <a:p>
-            <a:pPr algn="ctr" indent="0" marL="0">
-              <a:buNone/>
-            </a:pPr>
-            <a:r>
-              <a:rPr lang="en-US" sz="1000" dirty="0">
-                <a:solidFill>
-                  <a:srgbClr val="1A1D2B"/>
-                </a:solidFill>
-                <a:latin typeface="Outfit" pitchFamily="34" charset="0"/>
-                <a:ea typeface="Outfit" pitchFamily="34" charset="-122"/>
-                <a:cs typeface="Outfit" pitchFamily="34" charset="-120"/>
-              </a:rPr>
-              <a:t>24만</a:t>
-            </a:r>
-            <a:endParaRPr lang="en-US" sz="1000" dirty="0"/>
-          </a:p>
-        </p:txBody>
-      </p:sp>
-      <p:sp>
-        <p:nvSpPr>
-          <p:cNvPr id="72" name="Text 70"/>
-          <p:cNvSpPr/>
-          <p:nvPr/>
-        </p:nvSpPr>
-        <p:spPr>
-          <a:xfrm>
-            <a:off x="8321040" y="2834640"/>
-            <a:ext cx="1481328" cy="301752"/>
-          </a:xfrm>
-          <a:prstGeom prst="rect">
-            <a:avLst/>
-          </a:prstGeom>
-          <a:noFill/>
-          <a:ln/>
-        </p:spPr>
-        <p:txBody>
-          <a:bodyPr wrap="square" rtlCol="0" anchor="ctr"/>
-          <a:lstStyle/>
-          <a:p>
-            <a:pPr algn="ctr" indent="0" marL="0">
-              <a:buNone/>
-            </a:pPr>
-            <a:r>
-              <a:rPr lang="en-US" sz="1000" dirty="0">
-                <a:solidFill>
-                  <a:srgbClr val="1A1D2B"/>
-                </a:solidFill>
-                <a:latin typeface="Outfit" pitchFamily="34" charset="0"/>
-                <a:ea typeface="Outfit" pitchFamily="34" charset="-122"/>
-                <a:cs typeface="Outfit" pitchFamily="34" charset="-120"/>
-              </a:rPr>
-              <a:t>48만</a:t>
-            </a:r>
-            <a:endParaRPr lang="en-US" sz="1000" dirty="0"/>
-          </a:p>
-        </p:txBody>
-      </p:sp>
-      <p:sp>
-        <p:nvSpPr>
-          <p:cNvPr id="73" name="Text 71"/>
-          <p:cNvSpPr/>
-          <p:nvPr/>
-        </p:nvSpPr>
-        <p:spPr>
-          <a:xfrm>
-            <a:off x="9875520" y="2834640"/>
-            <a:ext cx="1481328" cy="301752"/>
-          </a:xfrm>
-          <a:prstGeom prst="rect">
-            <a:avLst/>
-          </a:prstGeom>
-          <a:noFill/>
-          <a:ln/>
-        </p:spPr>
-        <p:txBody>
-          <a:bodyPr wrap="square" rtlCol="0" anchor="ctr"/>
-          <a:lstStyle/>
-          <a:p>
-            <a:pPr algn="ctr" indent="0" marL="0">
-              <a:buNone/>
-            </a:pPr>
-            <a:r>
-              <a:rPr lang="en-US" sz="1000" dirty="0">
-                <a:solidFill>
-                  <a:srgbClr val="1A1D2B"/>
-                </a:solidFill>
-                <a:latin typeface="Outfit" pitchFamily="34" charset="0"/>
-                <a:ea typeface="Outfit" pitchFamily="34" charset="-122"/>
-                <a:cs typeface="Outfit" pitchFamily="34" charset="-120"/>
-              </a:rPr>
-              <a:t>120만</a:t>
-            </a:r>
-            <a:endParaRPr lang="en-US" sz="1000" dirty="0"/>
-          </a:p>
-        </p:txBody>
-      </p:sp>
-      <p:sp>
-        <p:nvSpPr>
-          <p:cNvPr id="74" name="Text 72"/>
-          <p:cNvSpPr/>
-          <p:nvPr/>
-        </p:nvSpPr>
-        <p:spPr>
-          <a:xfrm>
-            <a:off x="11430000" y="2834640"/>
-            <a:ext cx="475488" cy="301752"/>
-          </a:xfrm>
-          <a:prstGeom prst="rect">
-            <a:avLst/>
-          </a:prstGeom>
-          <a:noFill/>
-          <a:ln/>
-        </p:spPr>
-        <p:txBody>
-          <a:bodyPr wrap="square" rtlCol="0" anchor="ctr"/>
-          <a:lstStyle/>
-          <a:p>
-            <a:pPr algn="ctr" indent="0" marL="0">
-              <a:buNone/>
-            </a:pPr>
-            <a:r>
-              <a:rPr lang="en-US" sz="1000" dirty="0">
-                <a:solidFill>
-                  <a:srgbClr val="1A1D2B"/>
-                </a:solidFill>
-                <a:latin typeface="Outfit" pitchFamily="34" charset="0"/>
-                <a:ea typeface="Outfit" pitchFamily="34" charset="-122"/>
-                <a:cs typeface="Outfit" pitchFamily="34" charset="-120"/>
-              </a:rPr>
-              <a:t>선형↑</a:t>
-            </a:r>
-            <a:endParaRPr lang="en-US" sz="1000" dirty="0"/>
-          </a:p>
-        </p:txBody>
-      </p:sp>
-      <p:sp>
-        <p:nvSpPr>
-          <p:cNvPr id="75" name="Shape 73"/>
-          <p:cNvSpPr/>
-          <p:nvPr/>
-        </p:nvSpPr>
-        <p:spPr>
-          <a:xfrm>
-            <a:off x="4800600" y="3154680"/>
-            <a:ext cx="7132320" cy="338328"/>
-          </a:xfrm>
-          <a:prstGeom prst="rect">
-            <a:avLst/>
-          </a:prstGeom>
-          <a:solidFill>
-            <a:srgbClr val="FFFFFF"/>
-          </a:solidFill>
-          <a:ln w="12700">
-            <a:solidFill>
-              <a:srgbClr val="E2E4E9"/>
-            </a:solidFill>
-            <a:prstDash val="solid"/>
-          </a:ln>
-        </p:spPr>
-      </p:sp>
-      <p:sp>
-        <p:nvSpPr>
-          <p:cNvPr id="76" name="Text 74"/>
-          <p:cNvSpPr/>
-          <p:nvPr/>
-        </p:nvSpPr>
-        <p:spPr>
-          <a:xfrm>
-            <a:off x="4846320" y="3172968"/>
-            <a:ext cx="1847088" cy="301752"/>
-          </a:xfrm>
-          <a:prstGeom prst="rect">
-            <a:avLst/>
-          </a:prstGeom>
-          <a:noFill/>
-          <a:ln/>
-        </p:spPr>
-        <p:txBody>
-          <a:bodyPr wrap="square" rtlCol="0" anchor="ctr"/>
-          <a:lstStyle/>
-          <a:p>
-            <a:pPr algn="l" indent="0" marL="0">
-              <a:buNone/>
-            </a:pPr>
-            <a:r>
-              <a:rPr lang="en-US" sz="900" dirty="0">
-                <a:solidFill>
-                  <a:srgbClr val="1A1D2B"/>
-                </a:solidFill>
-                <a:latin typeface="Outfit" pitchFamily="34" charset="0"/>
-                <a:ea typeface="Outfit" pitchFamily="34" charset="-122"/>
-                <a:cs typeface="Outfit" pitchFamily="34" charset="-120"/>
-              </a:rPr>
-              <a:t>모니터링·이메일 등</a:t>
-            </a:r>
-            <a:endParaRPr lang="en-US" sz="900" dirty="0"/>
-          </a:p>
-        </p:txBody>
-      </p:sp>
-      <p:sp>
-        <p:nvSpPr>
-          <p:cNvPr id="77" name="Text 75"/>
-          <p:cNvSpPr/>
-          <p:nvPr/>
-        </p:nvSpPr>
-        <p:spPr>
-          <a:xfrm>
-            <a:off x="6766560" y="3172968"/>
-            <a:ext cx="1481328" cy="301752"/>
-          </a:xfrm>
-          <a:prstGeom prst="rect">
-            <a:avLst/>
-          </a:prstGeom>
-          <a:noFill/>
-          <a:ln/>
-        </p:spPr>
-        <p:txBody>
-          <a:bodyPr wrap="square" rtlCol="0" anchor="ctr"/>
-          <a:lstStyle/>
-          <a:p>
-            <a:pPr algn="ctr" indent="0" marL="0">
-              <a:buNone/>
-            </a:pPr>
-            <a:r>
-              <a:rPr lang="en-US" sz="1000" dirty="0">
-                <a:solidFill>
-                  <a:srgbClr val="1A1D2B"/>
-                </a:solidFill>
-                <a:latin typeface="Outfit" pitchFamily="34" charset="0"/>
-                <a:ea typeface="Outfit" pitchFamily="34" charset="-122"/>
-                <a:cs typeface="Outfit" pitchFamily="34" charset="-120"/>
-              </a:rPr>
-              <a:t>42만</a:t>
-            </a:r>
-            <a:endParaRPr lang="en-US" sz="1000" dirty="0"/>
-          </a:p>
-        </p:txBody>
-      </p:sp>
-      <p:sp>
-        <p:nvSpPr>
-          <p:cNvPr id="78" name="Text 76"/>
-          <p:cNvSpPr/>
-          <p:nvPr/>
-        </p:nvSpPr>
-        <p:spPr>
-          <a:xfrm>
-            <a:off x="8321040" y="3172968"/>
-            <a:ext cx="1481328" cy="301752"/>
-          </a:xfrm>
-          <a:prstGeom prst="rect">
-            <a:avLst/>
-          </a:prstGeom>
-          <a:noFill/>
-          <a:ln/>
-        </p:spPr>
-        <p:txBody>
-          <a:bodyPr wrap="square" rtlCol="0" anchor="ctr"/>
-          <a:lstStyle/>
-          <a:p>
-            <a:pPr algn="ctr" indent="0" marL="0">
-              <a:buNone/>
-            </a:pPr>
-            <a:r>
-              <a:rPr lang="en-US" sz="1000" dirty="0">
-                <a:solidFill>
-                  <a:srgbClr val="1A1D2B"/>
-                </a:solidFill>
-                <a:latin typeface="Outfit" pitchFamily="34" charset="0"/>
-                <a:ea typeface="Outfit" pitchFamily="34" charset="-122"/>
-                <a:cs typeface="Outfit" pitchFamily="34" charset="-120"/>
-              </a:rPr>
-              <a:t>66만</a:t>
-            </a:r>
-            <a:endParaRPr lang="en-US" sz="1000" dirty="0"/>
-          </a:p>
-        </p:txBody>
-      </p:sp>
-      <p:sp>
-        <p:nvSpPr>
-          <p:cNvPr id="79" name="Text 77"/>
-          <p:cNvSpPr/>
-          <p:nvPr/>
-        </p:nvSpPr>
-        <p:spPr>
-          <a:xfrm>
-            <a:off x="9875520" y="3172968"/>
-            <a:ext cx="1481328" cy="301752"/>
-          </a:xfrm>
-          <a:prstGeom prst="rect">
-            <a:avLst/>
-          </a:prstGeom>
-          <a:noFill/>
-          <a:ln/>
-        </p:spPr>
-        <p:txBody>
-          <a:bodyPr wrap="square" rtlCol="0" anchor="ctr"/>
-          <a:lstStyle/>
-          <a:p>
-            <a:pPr algn="ctr" indent="0" marL="0">
-              <a:buNone/>
-            </a:pPr>
-            <a:r>
-              <a:rPr lang="en-US" sz="1000" dirty="0">
-                <a:solidFill>
-                  <a:srgbClr val="1A1D2B"/>
-                </a:solidFill>
-                <a:latin typeface="Outfit" pitchFamily="34" charset="0"/>
-                <a:ea typeface="Outfit" pitchFamily="34" charset="-122"/>
-                <a:cs typeface="Outfit" pitchFamily="34" charset="-120"/>
-              </a:rPr>
-              <a:t>96만</a:t>
-            </a:r>
-            <a:endParaRPr lang="en-US" sz="1000" dirty="0"/>
-          </a:p>
-        </p:txBody>
-      </p:sp>
-      <p:sp>
-        <p:nvSpPr>
-          <p:cNvPr id="80" name="Text 78"/>
-          <p:cNvSpPr/>
-          <p:nvPr/>
-        </p:nvSpPr>
-        <p:spPr>
-          <a:xfrm>
-            <a:off x="11430000" y="3172968"/>
-            <a:ext cx="475488" cy="301752"/>
-          </a:xfrm>
-          <a:prstGeom prst="rect">
-            <a:avLst/>
-          </a:prstGeom>
-          <a:noFill/>
-          <a:ln/>
-        </p:spPr>
-        <p:txBody>
-          <a:bodyPr wrap="square" rtlCol="0" anchor="ctr"/>
-          <a:lstStyle/>
-          <a:p>
-            <a:pPr algn="ctr" indent="0" marL="0">
-              <a:buNone/>
-            </a:pPr>
-            <a:r>
-              <a:rPr lang="en-US" sz="1000" dirty="0">
-                <a:solidFill>
-                  <a:srgbClr val="1A1D2B"/>
-                </a:solidFill>
-                <a:latin typeface="Outfit" pitchFamily="34" charset="0"/>
-                <a:ea typeface="Outfit" pitchFamily="34" charset="-122"/>
-                <a:cs typeface="Outfit" pitchFamily="34" charset="-120"/>
-              </a:rPr>
-              <a:t>완만↑</a:t>
-            </a:r>
-            <a:endParaRPr lang="en-US" sz="1000" dirty="0"/>
-          </a:p>
-        </p:txBody>
-      </p:sp>
-      <p:sp>
-        <p:nvSpPr>
-          <p:cNvPr id="81" name="Shape 79"/>
-          <p:cNvSpPr/>
-          <p:nvPr/>
-        </p:nvSpPr>
-        <p:spPr>
-          <a:xfrm>
-            <a:off x="4800600" y="3493008"/>
+            <a:endParaRPr lang="en-US" sz="1050" dirty="0"/>
+          </a:p>
+        </p:txBody>
+      </p:sp>
+      <p:sp>
+        <p:nvSpPr>
+          <p:cNvPr id="76" name="Shape 74"/>
+          <p:cNvSpPr/>
+          <p:nvPr/>
+        </p:nvSpPr>
+        <p:spPr>
+          <a:xfrm>
+            <a:off x="4800600" y="3410712"/>
             <a:ext cx="7132320" cy="338328"/>
           </a:xfrm>
           <a:prstGeom prst="rect">
@@ -18486,13 +18330,13 @@
       </p:sp>
       <p:sp>
         <p:nvSpPr>
-          <p:cNvPr id="82" name="Text 80"/>
-          <p:cNvSpPr/>
-          <p:nvPr/>
-        </p:nvSpPr>
-        <p:spPr>
-          <a:xfrm>
-            <a:off x="4846320" y="3511296"/>
+          <p:cNvPr id="77" name="Text 75"/>
+          <p:cNvSpPr/>
+          <p:nvPr/>
+        </p:nvSpPr>
+        <p:spPr>
+          <a:xfrm>
+            <a:off x="4846320" y="3429000"/>
             <a:ext cx="1847088" cy="301752"/>
           </a:xfrm>
           <a:prstGeom prst="rect">
@@ -18517,7 +18361,7 @@
                 <a:ea typeface="Outfit" pitchFamily="34" charset="-122"/>
                 <a:cs typeface="Outfit" pitchFamily="34" charset="-120"/>
               </a:rPr>
-              <a:t>인프라 합계 (연)</a:t>
+              <a:t>인프라 COGS 합계 (연)</a:t>
             </a:r>
             <a:endParaRPr lang="en-US" sz="900" dirty="0"/>
           </a:p>
@@ -18525,13 +18369,13 @@
       </p:sp>
       <p:sp>
         <p:nvSpPr>
-          <p:cNvPr id="83" name="Text 81"/>
-          <p:cNvSpPr/>
-          <p:nvPr/>
-        </p:nvSpPr>
-        <p:spPr>
-          <a:xfrm>
-            <a:off x="6766560" y="3511296"/>
+          <p:cNvPr id="78" name="Text 76"/>
+          <p:cNvSpPr/>
+          <p:nvPr/>
+        </p:nvSpPr>
+        <p:spPr>
+          <a:xfrm>
+            <a:off x="6766560" y="3429000"/>
             <a:ext cx="1481328" cy="301752"/>
           </a:xfrm>
           <a:prstGeom prst="rect">
@@ -18548,7 +18392,7 @@
               <a:buNone/>
             </a:pPr>
             <a:r>
-              <a:rPr lang="en-US" sz="1000" b="1" dirty="0">
+              <a:rPr lang="en-US" sz="1050" b="1" dirty="0">
                 <a:solidFill>
                   <a:srgbClr val="0F9ED5"/>
                 </a:solidFill>
@@ -18556,21 +18400,21 @@
                 <a:ea typeface="Outfit" pitchFamily="34" charset="-122"/>
                 <a:cs typeface="Outfit" pitchFamily="34" charset="-120"/>
               </a:rPr>
-              <a:t>1,968만</a:t>
-            </a:r>
-            <a:endParaRPr lang="en-US" sz="1000" dirty="0"/>
-          </a:p>
-        </p:txBody>
-      </p:sp>
-      <p:sp>
-        <p:nvSpPr>
-          <p:cNvPr id="84" name="Text 82"/>
-          <p:cNvSpPr/>
-          <p:nvPr/>
-        </p:nvSpPr>
-        <p:spPr>
-          <a:xfrm>
-            <a:off x="8321040" y="3511296"/>
+              <a:t>168만</a:t>
+            </a:r>
+            <a:endParaRPr lang="en-US" sz="1050" dirty="0"/>
+          </a:p>
+        </p:txBody>
+      </p:sp>
+      <p:sp>
+        <p:nvSpPr>
+          <p:cNvPr id="79" name="Text 77"/>
+          <p:cNvSpPr/>
+          <p:nvPr/>
+        </p:nvSpPr>
+        <p:spPr>
+          <a:xfrm>
+            <a:off x="8321040" y="3429000"/>
             <a:ext cx="1481328" cy="301752"/>
           </a:xfrm>
           <a:prstGeom prst="rect">
@@ -18587,7 +18431,7 @@
               <a:buNone/>
             </a:pPr>
             <a:r>
-              <a:rPr lang="en-US" sz="1000" b="1" dirty="0">
+              <a:rPr lang="en-US" sz="1050" b="1" dirty="0">
                 <a:solidFill>
                   <a:srgbClr val="0F9ED5"/>
                 </a:solidFill>
@@ -18595,21 +18439,21 @@
                 <a:ea typeface="Outfit" pitchFamily="34" charset="-122"/>
                 <a:cs typeface="Outfit" pitchFamily="34" charset="-120"/>
               </a:rPr>
-              <a:t>4,818만</a:t>
-            </a:r>
-            <a:endParaRPr lang="en-US" sz="1000" dirty="0"/>
-          </a:p>
-        </p:txBody>
-      </p:sp>
-      <p:sp>
-        <p:nvSpPr>
-          <p:cNvPr id="85" name="Text 83"/>
-          <p:cNvSpPr/>
-          <p:nvPr/>
-        </p:nvSpPr>
-        <p:spPr>
-          <a:xfrm>
-            <a:off x="9875520" y="3511296"/>
+              <a:t>420만</a:t>
+            </a:r>
+            <a:endParaRPr lang="en-US" sz="1050" dirty="0"/>
+          </a:p>
+        </p:txBody>
+      </p:sp>
+      <p:sp>
+        <p:nvSpPr>
+          <p:cNvPr id="80" name="Text 78"/>
+          <p:cNvSpPr/>
+          <p:nvPr/>
+        </p:nvSpPr>
+        <p:spPr>
+          <a:xfrm>
+            <a:off x="9875520" y="3429000"/>
             <a:ext cx="1481328" cy="301752"/>
           </a:xfrm>
           <a:prstGeom prst="rect">
@@ -18626,7 +18470,7 @@
               <a:buNone/>
             </a:pPr>
             <a:r>
-              <a:rPr lang="en-US" sz="1000" b="1" dirty="0">
+              <a:rPr lang="en-US" sz="1050" b="1" dirty="0">
                 <a:solidFill>
                   <a:srgbClr val="0F9ED5"/>
                 </a:solidFill>
@@ -18634,21 +18478,21 @@
                 <a:ea typeface="Outfit" pitchFamily="34" charset="-122"/>
                 <a:cs typeface="Outfit" pitchFamily="34" charset="-120"/>
               </a:rPr>
-              <a:t>9,624만</a:t>
-            </a:r>
-            <a:endParaRPr lang="en-US" sz="1000" dirty="0"/>
-          </a:p>
-        </p:txBody>
-      </p:sp>
-      <p:sp>
-        <p:nvSpPr>
-          <p:cNvPr id="86" name="Text 84"/>
-          <p:cNvSpPr/>
-          <p:nvPr/>
-        </p:nvSpPr>
-        <p:spPr>
-          <a:xfrm>
-            <a:off x="11430000" y="3511296"/>
+              <a:t>840만</a:t>
+            </a:r>
+            <a:endParaRPr lang="en-US" sz="1050" dirty="0"/>
+          </a:p>
+        </p:txBody>
+      </p:sp>
+      <p:sp>
+        <p:nvSpPr>
+          <p:cNvPr id="81" name="Text 79"/>
+          <p:cNvSpPr/>
+          <p:nvPr/>
+        </p:nvSpPr>
+        <p:spPr>
+          <a:xfrm>
+            <a:off x="11430000" y="3429000"/>
             <a:ext cx="475488" cy="301752"/>
           </a:xfrm>
           <a:prstGeom prst="rect">
@@ -18665,29 +18509,29 @@
               <a:buNone/>
             </a:pPr>
             <a:r>
-              <a:rPr lang="en-US" sz="1000" b="1" dirty="0">
-                <a:solidFill>
-                  <a:srgbClr val="1A1D2B"/>
-                </a:solidFill>
-                <a:latin typeface="Outfit" pitchFamily="34" charset="0"/>
-                <a:ea typeface="Outfit" pitchFamily="34" charset="-122"/>
-                <a:cs typeface="Outfit" pitchFamily="34" charset="-120"/>
-              </a:rPr>
-              <a:t>비용↑</a:t>
-            </a:r>
-            <a:endParaRPr lang="en-US" sz="1000" dirty="0"/>
-          </a:p>
-        </p:txBody>
-      </p:sp>
-      <p:sp>
-        <p:nvSpPr>
-          <p:cNvPr id="87" name="Shape 85"/>
-          <p:cNvSpPr/>
-          <p:nvPr/>
-        </p:nvSpPr>
-        <p:spPr>
-          <a:xfrm>
-            <a:off x="4800600" y="3831336"/>
+              <a:rPr lang="en-US" sz="1050" b="1" dirty="0">
+                <a:solidFill>
+                  <a:srgbClr val="0F9ED5"/>
+                </a:solidFill>
+                <a:latin typeface="Outfit" pitchFamily="34" charset="0"/>
+                <a:ea typeface="Outfit" pitchFamily="34" charset="-122"/>
+                <a:cs typeface="Outfit" pitchFamily="34" charset="-120"/>
+              </a:rPr>
+              <a:t>↓82%</a:t>
+            </a:r>
+            <a:endParaRPr lang="en-US" sz="1050" dirty="0"/>
+          </a:p>
+        </p:txBody>
+      </p:sp>
+      <p:sp>
+        <p:nvSpPr>
+          <p:cNvPr id="82" name="Shape 80"/>
+          <p:cNvSpPr/>
+          <p:nvPr/>
+        </p:nvSpPr>
+        <p:spPr>
+          <a:xfrm>
+            <a:off x="4800600" y="3749040"/>
             <a:ext cx="7132320" cy="338328"/>
           </a:xfrm>
           <a:prstGeom prst="rect">
@@ -18706,13 +18550,13 @@
       </p:sp>
       <p:sp>
         <p:nvSpPr>
-          <p:cNvPr id="88" name="Text 86"/>
-          <p:cNvSpPr/>
-          <p:nvPr/>
-        </p:nvSpPr>
-        <p:spPr>
-          <a:xfrm>
-            <a:off x="4846320" y="3849624"/>
+          <p:cNvPr id="83" name="Text 81"/>
+          <p:cNvSpPr/>
+          <p:nvPr/>
+        </p:nvSpPr>
+        <p:spPr>
+          <a:xfrm>
+            <a:off x="4846320" y="3767328"/>
             <a:ext cx="1847088" cy="301752"/>
           </a:xfrm>
           <a:prstGeom prst="rect">
@@ -18737,7 +18581,7 @@
                 <a:ea typeface="Outfit" pitchFamily="34" charset="-122"/>
                 <a:cs typeface="Outfit" pitchFamily="34" charset="-120"/>
               </a:rPr>
-              <a:t>매출 대비 인프라 비율</a:t>
+              <a:t>영업이익률</a:t>
             </a:r>
             <a:endParaRPr lang="en-US" sz="900" dirty="0"/>
           </a:p>
@@ -18745,13 +18589,13 @@
       </p:sp>
       <p:sp>
         <p:nvSpPr>
-          <p:cNvPr id="89" name="Text 87"/>
-          <p:cNvSpPr/>
-          <p:nvPr/>
-        </p:nvSpPr>
-        <p:spPr>
-          <a:xfrm>
-            <a:off x="6766560" y="3849624"/>
+          <p:cNvPr id="84" name="Text 82"/>
+          <p:cNvSpPr/>
+          <p:nvPr/>
+        </p:nvSpPr>
+        <p:spPr>
+          <a:xfrm>
+            <a:off x="6766560" y="3767328"/>
             <a:ext cx="1481328" cy="301752"/>
           </a:xfrm>
           <a:prstGeom prst="rect">
@@ -18768,7 +18612,7 @@
               <a:buNone/>
             </a:pPr>
             <a:r>
-              <a:rPr lang="en-US" sz="1000" b="1" dirty="0">
+              <a:rPr lang="en-US" sz="1050" b="1" dirty="0">
                 <a:solidFill>
                   <a:srgbClr val="16A34A"/>
                 </a:solidFill>
@@ -18776,21 +18620,21 @@
                 <a:ea typeface="Outfit" pitchFamily="34" charset="-122"/>
                 <a:cs typeface="Outfit" pitchFamily="34" charset="-120"/>
               </a:rPr>
-              <a:t>14.1%</a:t>
-            </a:r>
-            <a:endParaRPr lang="en-US" sz="1000" dirty="0"/>
-          </a:p>
-        </p:txBody>
-      </p:sp>
-      <p:sp>
-        <p:nvSpPr>
-          <p:cNvPr id="90" name="Text 88"/>
-          <p:cNvSpPr/>
-          <p:nvPr/>
-        </p:nvSpPr>
-        <p:spPr>
-          <a:xfrm>
-            <a:off x="8321040" y="3849624"/>
+              <a:t>39.3%</a:t>
+            </a:r>
+            <a:endParaRPr lang="en-US" sz="1050" dirty="0"/>
+          </a:p>
+        </p:txBody>
+      </p:sp>
+      <p:sp>
+        <p:nvSpPr>
+          <p:cNvPr id="85" name="Text 83"/>
+          <p:cNvSpPr/>
+          <p:nvPr/>
+        </p:nvSpPr>
+        <p:spPr>
+          <a:xfrm>
+            <a:off x="8321040" y="3767328"/>
             <a:ext cx="1481328" cy="301752"/>
           </a:xfrm>
           <a:prstGeom prst="rect">
@@ -18807,7 +18651,7 @@
               <a:buNone/>
             </a:pPr>
             <a:r>
-              <a:rPr lang="en-US" sz="1000" b="1" dirty="0">
+              <a:rPr lang="en-US" sz="1050" b="1" dirty="0">
                 <a:solidFill>
                   <a:srgbClr val="16A34A"/>
                 </a:solidFill>
@@ -18815,21 +18659,21 @@
                 <a:ea typeface="Outfit" pitchFamily="34" charset="-122"/>
                 <a:cs typeface="Outfit" pitchFamily="34" charset="-120"/>
               </a:rPr>
-              <a:t>11.0%</a:t>
-            </a:r>
-            <a:endParaRPr lang="en-US" sz="1000" dirty="0"/>
-          </a:p>
-        </p:txBody>
-      </p:sp>
-      <p:sp>
-        <p:nvSpPr>
-          <p:cNvPr id="91" name="Text 89"/>
-          <p:cNvSpPr/>
-          <p:nvPr/>
-        </p:nvSpPr>
-        <p:spPr>
-          <a:xfrm>
-            <a:off x="9875520" y="3849624"/>
+              <a:t>42.5%</a:t>
+            </a:r>
+            <a:endParaRPr lang="en-US" sz="1050" dirty="0"/>
+          </a:p>
+        </p:txBody>
+      </p:sp>
+      <p:sp>
+        <p:nvSpPr>
+          <p:cNvPr id="86" name="Text 84"/>
+          <p:cNvSpPr/>
+          <p:nvPr/>
+        </p:nvSpPr>
+        <p:spPr>
+          <a:xfrm>
+            <a:off x="9875520" y="3767328"/>
             <a:ext cx="1481328" cy="301752"/>
           </a:xfrm>
           <a:prstGeom prst="rect">
@@ -18846,7 +18690,7 @@
               <a:buNone/>
             </a:pPr>
             <a:r>
-              <a:rPr lang="en-US" sz="1000" b="1" dirty="0">
+              <a:rPr lang="en-US" sz="1050" b="1" dirty="0">
                 <a:solidFill>
                   <a:srgbClr val="16A34A"/>
                 </a:solidFill>
@@ -18854,21 +18698,21 @@
                 <a:ea typeface="Outfit" pitchFamily="34" charset="-122"/>
                 <a:cs typeface="Outfit" pitchFamily="34" charset="-120"/>
               </a:rPr>
-              <a:t>9.5%</a:t>
-            </a:r>
-            <a:endParaRPr lang="en-US" sz="1000" dirty="0"/>
-          </a:p>
-        </p:txBody>
-      </p:sp>
-      <p:sp>
-        <p:nvSpPr>
-          <p:cNvPr id="92" name="Text 90"/>
-          <p:cNvSpPr/>
-          <p:nvPr/>
-        </p:nvSpPr>
-        <p:spPr>
-          <a:xfrm>
-            <a:off x="11430000" y="3849624"/>
+              <a:t>50.2%</a:t>
+            </a:r>
+            <a:endParaRPr lang="en-US" sz="1050" dirty="0"/>
+          </a:p>
+        </p:txBody>
+      </p:sp>
+      <p:sp>
+        <p:nvSpPr>
+          <p:cNvPr id="87" name="Text 85"/>
+          <p:cNvSpPr/>
+          <p:nvPr/>
+        </p:nvSpPr>
+        <p:spPr>
+          <a:xfrm>
+            <a:off x="11430000" y="3767328"/>
             <a:ext cx="475488" cy="301752"/>
           </a:xfrm>
           <a:prstGeom prst="rect">
@@ -18885,29 +18729,29 @@
               <a:buNone/>
             </a:pPr>
             <a:r>
-              <a:rPr lang="en-US" sz="1000" b="1" dirty="0">
-                <a:solidFill>
-                  <a:srgbClr val="1A1D2B"/>
-                </a:solidFill>
-                <a:latin typeface="Outfit" pitchFamily="34" charset="0"/>
-                <a:ea typeface="Outfit" pitchFamily="34" charset="-122"/>
-                <a:cs typeface="Outfit" pitchFamily="34" charset="-120"/>
-              </a:rPr>
-              <a:t>SaaS↓</a:t>
-            </a:r>
-            <a:endParaRPr lang="en-US" sz="1000" dirty="0"/>
-          </a:p>
-        </p:txBody>
-      </p:sp>
-      <p:sp>
-        <p:nvSpPr>
-          <p:cNvPr id="93" name="Shape 91"/>
-          <p:cNvSpPr/>
-          <p:nvPr/>
-        </p:nvSpPr>
-        <p:spPr>
-          <a:xfrm>
-            <a:off x="4800600" y="4334256"/>
+              <a:rPr lang="en-US" sz="1050" b="1" dirty="0">
+                <a:solidFill>
+                  <a:srgbClr val="16A34A"/>
+                </a:solidFill>
+                <a:latin typeface="Outfit" pitchFamily="34" charset="0"/>
+                <a:ea typeface="Outfit" pitchFamily="34" charset="-122"/>
+                <a:cs typeface="Outfit" pitchFamily="34" charset="-120"/>
+              </a:rPr>
+              <a:t>+22%p</a:t>
+            </a:r>
+            <a:endParaRPr lang="en-US" sz="1050" dirty="0"/>
+          </a:p>
+        </p:txBody>
+      </p:sp>
+      <p:sp>
+        <p:nvSpPr>
+          <p:cNvPr id="88" name="Shape 86"/>
+          <p:cNvSpPr/>
+          <p:nvPr/>
+        </p:nvSpPr>
+        <p:spPr>
+          <a:xfrm>
+            <a:off x="4800600" y="4251960"/>
             <a:ext cx="7132320" cy="20117"/>
           </a:xfrm>
           <a:prstGeom prst="rect">
@@ -18926,13 +18770,13 @@
       </p:sp>
       <p:graphicFrame>
         <p:nvGraphicFramePr>
-          <p:cNvPr id="94" name="Chart 0" descr=""/>
+          <p:cNvPr id="89" name="Chart 0" descr=""/>
           <p:cNvGraphicFramePr/>
           <p:nvPr/>
         </p:nvGraphicFramePr>
         <p:xfrm>
-          <a:off x="4800600" y="4425696"/>
-          <a:ext cx="7132320" cy="2139696"/>
+          <a:off x="4800600" y="4343400"/>
+          <a:ext cx="7132320" cy="2221992"/>
         </p:xfrm>
         <a:graphic xmlns:a="http://schemas.openxmlformats.org/drawingml/2006/main">
           <a:graphicData uri="http://schemas.openxmlformats.org/drawingml/2006/chart">
@@ -18942,7 +18786,7 @@
       </p:graphicFrame>
       <p:sp>
         <p:nvSpPr>
-          <p:cNvPr id="95" name="Text 92"/>
+          <p:cNvPr id="90" name="Text 87"/>
           <p:cNvSpPr/>
           <p:nvPr/>
         </p:nvSpPr>
